--- a/powerpoint/Session1.pptx
+++ b/powerpoint/Session1.pptx
@@ -11,32 +11,33 @@
   </p:sldMasterIdLst>
   <p:sldIdLst>
     <p:sldId id="256" r:id="rId7"/>
-    <p:sldId id="257" r:id="rId8"/>
-    <p:sldId id="258" r:id="rId9"/>
-    <p:sldId id="259" r:id="rId10"/>
-    <p:sldId id="260" r:id="rId11"/>
-    <p:sldId id="261" r:id="rId12"/>
-    <p:sldId id="262" r:id="rId13"/>
-    <p:sldId id="263" r:id="rId14"/>
-    <p:sldId id="264" r:id="rId15"/>
-    <p:sldId id="276" r:id="rId16"/>
-    <p:sldId id="282" r:id="rId17"/>
-    <p:sldId id="265" r:id="rId18"/>
-    <p:sldId id="266" r:id="rId19"/>
-    <p:sldId id="283" r:id="rId20"/>
-    <p:sldId id="267" r:id="rId21"/>
-    <p:sldId id="268" r:id="rId22"/>
-    <p:sldId id="269" r:id="rId23"/>
-    <p:sldId id="270" r:id="rId24"/>
-    <p:sldId id="271" r:id="rId25"/>
-    <p:sldId id="272" r:id="rId26"/>
-    <p:sldId id="273" r:id="rId27"/>
-    <p:sldId id="274" r:id="rId28"/>
-    <p:sldId id="275" r:id="rId29"/>
-    <p:sldId id="277" r:id="rId30"/>
-    <p:sldId id="278" r:id="rId31"/>
-    <p:sldId id="280" r:id="rId32"/>
-    <p:sldId id="281" r:id="rId33"/>
+    <p:sldId id="285" r:id="rId8"/>
+    <p:sldId id="257" r:id="rId9"/>
+    <p:sldId id="258" r:id="rId10"/>
+    <p:sldId id="259" r:id="rId11"/>
+    <p:sldId id="260" r:id="rId12"/>
+    <p:sldId id="261" r:id="rId13"/>
+    <p:sldId id="262" r:id="rId14"/>
+    <p:sldId id="263" r:id="rId15"/>
+    <p:sldId id="264" r:id="rId16"/>
+    <p:sldId id="276" r:id="rId17"/>
+    <p:sldId id="282" r:id="rId18"/>
+    <p:sldId id="265" r:id="rId19"/>
+    <p:sldId id="266" r:id="rId20"/>
+    <p:sldId id="283" r:id="rId21"/>
+    <p:sldId id="267" r:id="rId22"/>
+    <p:sldId id="268" r:id="rId23"/>
+    <p:sldId id="269" r:id="rId24"/>
+    <p:sldId id="270" r:id="rId25"/>
+    <p:sldId id="271" r:id="rId26"/>
+    <p:sldId id="272" r:id="rId27"/>
+    <p:sldId id="273" r:id="rId28"/>
+    <p:sldId id="274" r:id="rId29"/>
+    <p:sldId id="275" r:id="rId30"/>
+    <p:sldId id="277" r:id="rId31"/>
+    <p:sldId id="278" r:id="rId32"/>
+    <p:sldId id="280" r:id="rId33"/>
+    <p:sldId id="281" r:id="rId34"/>
   </p:sldIdLst>
   <p:sldSz cx="9144000" cy="6858000" type="screen4x3"/>
   <p:notesSz cx="7559675" cy="10691813"/>
@@ -141,6 +142,88 @@
     </p:ext>
   </p:extLst>
 </p:presentation>
+</file>
+
+<file path=ppt/revisionInfo.xml><?xml version="1.0" encoding="utf-8"?>
+<p1510:revInfo xmlns:a="http://schemas.openxmlformats.org/drawingml/2006/main" xmlns:r="http://schemas.openxmlformats.org/officeDocument/2006/relationships" xmlns:p1510="http://schemas.microsoft.com/office/powerpoint/2015/10/main">
+  <p1510:revLst>
+    <p1510:client id="{6B9E06D8-20C2-D848-A103-87A0E5BBED98}" v="1" dt="2023-10-10T07:55:39.616"/>
+  </p1510:revLst>
+</p1510:revInfo>
+</file>
+
+<file path=ppt/changesInfos/changesInfo1.xml><?xml version="1.0" encoding="utf-8"?>
+<pc:chgInfo xmlns:a="http://schemas.openxmlformats.org/drawingml/2006/main" xmlns:r="http://schemas.openxmlformats.org/officeDocument/2006/relationships" xmlns:ac="http://schemas.microsoft.com/office/drawing/2013/main/command" xmlns:pc="http://schemas.microsoft.com/office/powerpoint/2013/main/command">
+  <pc:docChgLst>
+    <pc:chgData name="Srinivasa Rao" userId="a6b54366-f13d-4292-8bb4-f06c50909b1e" providerId="ADAL" clId="{6B9E06D8-20C2-D848-A103-87A0E5BBED98}"/>
+    <pc:docChg chg="custSel addSld delSld modSld sldOrd">
+      <pc:chgData name="Srinivasa Rao" userId="a6b54366-f13d-4292-8bb4-f06c50909b1e" providerId="ADAL" clId="{6B9E06D8-20C2-D848-A103-87A0E5BBED98}" dt="2023-10-10T07:55:39.609" v="138" actId="20577"/>
+      <pc:docMkLst>
+        <pc:docMk/>
+      </pc:docMkLst>
+      <pc:sldChg chg="modSp mod">
+        <pc:chgData name="Srinivasa Rao" userId="a6b54366-f13d-4292-8bb4-f06c50909b1e" providerId="ADAL" clId="{6B9E06D8-20C2-D848-A103-87A0E5BBED98}" dt="2023-10-10T07:55:05.365" v="129" actId="20577"/>
+        <pc:sldMkLst>
+          <pc:docMk/>
+          <pc:sldMk cId="0" sldId="256"/>
+        </pc:sldMkLst>
+        <pc:spChg chg="mod">
+          <ac:chgData name="Srinivasa Rao" userId="a6b54366-f13d-4292-8bb4-f06c50909b1e" providerId="ADAL" clId="{6B9E06D8-20C2-D848-A103-87A0E5BBED98}" dt="2023-10-10T07:54:55.855" v="119" actId="20577"/>
+          <ac:spMkLst>
+            <pc:docMk/>
+            <pc:sldMk cId="0" sldId="256"/>
+            <ac:spMk id="228" creationId="{00000000-0000-0000-0000-000000000000}"/>
+          </ac:spMkLst>
+        </pc:spChg>
+        <pc:spChg chg="mod">
+          <ac:chgData name="Srinivasa Rao" userId="a6b54366-f13d-4292-8bb4-f06c50909b1e" providerId="ADAL" clId="{6B9E06D8-20C2-D848-A103-87A0E5BBED98}" dt="2023-10-10T07:55:05.365" v="129" actId="20577"/>
+          <ac:spMkLst>
+            <pc:docMk/>
+            <pc:sldMk cId="0" sldId="256"/>
+            <ac:spMk id="229" creationId="{00000000-0000-0000-0000-000000000000}"/>
+          </ac:spMkLst>
+        </pc:spChg>
+      </pc:sldChg>
+      <pc:sldChg chg="modSp mod">
+        <pc:chgData name="Srinivasa Rao" userId="a6b54366-f13d-4292-8bb4-f06c50909b1e" providerId="ADAL" clId="{6B9E06D8-20C2-D848-A103-87A0E5BBED98}" dt="2023-10-10T07:55:39.609" v="138" actId="20577"/>
+        <pc:sldMkLst>
+          <pc:docMk/>
+          <pc:sldMk cId="0" sldId="257"/>
+        </pc:sldMkLst>
+        <pc:spChg chg="mod">
+          <ac:chgData name="Srinivasa Rao" userId="a6b54366-f13d-4292-8bb4-f06c50909b1e" providerId="ADAL" clId="{6B9E06D8-20C2-D848-A103-87A0E5BBED98}" dt="2023-10-10T07:55:39.609" v="138" actId="20577"/>
+          <ac:spMkLst>
+            <pc:docMk/>
+            <pc:sldMk cId="0" sldId="257"/>
+            <ac:spMk id="230" creationId="{00000000-0000-0000-0000-000000000000}"/>
+          </ac:spMkLst>
+        </pc:spChg>
+      </pc:sldChg>
+      <pc:sldChg chg="new del ord">
+        <pc:chgData name="Srinivasa Rao" userId="a6b54366-f13d-4292-8bb4-f06c50909b1e" providerId="ADAL" clId="{6B9E06D8-20C2-D848-A103-87A0E5BBED98}" dt="2023-10-10T07:54:08.853" v="3" actId="2696"/>
+        <pc:sldMkLst>
+          <pc:docMk/>
+          <pc:sldMk cId="934352441" sldId="284"/>
+        </pc:sldMkLst>
+      </pc:sldChg>
+      <pc:sldChg chg="modSp add mod">
+        <pc:chgData name="Srinivasa Rao" userId="a6b54366-f13d-4292-8bb4-f06c50909b1e" providerId="ADAL" clId="{6B9E06D8-20C2-D848-A103-87A0E5BBED98}" dt="2023-10-10T07:55:11.949" v="130"/>
+        <pc:sldMkLst>
+          <pc:docMk/>
+          <pc:sldMk cId="55516250" sldId="285"/>
+        </pc:sldMkLst>
+        <pc:spChg chg="mod">
+          <ac:chgData name="Srinivasa Rao" userId="a6b54366-f13d-4292-8bb4-f06c50909b1e" providerId="ADAL" clId="{6B9E06D8-20C2-D848-A103-87A0E5BBED98}" dt="2023-10-10T07:55:11.949" v="130"/>
+          <ac:spMkLst>
+            <pc:docMk/>
+            <pc:sldMk cId="55516250" sldId="285"/>
+            <ac:spMk id="229" creationId="{00000000-0000-0000-0000-000000000000}"/>
+          </ac:spMkLst>
+        </pc:spChg>
+      </pc:sldChg>
+    </pc:docChg>
+  </pc:docChgLst>
+</pc:chgInfo>
 </file>
 
 <file path=ppt/diagrams/colors1.xml><?xml version="1.0" encoding="utf-8"?>
@@ -19884,7 +19967,7 @@
         </p:style>
         <p:txBody>
           <a:bodyPr lIns="90000" tIns="45000" rIns="90000" bIns="45000" anchor="ctr">
-            <a:normAutofit fontScale="80500" lnSpcReduction="20000"/>
+            <a:normAutofit fontScale="88000" lnSpcReduction="20000"/>
           </a:bodyPr>
           <a:lstStyle/>
           <a:p>
@@ -19894,7 +19977,24 @@
               </a:lnSpc>
             </a:pPr>
             <a:r>
-              <a:rPr lang="en-US" sz="4400" b="0" strike="noStrike" spc="-1">
+              <a:rPr lang="en-US" sz="4400" b="0" strike="noStrike" spc="-1" dirty="0">
+                <a:solidFill>
+                  <a:srgbClr val="000000"/>
+                </a:solidFill>
+                <a:latin typeface="Calibri"/>
+                <a:ea typeface="Calibri"/>
+              </a:rPr>
+              <a:t>Welcome to </a:t>
+            </a:r>
+          </a:p>
+          <a:p>
+            <a:pPr algn="ctr">
+              <a:lnSpc>
+                <a:spcPct val="100000"/>
+              </a:lnSpc>
+            </a:pPr>
+            <a:r>
+              <a:rPr lang="en-US" sz="4400" b="0" strike="noStrike" spc="-1" dirty="0">
                 <a:solidFill>
                   <a:srgbClr val="000000"/>
                 </a:solidFill>
@@ -19903,29 +20003,14 @@
               </a:rPr>
               <a:t>Intro to R for Biologists</a:t>
             </a:r>
-            <a:br/>
+            <a:br>
+              <a:rPr dirty="0"/>
+            </a:br>
             <a:r>
-              <a:rPr lang="en-US" sz="4400" b="0" strike="noStrike" spc="-1">
-                <a:solidFill>
-                  <a:srgbClr val="000000"/>
-                </a:solidFill>
-                <a:latin typeface="Calibri"/>
-                <a:ea typeface="Calibri"/>
-              </a:rPr>
-              <a:t>Session 1</a:t>
+              <a:rPr lang="en-GB" dirty="0"/>
+              <a:t>We’ll start at 9:30am, please ask if you have any issues with installation of R and RStudio</a:t>
             </a:r>
-            <a:br/>
-            <a:r>
-              <a:rPr lang="en-US" sz="4400" b="1" strike="noStrike" spc="-1">
-                <a:solidFill>
-                  <a:srgbClr val="000000"/>
-                </a:solidFill>
-                <a:latin typeface="Calibri"/>
-                <a:ea typeface="Calibri"/>
-              </a:rPr>
-              <a:t>R basics</a:t>
-            </a:r>
-            <a:endParaRPr lang="en-GB" sz="4400" b="0" strike="noStrike" spc="-1">
+            <a:endParaRPr lang="en-GB" sz="4400" b="0" strike="noStrike" spc="-1" dirty="0">
               <a:latin typeface="Arial"/>
             </a:endParaRPr>
           </a:p>
@@ -20006,6 +20091,16 @@
               </a:tabLst>
             </a:pPr>
             <a:r>
+              <a:rPr lang="en-US" sz="3200" b="0" strike="noStrike" spc="-1" dirty="0" err="1">
+                <a:solidFill>
+                  <a:srgbClr val="8B8B8B"/>
+                </a:solidFill>
+                <a:latin typeface="Calibri"/>
+                <a:ea typeface="DejaVu Sans"/>
+              </a:rPr>
+              <a:t>Michaelmas</a:t>
+            </a:r>
+            <a:r>
               <a:rPr lang="en-US" sz="3200" b="0" strike="noStrike" spc="-1" dirty="0">
                 <a:solidFill>
                   <a:srgbClr val="8B8B8B"/>
@@ -20013,7 +20108,7 @@
                 <a:latin typeface="Calibri"/>
                 <a:ea typeface="DejaVu Sans"/>
               </a:rPr>
-              <a:t>Trinity 2023</a:t>
+              <a:t> 2023</a:t>
             </a:r>
             <a:endParaRPr lang="en-GB" sz="3200" b="0" strike="noStrike" spc="-1" dirty="0">
               <a:latin typeface="Arial"/>
@@ -20030,6 +20125,114 @@
 </file>
 
 <file path=ppt/slides/slide10.xml><?xml version="1.0" encoding="utf-8"?>
+<p:sld xmlns:a="http://schemas.openxmlformats.org/drawingml/2006/main" xmlns:r="http://schemas.openxmlformats.org/officeDocument/2006/relationships" xmlns:p="http://schemas.openxmlformats.org/presentationml/2006/main">
+  <p:cSld>
+    <p:spTree>
+      <p:nvGrpSpPr>
+        <p:cNvPr id="1" name=""/>
+        <p:cNvGrpSpPr/>
+        <p:nvPr/>
+      </p:nvGrpSpPr>
+      <p:grpSpPr>
+        <a:xfrm>
+          <a:off x="0" y="0"/>
+          <a:ext cx="0" cy="0"/>
+          <a:chOff x="0" y="0"/>
+          <a:chExt cx="0" cy="0"/>
+        </a:xfrm>
+      </p:grpSpPr>
+      <p:sp>
+        <p:nvSpPr>
+          <p:cNvPr id="269" name="CustomShape 1"/>
+          <p:cNvSpPr/>
+          <p:nvPr/>
+        </p:nvSpPr>
+        <p:spPr>
+          <a:xfrm>
+            <a:off x="822960" y="1072080"/>
+            <a:ext cx="7542720" cy="1087200"/>
+          </a:xfrm>
+          <a:prstGeom prst="rect">
+            <a:avLst/>
+          </a:prstGeom>
+          <a:noFill/>
+          <a:ln>
+            <a:noFill/>
+          </a:ln>
+        </p:spPr>
+        <p:style>
+          <a:lnRef idx="0">
+            <a:scrgbClr r="0" g="0" b="0"/>
+          </a:lnRef>
+          <a:fillRef idx="0">
+            <a:scrgbClr r="0" g="0" b="0"/>
+          </a:fillRef>
+          <a:effectRef idx="0">
+            <a:scrgbClr r="0" g="0" b="0"/>
+          </a:effectRef>
+          <a:fontRef idx="minor"/>
+        </p:style>
+        <p:txBody>
+          <a:bodyPr lIns="82800" tIns="41400" rIns="82800" bIns="41400" anchor="b">
+            <a:normAutofit/>
+          </a:bodyPr>
+          <a:lstStyle/>
+          <a:p>
+            <a:pPr>
+              <a:lnSpc>
+                <a:spcPct val="85000"/>
+              </a:lnSpc>
+              <a:spcAft>
+                <a:spcPts val="544"/>
+              </a:spcAft>
+              <a:tabLst>
+                <a:tab pos="0" algn="l"/>
+              </a:tabLst>
+            </a:pPr>
+            <a:r>
+              <a:rPr lang="en-US" sz="4400" b="1" strike="noStrike" spc="-46" dirty="0">
+                <a:latin typeface="Calibri"/>
+                <a:ea typeface="DejaVu Sans"/>
+              </a:rPr>
+              <a:t>How to get help</a:t>
+            </a:r>
+            <a:endParaRPr lang="en-GB" sz="4400" b="0" strike="noStrike" spc="-1" dirty="0">
+              <a:latin typeface="Arial"/>
+            </a:endParaRPr>
+          </a:p>
+        </p:txBody>
+      </p:sp>
+      <p:graphicFrame>
+        <p:nvGraphicFramePr>
+          <p:cNvPr id="3" name="Diagram3"/>
+          <p:cNvGraphicFramePr/>
+          <p:nvPr>
+            <p:extLst>
+              <p:ext uri="{D42A27DB-BD31-4B8C-83A1-F6EECF244321}">
+                <p14:modId xmlns:p14="http://schemas.microsoft.com/office/powerpoint/2010/main" val="2666678168"/>
+              </p:ext>
+            </p:extLst>
+          </p:nvPr>
+        </p:nvGraphicFramePr>
+        <p:xfrm>
+          <a:off x="822600" y="2431080"/>
+          <a:ext cx="7542720" cy="2838600"/>
+        </p:xfrm>
+        <a:graphic>
+          <a:graphicData uri="http://schemas.openxmlformats.org/drawingml/2006/diagram">
+            <dgm:relIds xmlns:dgm="http://schemas.openxmlformats.org/drawingml/2006/diagram" xmlns:r="http://schemas.openxmlformats.org/officeDocument/2006/relationships" r:dm="rId2" r:lo="rId3" r:qs="rId4" r:cs="rId5"/>
+          </a:graphicData>
+        </a:graphic>
+      </p:graphicFrame>
+    </p:spTree>
+  </p:cSld>
+  <p:clrMapOvr>
+    <a:masterClrMapping/>
+  </p:clrMapOvr>
+</p:sld>
+</file>
+
+<file path=ppt/slides/slide11.xml><?xml version="1.0" encoding="utf-8"?>
 <p:sld xmlns:a="http://schemas.openxmlformats.org/drawingml/2006/main" xmlns:r="http://schemas.openxmlformats.org/officeDocument/2006/relationships" xmlns:p="http://schemas.openxmlformats.org/presentationml/2006/main">
   <p:cSld>
     <p:spTree>
@@ -21921,7 +22124,7 @@
 </p:sld>
 </file>
 
-<file path=ppt/slides/slide11.xml><?xml version="1.0" encoding="utf-8"?>
+<file path=ppt/slides/slide12.xml><?xml version="1.0" encoding="utf-8"?>
 <p:sld xmlns:a="http://schemas.openxmlformats.org/drawingml/2006/main" xmlns:r="http://schemas.openxmlformats.org/officeDocument/2006/relationships" xmlns:p="http://schemas.openxmlformats.org/presentationml/2006/main">
   <p:cSld>
     <p:spTree>
@@ -23055,7 +23258,7 @@
 </p:sld>
 </file>
 
-<file path=ppt/slides/slide12.xml><?xml version="1.0" encoding="utf-8"?>
+<file path=ppt/slides/slide13.xml><?xml version="1.0" encoding="utf-8"?>
 <p:sld xmlns:a="http://schemas.openxmlformats.org/drawingml/2006/main" xmlns:r="http://schemas.openxmlformats.org/officeDocument/2006/relationships" xmlns:p="http://schemas.openxmlformats.org/presentationml/2006/main">
   <p:cSld>
     <p:bg>
@@ -23115,6 +23318,13 @@
           </a:effectRef>
           <a:fontRef idx="minor"/>
         </p:style>
+        <p:txBody>
+          <a:bodyPr/>
+          <a:lstStyle/>
+          <a:p>
+            <a:endParaRPr lang="en-US"/>
+          </a:p>
+        </p:txBody>
       </p:sp>
       <p:sp>
         <p:nvSpPr>
@@ -23557,6 +23767,13 @@
           </a:effectRef>
           <a:fontRef idx="minor"/>
         </p:style>
+        <p:txBody>
+          <a:bodyPr/>
+          <a:lstStyle/>
+          <a:p>
+            <a:endParaRPr lang="en-US"/>
+          </a:p>
+        </p:txBody>
       </p:sp>
       <p:pic>
         <p:nvPicPr>
@@ -23589,7 +23806,7 @@
 </p:sld>
 </file>
 
-<file path=ppt/slides/slide13.xml><?xml version="1.0" encoding="utf-8"?>
+<file path=ppt/slides/slide14.xml><?xml version="1.0" encoding="utf-8"?>
 <p:sld xmlns:a="http://schemas.openxmlformats.org/drawingml/2006/main" xmlns:r="http://schemas.openxmlformats.org/officeDocument/2006/relationships" xmlns:p="http://schemas.openxmlformats.org/presentationml/2006/main">
   <p:cSld>
     <p:spTree>
@@ -24275,7 +24492,7 @@
 </p:sld>
 </file>
 
-<file path=ppt/slides/slide14.xml><?xml version="1.0" encoding="utf-8"?>
+<file path=ppt/slides/slide15.xml><?xml version="1.0" encoding="utf-8"?>
 <p:sld xmlns:a="http://schemas.openxmlformats.org/drawingml/2006/main" xmlns:r="http://schemas.openxmlformats.org/officeDocument/2006/relationships" xmlns:p="http://schemas.openxmlformats.org/presentationml/2006/main">
   <p:cSld>
     <p:spTree>
@@ -24831,7 +25048,7 @@
 </p:sld>
 </file>
 
-<file path=ppt/slides/slide15.xml><?xml version="1.0" encoding="utf-8"?>
+<file path=ppt/slides/slide16.xml><?xml version="1.0" encoding="utf-8"?>
 <p:sld xmlns:a="http://schemas.openxmlformats.org/drawingml/2006/main" xmlns:r="http://schemas.openxmlformats.org/officeDocument/2006/relationships" xmlns:p="http://schemas.openxmlformats.org/presentationml/2006/main">
   <p:cSld>
     <p:spTree>
@@ -25208,7 +25425,7 @@
 </p:sld>
 </file>
 
-<file path=ppt/slides/slide16.xml><?xml version="1.0" encoding="utf-8"?>
+<file path=ppt/slides/slide17.xml><?xml version="1.0" encoding="utf-8"?>
 <p:sld xmlns:a="http://schemas.openxmlformats.org/drawingml/2006/main" xmlns:r="http://schemas.openxmlformats.org/officeDocument/2006/relationships" xmlns:p="http://schemas.openxmlformats.org/presentationml/2006/main">
   <p:cSld>
     <p:spTree>
@@ -25559,6 +25776,13 @@
               </a:effectRef>
               <a:fontRef idx="minor"/>
             </p:style>
+            <p:txBody>
+              <a:bodyPr/>
+              <a:lstStyle/>
+              <a:p>
+                <a:endParaRPr lang="en-US"/>
+              </a:p>
+            </p:txBody>
           </p:sp>
           <p:sp>
             <p:nvSpPr>
@@ -25595,6 +25819,13 @@
               </a:effectRef>
               <a:fontRef idx="minor"/>
             </p:style>
+            <p:txBody>
+              <a:bodyPr/>
+              <a:lstStyle/>
+              <a:p>
+                <a:endParaRPr lang="en-US"/>
+              </a:p>
+            </p:txBody>
           </p:sp>
           <p:sp>
             <p:nvSpPr>
@@ -25628,6 +25859,13 @@
               </a:effectRef>
               <a:fontRef idx="minor"/>
             </p:style>
+            <p:txBody>
+              <a:bodyPr/>
+              <a:lstStyle/>
+              <a:p>
+                <a:endParaRPr lang="en-US"/>
+              </a:p>
+            </p:txBody>
           </p:sp>
           <p:sp>
             <p:nvSpPr>
@@ -25661,6 +25899,13 @@
               </a:effectRef>
               <a:fontRef idx="minor"/>
             </p:style>
+            <p:txBody>
+              <a:bodyPr/>
+              <a:lstStyle/>
+              <a:p>
+                <a:endParaRPr lang="en-US"/>
+              </a:p>
+            </p:txBody>
           </p:sp>
           <p:sp>
             <p:nvSpPr>
@@ -25694,6 +25939,13 @@
               </a:effectRef>
               <a:fontRef idx="minor"/>
             </p:style>
+            <p:txBody>
+              <a:bodyPr/>
+              <a:lstStyle/>
+              <a:p>
+                <a:endParaRPr lang="en-US"/>
+              </a:p>
+            </p:txBody>
           </p:sp>
           <p:sp>
             <p:nvSpPr>
@@ -25730,6 +25982,13 @@
               </a:effectRef>
               <a:fontRef idx="minor"/>
             </p:style>
+            <p:txBody>
+              <a:bodyPr/>
+              <a:lstStyle/>
+              <a:p>
+                <a:endParaRPr lang="en-US"/>
+              </a:p>
+            </p:txBody>
           </p:sp>
           <p:sp>
             <p:nvSpPr>
@@ -25763,6 +26022,13 @@
               </a:effectRef>
               <a:fontRef idx="minor"/>
             </p:style>
+            <p:txBody>
+              <a:bodyPr/>
+              <a:lstStyle/>
+              <a:p>
+                <a:endParaRPr lang="en-US"/>
+              </a:p>
+            </p:txBody>
           </p:sp>
           <p:sp>
             <p:nvSpPr>
@@ -25796,6 +26062,13 @@
               </a:effectRef>
               <a:fontRef idx="minor"/>
             </p:style>
+            <p:txBody>
+              <a:bodyPr/>
+              <a:lstStyle/>
+              <a:p>
+                <a:endParaRPr lang="en-US"/>
+              </a:p>
+            </p:txBody>
           </p:sp>
           <p:sp>
             <p:nvSpPr>
@@ -25829,6 +26102,13 @@
               </a:effectRef>
               <a:fontRef idx="minor"/>
             </p:style>
+            <p:txBody>
+              <a:bodyPr/>
+              <a:lstStyle/>
+              <a:p>
+                <a:endParaRPr lang="en-US"/>
+              </a:p>
+            </p:txBody>
           </p:sp>
           <p:sp>
             <p:nvSpPr>
@@ -25865,6 +26145,13 @@
               </a:effectRef>
               <a:fontRef idx="minor"/>
             </p:style>
+            <p:txBody>
+              <a:bodyPr/>
+              <a:lstStyle/>
+              <a:p>
+                <a:endParaRPr lang="en-US"/>
+              </a:p>
+            </p:txBody>
           </p:sp>
           <p:sp>
             <p:nvSpPr>
@@ -25898,6 +26185,13 @@
               </a:effectRef>
               <a:fontRef idx="minor"/>
             </p:style>
+            <p:txBody>
+              <a:bodyPr/>
+              <a:lstStyle/>
+              <a:p>
+                <a:endParaRPr lang="en-US"/>
+              </a:p>
+            </p:txBody>
           </p:sp>
           <p:sp>
             <p:nvSpPr>
@@ -25931,6 +26225,13 @@
               </a:effectRef>
               <a:fontRef idx="minor"/>
             </p:style>
+            <p:txBody>
+              <a:bodyPr/>
+              <a:lstStyle/>
+              <a:p>
+                <a:endParaRPr lang="en-US"/>
+              </a:p>
+            </p:txBody>
           </p:sp>
           <p:sp>
             <p:nvSpPr>
@@ -26308,7 +26609,7 @@
 </p:sld>
 </file>
 
-<file path=ppt/slides/slide17.xml><?xml version="1.0" encoding="utf-8"?>
+<file path=ppt/slides/slide18.xml><?xml version="1.0" encoding="utf-8"?>
 <p:sld xmlns:a="http://schemas.openxmlformats.org/drawingml/2006/main" xmlns:r="http://schemas.openxmlformats.org/officeDocument/2006/relationships" xmlns:p="http://schemas.openxmlformats.org/presentationml/2006/main">
   <p:cSld>
     <p:spTree>
@@ -26507,6 +26808,13 @@
               </a:effectRef>
               <a:fontRef idx="minor"/>
             </p:style>
+            <p:txBody>
+              <a:bodyPr/>
+              <a:lstStyle/>
+              <a:p>
+                <a:endParaRPr lang="en-US"/>
+              </a:p>
+            </p:txBody>
           </p:sp>
           <p:sp>
             <p:nvSpPr>
@@ -26543,6 +26851,13 @@
               </a:effectRef>
               <a:fontRef idx="minor"/>
             </p:style>
+            <p:txBody>
+              <a:bodyPr/>
+              <a:lstStyle/>
+              <a:p>
+                <a:endParaRPr lang="en-US"/>
+              </a:p>
+            </p:txBody>
           </p:sp>
           <p:sp>
             <p:nvSpPr>
@@ -26576,6 +26891,13 @@
               </a:effectRef>
               <a:fontRef idx="minor"/>
             </p:style>
+            <p:txBody>
+              <a:bodyPr/>
+              <a:lstStyle/>
+              <a:p>
+                <a:endParaRPr lang="en-US"/>
+              </a:p>
+            </p:txBody>
           </p:sp>
           <p:sp>
             <p:nvSpPr>
@@ -26609,6 +26931,13 @@
               </a:effectRef>
               <a:fontRef idx="minor"/>
             </p:style>
+            <p:txBody>
+              <a:bodyPr/>
+              <a:lstStyle/>
+              <a:p>
+                <a:endParaRPr lang="en-US"/>
+              </a:p>
+            </p:txBody>
           </p:sp>
           <p:sp>
             <p:nvSpPr>
@@ -26642,6 +26971,13 @@
               </a:effectRef>
               <a:fontRef idx="minor"/>
             </p:style>
+            <p:txBody>
+              <a:bodyPr/>
+              <a:lstStyle/>
+              <a:p>
+                <a:endParaRPr lang="en-US"/>
+              </a:p>
+            </p:txBody>
           </p:sp>
           <p:sp>
             <p:nvSpPr>
@@ -26678,6 +27014,13 @@
               </a:effectRef>
               <a:fontRef idx="minor"/>
             </p:style>
+            <p:txBody>
+              <a:bodyPr/>
+              <a:lstStyle/>
+              <a:p>
+                <a:endParaRPr lang="en-US"/>
+              </a:p>
+            </p:txBody>
           </p:sp>
           <p:sp>
             <p:nvSpPr>
@@ -26711,6 +27054,13 @@
               </a:effectRef>
               <a:fontRef idx="minor"/>
             </p:style>
+            <p:txBody>
+              <a:bodyPr/>
+              <a:lstStyle/>
+              <a:p>
+                <a:endParaRPr lang="en-US"/>
+              </a:p>
+            </p:txBody>
           </p:sp>
           <p:sp>
             <p:nvSpPr>
@@ -26744,6 +27094,13 @@
               </a:effectRef>
               <a:fontRef idx="minor"/>
             </p:style>
+            <p:txBody>
+              <a:bodyPr/>
+              <a:lstStyle/>
+              <a:p>
+                <a:endParaRPr lang="en-US"/>
+              </a:p>
+            </p:txBody>
           </p:sp>
           <p:sp>
             <p:nvSpPr>
@@ -26777,6 +27134,13 @@
               </a:effectRef>
               <a:fontRef idx="minor"/>
             </p:style>
+            <p:txBody>
+              <a:bodyPr/>
+              <a:lstStyle/>
+              <a:p>
+                <a:endParaRPr lang="en-US"/>
+              </a:p>
+            </p:txBody>
           </p:sp>
           <p:sp>
             <p:nvSpPr>
@@ -26813,6 +27177,13 @@
               </a:effectRef>
               <a:fontRef idx="minor"/>
             </p:style>
+            <p:txBody>
+              <a:bodyPr/>
+              <a:lstStyle/>
+              <a:p>
+                <a:endParaRPr lang="en-US"/>
+              </a:p>
+            </p:txBody>
           </p:sp>
           <p:sp>
             <p:nvSpPr>
@@ -26846,6 +27217,13 @@
               </a:effectRef>
               <a:fontRef idx="minor"/>
             </p:style>
+            <p:txBody>
+              <a:bodyPr/>
+              <a:lstStyle/>
+              <a:p>
+                <a:endParaRPr lang="en-US"/>
+              </a:p>
+            </p:txBody>
           </p:sp>
           <p:sp>
             <p:nvSpPr>
@@ -26879,6 +27257,13 @@
               </a:effectRef>
               <a:fontRef idx="minor"/>
             </p:style>
+            <p:txBody>
+              <a:bodyPr/>
+              <a:lstStyle/>
+              <a:p>
+                <a:endParaRPr lang="en-US"/>
+              </a:p>
+            </p:txBody>
           </p:sp>
           <p:sp>
             <p:nvSpPr>
@@ -27283,6 +27668,13 @@
           </a:effectRef>
           <a:fontRef idx="minor"/>
         </p:style>
+        <p:txBody>
+          <a:bodyPr/>
+          <a:lstStyle/>
+          <a:p>
+            <a:endParaRPr lang="en-US"/>
+          </a:p>
+        </p:txBody>
       </p:sp>
       <p:sp>
         <p:nvSpPr>
@@ -27380,6 +27772,13 @@
           </a:effectRef>
           <a:fontRef idx="minor"/>
         </p:style>
+        <p:txBody>
+          <a:bodyPr/>
+          <a:lstStyle/>
+          <a:p>
+            <a:endParaRPr lang="en-US"/>
+          </a:p>
+        </p:txBody>
       </p:sp>
       <p:sp>
         <p:nvSpPr>
@@ -28673,7 +29072,7 @@
 </p:sld>
 </file>
 
-<file path=ppt/slides/slide18.xml><?xml version="1.0" encoding="utf-8"?>
+<file path=ppt/slides/slide19.xml><?xml version="1.0" encoding="utf-8"?>
 <p:sld xmlns:a="http://schemas.openxmlformats.org/drawingml/2006/main" xmlns:r="http://schemas.openxmlformats.org/officeDocument/2006/relationships" xmlns:p="http://schemas.openxmlformats.org/presentationml/2006/main">
   <p:cSld>
     <p:spTree>
@@ -28844,6 +29243,13 @@
           </a:effectRef>
           <a:fontRef idx="minor"/>
         </p:style>
+        <p:txBody>
+          <a:bodyPr/>
+          <a:lstStyle/>
+          <a:p>
+            <a:endParaRPr lang="en-US"/>
+          </a:p>
+        </p:txBody>
       </p:sp>
       <p:sp>
         <p:nvSpPr>
@@ -28880,6 +29286,13 @@
           </a:effectRef>
           <a:fontRef idx="minor"/>
         </p:style>
+        <p:txBody>
+          <a:bodyPr/>
+          <a:lstStyle/>
+          <a:p>
+            <a:endParaRPr lang="en-US"/>
+          </a:p>
+        </p:txBody>
       </p:sp>
       <p:sp>
         <p:nvSpPr>
@@ -28913,6 +29326,13 @@
           </a:effectRef>
           <a:fontRef idx="minor"/>
         </p:style>
+        <p:txBody>
+          <a:bodyPr/>
+          <a:lstStyle/>
+          <a:p>
+            <a:endParaRPr lang="en-US"/>
+          </a:p>
+        </p:txBody>
       </p:sp>
       <p:sp>
         <p:nvSpPr>
@@ -28952,6 +29372,13 @@
           </a:effectRef>
           <a:fontRef idx="minor"/>
         </p:style>
+        <p:txBody>
+          <a:bodyPr/>
+          <a:lstStyle/>
+          <a:p>
+            <a:endParaRPr lang="en-US"/>
+          </a:p>
+        </p:txBody>
       </p:sp>
       <p:sp>
         <p:nvSpPr>
@@ -28988,6 +29415,13 @@
           </a:effectRef>
           <a:fontRef idx="minor"/>
         </p:style>
+        <p:txBody>
+          <a:bodyPr/>
+          <a:lstStyle/>
+          <a:p>
+            <a:endParaRPr lang="en-US"/>
+          </a:p>
+        </p:txBody>
       </p:sp>
       <p:sp>
         <p:nvSpPr>
@@ -29021,6 +29455,13 @@
           </a:effectRef>
           <a:fontRef idx="minor"/>
         </p:style>
+        <p:txBody>
+          <a:bodyPr/>
+          <a:lstStyle/>
+          <a:p>
+            <a:endParaRPr lang="en-US"/>
+          </a:p>
+        </p:txBody>
       </p:sp>
       <p:sp>
         <p:nvSpPr>
@@ -29060,6 +29501,13 @@
           </a:effectRef>
           <a:fontRef idx="minor"/>
         </p:style>
+        <p:txBody>
+          <a:bodyPr/>
+          <a:lstStyle/>
+          <a:p>
+            <a:endParaRPr lang="en-US"/>
+          </a:p>
+        </p:txBody>
       </p:sp>
       <p:sp>
         <p:nvSpPr>
@@ -29096,6 +29544,13 @@
           </a:effectRef>
           <a:fontRef idx="minor"/>
         </p:style>
+        <p:txBody>
+          <a:bodyPr/>
+          <a:lstStyle/>
+          <a:p>
+            <a:endParaRPr lang="en-US"/>
+          </a:p>
+        </p:txBody>
       </p:sp>
       <p:sp>
         <p:nvSpPr>
@@ -29129,6 +29584,13 @@
           </a:effectRef>
           <a:fontRef idx="minor"/>
         </p:style>
+        <p:txBody>
+          <a:bodyPr/>
+          <a:lstStyle/>
+          <a:p>
+            <a:endParaRPr lang="en-US"/>
+          </a:p>
+        </p:txBody>
       </p:sp>
       <p:sp>
         <p:nvSpPr>
@@ -29534,6 +29996,13 @@
           </a:effectRef>
           <a:fontRef idx="minor"/>
         </p:style>
+        <p:txBody>
+          <a:bodyPr/>
+          <a:lstStyle/>
+          <a:p>
+            <a:endParaRPr lang="en-US"/>
+          </a:p>
+        </p:txBody>
       </p:sp>
       <p:sp>
         <p:nvSpPr>
@@ -29576,6 +30045,13 @@
           </a:effectRef>
           <a:fontRef idx="minor"/>
         </p:style>
+        <p:txBody>
+          <a:bodyPr/>
+          <a:lstStyle/>
+          <a:p>
+            <a:endParaRPr lang="en-US"/>
+          </a:p>
+        </p:txBody>
       </p:sp>
       <p:sp>
         <p:nvSpPr>
@@ -29618,6 +30094,13 @@
           </a:effectRef>
           <a:fontRef idx="minor"/>
         </p:style>
+        <p:txBody>
+          <a:bodyPr/>
+          <a:lstStyle/>
+          <a:p>
+            <a:endParaRPr lang="en-US"/>
+          </a:p>
+        </p:txBody>
       </p:sp>
       <p:sp>
         <p:nvSpPr>
@@ -29657,6 +30140,13 @@
           </a:effectRef>
           <a:fontRef idx="minor"/>
         </p:style>
+        <p:txBody>
+          <a:bodyPr/>
+          <a:lstStyle/>
+          <a:p>
+            <a:endParaRPr lang="en-US"/>
+          </a:p>
+        </p:txBody>
       </p:sp>
       <p:sp>
         <p:nvSpPr>
@@ -29693,6 +30183,13 @@
           </a:effectRef>
           <a:fontRef idx="minor"/>
         </p:style>
+        <p:txBody>
+          <a:bodyPr/>
+          <a:lstStyle/>
+          <a:p>
+            <a:endParaRPr lang="en-US"/>
+          </a:p>
+        </p:txBody>
       </p:sp>
       <p:sp>
         <p:nvSpPr>
@@ -29726,6 +30223,13 @@
           </a:effectRef>
           <a:fontRef idx="minor"/>
         </p:style>
+        <p:txBody>
+          <a:bodyPr/>
+          <a:lstStyle/>
+          <a:p>
+            <a:endParaRPr lang="en-US"/>
+          </a:p>
+        </p:txBody>
       </p:sp>
       <p:sp>
         <p:nvSpPr>
@@ -29997,6 +30501,13 @@
           </a:effectRef>
           <a:fontRef idx="minor"/>
         </p:style>
+        <p:txBody>
+          <a:bodyPr/>
+          <a:lstStyle/>
+          <a:p>
+            <a:endParaRPr lang="en-US"/>
+          </a:p>
+        </p:txBody>
       </p:sp>
       <p:sp>
         <p:nvSpPr>
@@ -30033,6 +30544,13 @@
           </a:effectRef>
           <a:fontRef idx="minor"/>
         </p:style>
+        <p:txBody>
+          <a:bodyPr/>
+          <a:lstStyle/>
+          <a:p>
+            <a:endParaRPr lang="en-US"/>
+          </a:p>
+        </p:txBody>
       </p:sp>
       <p:sp>
         <p:nvSpPr>
@@ -30066,6 +30584,13 @@
           </a:effectRef>
           <a:fontRef idx="minor"/>
         </p:style>
+        <p:txBody>
+          <a:bodyPr/>
+          <a:lstStyle/>
+          <a:p>
+            <a:endParaRPr lang="en-US"/>
+          </a:p>
+        </p:txBody>
       </p:sp>
       <p:sp>
         <p:nvSpPr>
@@ -30105,6 +30630,13 @@
           </a:effectRef>
           <a:fontRef idx="minor"/>
         </p:style>
+        <p:txBody>
+          <a:bodyPr/>
+          <a:lstStyle/>
+          <a:p>
+            <a:endParaRPr lang="en-US"/>
+          </a:p>
+        </p:txBody>
       </p:sp>
       <p:sp>
         <p:nvSpPr>
@@ -30141,6 +30673,13 @@
           </a:effectRef>
           <a:fontRef idx="minor"/>
         </p:style>
+        <p:txBody>
+          <a:bodyPr/>
+          <a:lstStyle/>
+          <a:p>
+            <a:endParaRPr lang="en-US"/>
+          </a:p>
+        </p:txBody>
       </p:sp>
       <p:sp>
         <p:nvSpPr>
@@ -30174,6 +30713,13 @@
           </a:effectRef>
           <a:fontRef idx="minor"/>
         </p:style>
+        <p:txBody>
+          <a:bodyPr/>
+          <a:lstStyle/>
+          <a:p>
+            <a:endParaRPr lang="en-US"/>
+          </a:p>
+        </p:txBody>
       </p:sp>
       <p:sp>
         <p:nvSpPr>
@@ -30213,6 +30759,13 @@
           </a:effectRef>
           <a:fontRef idx="minor"/>
         </p:style>
+        <p:txBody>
+          <a:bodyPr/>
+          <a:lstStyle/>
+          <a:p>
+            <a:endParaRPr lang="en-US"/>
+          </a:p>
+        </p:txBody>
       </p:sp>
       <p:sp>
         <p:nvSpPr>
@@ -30249,6 +30802,13 @@
           </a:effectRef>
           <a:fontRef idx="minor"/>
         </p:style>
+        <p:txBody>
+          <a:bodyPr/>
+          <a:lstStyle/>
+          <a:p>
+            <a:endParaRPr lang="en-US"/>
+          </a:p>
+        </p:txBody>
       </p:sp>
       <p:sp>
         <p:nvSpPr>
@@ -30282,6 +30842,13 @@
           </a:effectRef>
           <a:fontRef idx="minor"/>
         </p:style>
+        <p:txBody>
+          <a:bodyPr/>
+          <a:lstStyle/>
+          <a:p>
+            <a:endParaRPr lang="en-US"/>
+          </a:p>
+        </p:txBody>
       </p:sp>
       <p:sp>
         <p:nvSpPr>
@@ -30565,6 +31132,13 @@
           </a:effectRef>
           <a:fontRef idx="minor"/>
         </p:style>
+        <p:txBody>
+          <a:bodyPr/>
+          <a:lstStyle/>
+          <a:p>
+            <a:endParaRPr lang="en-US"/>
+          </a:p>
+        </p:txBody>
       </p:sp>
       <p:sp>
         <p:nvSpPr>
@@ -30601,6 +31175,13 @@
           </a:effectRef>
           <a:fontRef idx="minor"/>
         </p:style>
+        <p:txBody>
+          <a:bodyPr/>
+          <a:lstStyle/>
+          <a:p>
+            <a:endParaRPr lang="en-US"/>
+          </a:p>
+        </p:txBody>
       </p:sp>
       <p:sp>
         <p:nvSpPr>
@@ -30634,6 +31215,13 @@
           </a:effectRef>
           <a:fontRef idx="minor"/>
         </p:style>
+        <p:txBody>
+          <a:bodyPr/>
+          <a:lstStyle/>
+          <a:p>
+            <a:endParaRPr lang="en-US"/>
+          </a:p>
+        </p:txBody>
       </p:sp>
       <p:sp>
         <p:nvSpPr>
@@ -30850,6 +31438,13 @@
           </a:effectRef>
           <a:fontRef idx="minor"/>
         </p:style>
+        <p:txBody>
+          <a:bodyPr/>
+          <a:lstStyle/>
+          <a:p>
+            <a:endParaRPr lang="en-US"/>
+          </a:p>
+        </p:txBody>
       </p:sp>
       <p:sp>
         <p:nvSpPr>
@@ -30886,6 +31481,13 @@
           </a:effectRef>
           <a:fontRef idx="minor"/>
         </p:style>
+        <p:txBody>
+          <a:bodyPr/>
+          <a:lstStyle/>
+          <a:p>
+            <a:endParaRPr lang="en-US"/>
+          </a:p>
+        </p:txBody>
       </p:sp>
       <p:sp>
         <p:nvSpPr>
@@ -30919,6 +31521,13 @@
           </a:effectRef>
           <a:fontRef idx="minor"/>
         </p:style>
+        <p:txBody>
+          <a:bodyPr/>
+          <a:lstStyle/>
+          <a:p>
+            <a:endParaRPr lang="en-US"/>
+          </a:p>
+        </p:txBody>
       </p:sp>
       <p:sp>
         <p:nvSpPr>
@@ -30958,6 +31567,13 @@
           </a:effectRef>
           <a:fontRef idx="minor"/>
         </p:style>
+        <p:txBody>
+          <a:bodyPr/>
+          <a:lstStyle/>
+          <a:p>
+            <a:endParaRPr lang="en-US"/>
+          </a:p>
+        </p:txBody>
       </p:sp>
       <p:sp>
         <p:nvSpPr>
@@ -30994,6 +31610,13 @@
           </a:effectRef>
           <a:fontRef idx="minor"/>
         </p:style>
+        <p:txBody>
+          <a:bodyPr/>
+          <a:lstStyle/>
+          <a:p>
+            <a:endParaRPr lang="en-US"/>
+          </a:p>
+        </p:txBody>
       </p:sp>
       <p:sp>
         <p:nvSpPr>
@@ -31027,6 +31650,13 @@
           </a:effectRef>
           <a:fontRef idx="minor"/>
         </p:style>
+        <p:txBody>
+          <a:bodyPr/>
+          <a:lstStyle/>
+          <a:p>
+            <a:endParaRPr lang="en-US"/>
+          </a:p>
+        </p:txBody>
       </p:sp>
       <p:sp>
         <p:nvSpPr>
@@ -31066,6 +31696,13 @@
           </a:effectRef>
           <a:fontRef idx="minor"/>
         </p:style>
+        <p:txBody>
+          <a:bodyPr/>
+          <a:lstStyle/>
+          <a:p>
+            <a:endParaRPr lang="en-US"/>
+          </a:p>
+        </p:txBody>
       </p:sp>
       <p:sp>
         <p:nvSpPr>
@@ -31102,6 +31739,13 @@
           </a:effectRef>
           <a:fontRef idx="minor"/>
         </p:style>
+        <p:txBody>
+          <a:bodyPr/>
+          <a:lstStyle/>
+          <a:p>
+            <a:endParaRPr lang="en-US"/>
+          </a:p>
+        </p:txBody>
       </p:sp>
       <p:sp>
         <p:nvSpPr>
@@ -31135,6 +31779,13 @@
           </a:effectRef>
           <a:fontRef idx="minor"/>
         </p:style>
+        <p:txBody>
+          <a:bodyPr/>
+          <a:lstStyle/>
+          <a:p>
+            <a:endParaRPr lang="en-US"/>
+          </a:p>
+        </p:txBody>
       </p:sp>
       <p:sp>
         <p:nvSpPr>
@@ -31479,6 +32130,13 @@
           </a:effectRef>
           <a:fontRef idx="minor"/>
         </p:style>
+        <p:txBody>
+          <a:bodyPr/>
+          <a:lstStyle/>
+          <a:p>
+            <a:endParaRPr lang="en-US"/>
+          </a:p>
+        </p:txBody>
       </p:sp>
       <p:sp>
         <p:nvSpPr>
@@ -31521,6 +32179,13 @@
           </a:effectRef>
           <a:fontRef idx="minor"/>
         </p:style>
+        <p:txBody>
+          <a:bodyPr/>
+          <a:lstStyle/>
+          <a:p>
+            <a:endParaRPr lang="en-US"/>
+          </a:p>
+        </p:txBody>
       </p:sp>
       <p:sp>
         <p:nvSpPr>
@@ -31563,6 +32228,13 @@
           </a:effectRef>
           <a:fontRef idx="minor"/>
         </p:style>
+        <p:txBody>
+          <a:bodyPr/>
+          <a:lstStyle/>
+          <a:p>
+            <a:endParaRPr lang="en-US"/>
+          </a:p>
+        </p:txBody>
       </p:sp>
       <p:sp>
         <p:nvSpPr>
@@ -31718,6 +32390,13 @@
           </a:effectRef>
           <a:fontRef idx="minor"/>
         </p:style>
+        <p:txBody>
+          <a:bodyPr/>
+          <a:lstStyle/>
+          <a:p>
+            <a:endParaRPr lang="en-US"/>
+          </a:p>
+        </p:txBody>
       </p:sp>
       <p:sp>
         <p:nvSpPr>
@@ -31754,6 +32433,13 @@
           </a:effectRef>
           <a:fontRef idx="minor"/>
         </p:style>
+        <p:txBody>
+          <a:bodyPr/>
+          <a:lstStyle/>
+          <a:p>
+            <a:endParaRPr lang="en-US"/>
+          </a:p>
+        </p:txBody>
       </p:sp>
       <p:sp>
         <p:nvSpPr>
@@ -31787,6 +32473,13 @@
           </a:effectRef>
           <a:fontRef idx="minor"/>
         </p:style>
+        <p:txBody>
+          <a:bodyPr/>
+          <a:lstStyle/>
+          <a:p>
+            <a:endParaRPr lang="en-US"/>
+          </a:p>
+        </p:txBody>
       </p:sp>
       <p:sp>
         <p:nvSpPr>
@@ -31826,6 +32519,13 @@
           </a:effectRef>
           <a:fontRef idx="minor"/>
         </p:style>
+        <p:txBody>
+          <a:bodyPr/>
+          <a:lstStyle/>
+          <a:p>
+            <a:endParaRPr lang="en-US"/>
+          </a:p>
+        </p:txBody>
       </p:sp>
       <p:sp>
         <p:nvSpPr>
@@ -31862,6 +32562,13 @@
           </a:effectRef>
           <a:fontRef idx="minor"/>
         </p:style>
+        <p:txBody>
+          <a:bodyPr/>
+          <a:lstStyle/>
+          <a:p>
+            <a:endParaRPr lang="en-US"/>
+          </a:p>
+        </p:txBody>
       </p:sp>
       <p:sp>
         <p:nvSpPr>
@@ -31895,6 +32602,13 @@
           </a:effectRef>
           <a:fontRef idx="minor"/>
         </p:style>
+        <p:txBody>
+          <a:bodyPr/>
+          <a:lstStyle/>
+          <a:p>
+            <a:endParaRPr lang="en-US"/>
+          </a:p>
+        </p:txBody>
       </p:sp>
       <p:sp>
         <p:nvSpPr>
@@ -31934,6 +32648,13 @@
           </a:effectRef>
           <a:fontRef idx="minor"/>
         </p:style>
+        <p:txBody>
+          <a:bodyPr/>
+          <a:lstStyle/>
+          <a:p>
+            <a:endParaRPr lang="en-US"/>
+          </a:p>
+        </p:txBody>
       </p:sp>
       <p:sp>
         <p:nvSpPr>
@@ -31970,6 +32691,13 @@
           </a:effectRef>
           <a:fontRef idx="minor"/>
         </p:style>
+        <p:txBody>
+          <a:bodyPr/>
+          <a:lstStyle/>
+          <a:p>
+            <a:endParaRPr lang="en-US"/>
+          </a:p>
+        </p:txBody>
       </p:sp>
       <p:sp>
         <p:nvSpPr>
@@ -32003,6 +32731,13 @@
           </a:effectRef>
           <a:fontRef idx="minor"/>
         </p:style>
+        <p:txBody>
+          <a:bodyPr/>
+          <a:lstStyle/>
+          <a:p>
+            <a:endParaRPr lang="en-US"/>
+          </a:p>
+        </p:txBody>
       </p:sp>
       <p:sp>
         <p:nvSpPr>
@@ -32343,6 +33078,13 @@
           </a:effectRef>
           <a:fontRef idx="minor"/>
         </p:style>
+        <p:txBody>
+          <a:bodyPr/>
+          <a:lstStyle/>
+          <a:p>
+            <a:endParaRPr lang="en-US"/>
+          </a:p>
+        </p:txBody>
       </p:sp>
       <p:sp>
         <p:nvSpPr>
@@ -32378,6 +33120,13 @@
           </a:effectRef>
           <a:fontRef idx="minor"/>
         </p:style>
+        <p:txBody>
+          <a:bodyPr/>
+          <a:lstStyle/>
+          <a:p>
+            <a:endParaRPr lang="en-US"/>
+          </a:p>
+        </p:txBody>
       </p:sp>
       <p:sp>
         <p:nvSpPr>
@@ -32414,6 +33163,13 @@
           </a:effectRef>
           <a:fontRef idx="minor"/>
         </p:style>
+        <p:txBody>
+          <a:bodyPr/>
+          <a:lstStyle/>
+          <a:p>
+            <a:endParaRPr lang="en-US"/>
+          </a:p>
+        </p:txBody>
       </p:sp>
       <p:sp>
         <p:nvSpPr>
@@ -32450,6 +33206,13 @@
           </a:effectRef>
           <a:fontRef idx="minor"/>
         </p:style>
+        <p:txBody>
+          <a:bodyPr/>
+          <a:lstStyle/>
+          <a:p>
+            <a:endParaRPr lang="en-US"/>
+          </a:p>
+        </p:txBody>
       </p:sp>
       <p:sp>
         <p:nvSpPr>
@@ -33757,7 +34520,221 @@
 </p:sld>
 </file>
 
-<file path=ppt/slides/slide19.xml><?xml version="1.0" encoding="utf-8"?>
+<file path=ppt/slides/slide2.xml><?xml version="1.0" encoding="utf-8"?>
+<p:sld xmlns:a="http://schemas.openxmlformats.org/drawingml/2006/main" xmlns:r="http://schemas.openxmlformats.org/officeDocument/2006/relationships" xmlns:p="http://schemas.openxmlformats.org/presentationml/2006/main">
+  <p:cSld>
+    <p:spTree>
+      <p:nvGrpSpPr>
+        <p:cNvPr id="1" name=""/>
+        <p:cNvGrpSpPr/>
+        <p:nvPr/>
+      </p:nvGrpSpPr>
+      <p:grpSpPr>
+        <a:xfrm>
+          <a:off x="0" y="0"/>
+          <a:ext cx="0" cy="0"/>
+          <a:chOff x="0" y="0"/>
+          <a:chExt cx="0" cy="0"/>
+        </a:xfrm>
+      </p:grpSpPr>
+      <p:sp>
+        <p:nvSpPr>
+          <p:cNvPr id="228" name="CustomShape 1"/>
+          <p:cNvSpPr/>
+          <p:nvPr/>
+        </p:nvSpPr>
+        <p:spPr>
+          <a:xfrm>
+            <a:off x="685800" y="2130480"/>
+            <a:ext cx="7771320" cy="1468800"/>
+          </a:xfrm>
+          <a:prstGeom prst="rect">
+            <a:avLst/>
+          </a:prstGeom>
+          <a:noFill/>
+          <a:ln>
+            <a:noFill/>
+          </a:ln>
+        </p:spPr>
+        <p:style>
+          <a:lnRef idx="0">
+            <a:scrgbClr r="0" g="0" b="0"/>
+          </a:lnRef>
+          <a:fillRef idx="0">
+            <a:scrgbClr r="0" g="0" b="0"/>
+          </a:fillRef>
+          <a:effectRef idx="0">
+            <a:scrgbClr r="0" g="0" b="0"/>
+          </a:effectRef>
+          <a:fontRef idx="minor"/>
+        </p:style>
+        <p:txBody>
+          <a:bodyPr lIns="90000" tIns="45000" rIns="90000" bIns="45000" anchor="ctr">
+            <a:normAutofit fontScale="80500" lnSpcReduction="20000"/>
+          </a:bodyPr>
+          <a:lstStyle/>
+          <a:p>
+            <a:pPr algn="ctr">
+              <a:lnSpc>
+                <a:spcPct val="100000"/>
+              </a:lnSpc>
+            </a:pPr>
+            <a:r>
+              <a:rPr lang="en-US" sz="4400" b="0" strike="noStrike" spc="-1" dirty="0">
+                <a:solidFill>
+                  <a:srgbClr val="000000"/>
+                </a:solidFill>
+                <a:latin typeface="Calibri"/>
+                <a:ea typeface="Calibri"/>
+              </a:rPr>
+              <a:t>Intro to R for Biologists</a:t>
+            </a:r>
+            <a:br>
+              <a:rPr dirty="0"/>
+            </a:br>
+            <a:r>
+              <a:rPr lang="en-US" sz="4400" b="0" strike="noStrike" spc="-1" dirty="0">
+                <a:solidFill>
+                  <a:srgbClr val="000000"/>
+                </a:solidFill>
+                <a:latin typeface="Calibri"/>
+                <a:ea typeface="Calibri"/>
+              </a:rPr>
+              <a:t>Session 1</a:t>
+            </a:r>
+            <a:br>
+              <a:rPr dirty="0"/>
+            </a:br>
+            <a:r>
+              <a:rPr lang="en-US" sz="4400" b="1" strike="noStrike" spc="-1" dirty="0">
+                <a:solidFill>
+                  <a:srgbClr val="000000"/>
+                </a:solidFill>
+                <a:latin typeface="Calibri"/>
+                <a:ea typeface="Calibri"/>
+              </a:rPr>
+              <a:t>R basics</a:t>
+            </a:r>
+            <a:endParaRPr lang="en-GB" sz="4400" b="0" strike="noStrike" spc="-1" dirty="0">
+              <a:latin typeface="Arial"/>
+            </a:endParaRPr>
+          </a:p>
+        </p:txBody>
+      </p:sp>
+      <p:sp>
+        <p:nvSpPr>
+          <p:cNvPr id="229" name="CustomShape 2"/>
+          <p:cNvSpPr/>
+          <p:nvPr/>
+        </p:nvSpPr>
+        <p:spPr>
+          <a:xfrm>
+            <a:off x="1378080" y="4766400"/>
+            <a:ext cx="6399720" cy="1751400"/>
+          </a:xfrm>
+          <a:prstGeom prst="rect">
+            <a:avLst/>
+          </a:prstGeom>
+          <a:noFill/>
+          <a:ln>
+            <a:noFill/>
+          </a:ln>
+        </p:spPr>
+        <p:style>
+          <a:lnRef idx="0">
+            <a:scrgbClr r="0" g="0" b="0"/>
+          </a:lnRef>
+          <a:fillRef idx="0">
+            <a:scrgbClr r="0" g="0" b="0"/>
+          </a:fillRef>
+          <a:effectRef idx="0">
+            <a:scrgbClr r="0" g="0" b="0"/>
+          </a:effectRef>
+          <a:fontRef idx="minor"/>
+        </p:style>
+        <p:txBody>
+          <a:bodyPr lIns="90000" tIns="45000" rIns="90000" bIns="45000">
+            <a:normAutofit/>
+          </a:bodyPr>
+          <a:lstStyle/>
+          <a:p>
+            <a:pPr algn="ctr">
+              <a:lnSpc>
+                <a:spcPct val="100000"/>
+              </a:lnSpc>
+              <a:spcBef>
+                <a:spcPts val="641"/>
+              </a:spcBef>
+              <a:tabLst>
+                <a:tab pos="0" algn="l"/>
+              </a:tabLst>
+            </a:pPr>
+            <a:r>
+              <a:rPr lang="en-US" sz="3200" b="0" strike="noStrike" spc="-1" dirty="0">
+                <a:solidFill>
+                  <a:srgbClr val="8B8B8B"/>
+                </a:solidFill>
+                <a:latin typeface="Calibri"/>
+                <a:ea typeface="DejaVu Sans"/>
+              </a:rPr>
+              <a:t>Irina &amp; Rao</a:t>
+            </a:r>
+            <a:endParaRPr lang="en-GB" sz="3200" b="0" strike="noStrike" spc="-1" dirty="0">
+              <a:latin typeface="Arial"/>
+            </a:endParaRPr>
+          </a:p>
+          <a:p>
+            <a:pPr algn="ctr">
+              <a:lnSpc>
+                <a:spcPct val="100000"/>
+              </a:lnSpc>
+              <a:spcBef>
+                <a:spcPts val="641"/>
+              </a:spcBef>
+              <a:tabLst>
+                <a:tab pos="0" algn="l"/>
+              </a:tabLst>
+            </a:pPr>
+            <a:r>
+              <a:rPr lang="en-US" sz="3200" b="0" strike="noStrike" spc="-1" dirty="0" err="1">
+                <a:solidFill>
+                  <a:srgbClr val="8B8B8B"/>
+                </a:solidFill>
+                <a:latin typeface="Calibri"/>
+                <a:ea typeface="DejaVu Sans"/>
+              </a:rPr>
+              <a:t>Michaelmas</a:t>
+            </a:r>
+            <a:r>
+              <a:rPr lang="en-US" sz="3200" b="0" strike="noStrike" spc="-1" dirty="0">
+                <a:solidFill>
+                  <a:srgbClr val="8B8B8B"/>
+                </a:solidFill>
+                <a:latin typeface="Calibri"/>
+                <a:ea typeface="DejaVu Sans"/>
+              </a:rPr>
+              <a:t> 2023</a:t>
+            </a:r>
+            <a:endParaRPr lang="en-GB" sz="3200" b="0" strike="noStrike" spc="-1" dirty="0">
+              <a:latin typeface="Arial"/>
+            </a:endParaRPr>
+          </a:p>
+        </p:txBody>
+      </p:sp>
+    </p:spTree>
+    <p:extLst>
+      <p:ext uri="{BB962C8B-B14F-4D97-AF65-F5344CB8AC3E}">
+        <p14:creationId xmlns:p14="http://schemas.microsoft.com/office/powerpoint/2010/main" val="55516250"/>
+      </p:ext>
+    </p:extLst>
+  </p:cSld>
+  <p:clrMapOvr>
+    <a:masterClrMapping/>
+  </p:clrMapOvr>
+</p:sld>
+</file>
+
+<file path=ppt/slides/slide20.xml><?xml version="1.0" encoding="utf-8"?>
 <p:sld xmlns:a="http://schemas.openxmlformats.org/drawingml/2006/main" xmlns:r="http://schemas.openxmlformats.org/officeDocument/2006/relationships" xmlns:p="http://schemas.openxmlformats.org/presentationml/2006/main">
   <p:cSld>
     <p:spTree>
@@ -34207,195 +35184,7 @@
 </p:sld>
 </file>
 
-<file path=ppt/slides/slide2.xml><?xml version="1.0" encoding="utf-8"?>
-<p:sld xmlns:a="http://schemas.openxmlformats.org/drawingml/2006/main" xmlns:r="http://schemas.openxmlformats.org/officeDocument/2006/relationships" xmlns:p="http://schemas.openxmlformats.org/presentationml/2006/main">
-  <p:cSld>
-    <p:spTree>
-      <p:nvGrpSpPr>
-        <p:cNvPr id="1" name=""/>
-        <p:cNvGrpSpPr/>
-        <p:nvPr/>
-      </p:nvGrpSpPr>
-      <p:grpSpPr>
-        <a:xfrm>
-          <a:off x="0" y="0"/>
-          <a:ext cx="0" cy="0"/>
-          <a:chOff x="0" y="0"/>
-          <a:chExt cx="0" cy="0"/>
-        </a:xfrm>
-      </p:grpSpPr>
-      <p:sp>
-        <p:nvSpPr>
-          <p:cNvPr id="230" name="CustomShape 1"/>
-          <p:cNvSpPr/>
-          <p:nvPr/>
-        </p:nvSpPr>
-        <p:spPr>
-          <a:xfrm>
-            <a:off x="823320" y="1380240"/>
-            <a:ext cx="7618320" cy="3451680"/>
-          </a:xfrm>
-          <a:prstGeom prst="rect">
-            <a:avLst/>
-          </a:prstGeom>
-          <a:noFill/>
-          <a:ln>
-            <a:noFill/>
-          </a:ln>
-        </p:spPr>
-        <p:style>
-          <a:lnRef idx="0">
-            <a:scrgbClr r="0" g="0" b="0"/>
-          </a:lnRef>
-          <a:fillRef idx="0">
-            <a:scrgbClr r="0" g="0" b="0"/>
-          </a:fillRef>
-          <a:effectRef idx="0">
-            <a:scrgbClr r="0" g="0" b="0"/>
-          </a:effectRef>
-          <a:fontRef idx="minor"/>
-        </p:style>
-        <p:txBody>
-          <a:bodyPr lIns="82800" tIns="41400" rIns="82800" bIns="41400" anchor="ctr">
-            <a:normAutofit/>
-          </a:bodyPr>
-          <a:lstStyle/>
-          <a:p>
-            <a:pPr marL="285840" indent="-284760">
-              <a:lnSpc>
-                <a:spcPct val="100000"/>
-              </a:lnSpc>
-              <a:spcBef>
-                <a:spcPts val="720"/>
-              </a:spcBef>
-              <a:spcAft>
-                <a:spcPts val="544"/>
-              </a:spcAft>
-              <a:buClr>
-                <a:srgbClr val="000000"/>
-              </a:buClr>
-              <a:buSzPct val="80000"/>
-              <a:buFont typeface="Arial"/>
-              <a:buChar char="•"/>
-            </a:pPr>
-            <a:r>
-              <a:rPr lang="en-US" sz="3600" b="0" strike="noStrike" spc="-1" dirty="0">
-                <a:solidFill>
-                  <a:srgbClr val="000000"/>
-                </a:solidFill>
-                <a:latin typeface="Calibri"/>
-                <a:ea typeface="DejaVu Sans"/>
-              </a:rPr>
-              <a:t>GitHub account (optional)</a:t>
-            </a:r>
-          </a:p>
-          <a:p>
-            <a:pPr marL="285840" indent="-284760">
-              <a:lnSpc>
-                <a:spcPct val="100000"/>
-              </a:lnSpc>
-              <a:spcBef>
-                <a:spcPts val="720"/>
-              </a:spcBef>
-              <a:spcAft>
-                <a:spcPts val="544"/>
-              </a:spcAft>
-              <a:buClr>
-                <a:srgbClr val="000000"/>
-              </a:buClr>
-              <a:buSzPct val="80000"/>
-              <a:buFont typeface="Arial"/>
-              <a:buChar char="•"/>
-            </a:pPr>
-            <a:r>
-              <a:rPr lang="en-US" sz="3600" spc="-1" dirty="0">
-                <a:solidFill>
-                  <a:srgbClr val="000000"/>
-                </a:solidFill>
-                <a:latin typeface="Calibri"/>
-              </a:rPr>
-              <a:t>GitHub repository </a:t>
-            </a:r>
-            <a:r>
-              <a:rPr lang="en-US" sz="3600" spc="-1" dirty="0">
-                <a:solidFill>
-                  <a:srgbClr val="000000"/>
-                </a:solidFill>
-                <a:latin typeface="Calibri"/>
-                <a:hlinkClick r:id="rId2"/>
-              </a:rPr>
-              <a:t>https://github.com/sraorao</a:t>
-            </a:r>
-            <a:r>
-              <a:rPr lang="en-US" sz="3600" spc="-1">
-                <a:solidFill>
-                  <a:srgbClr val="000000"/>
-                </a:solidFill>
-                <a:latin typeface="Calibri"/>
-                <a:hlinkClick r:id="rId2"/>
-              </a:rPr>
-              <a:t>/MSD_R_course_June2023</a:t>
-            </a:r>
-            <a:endParaRPr lang="en-US" sz="3600" spc="-1">
-              <a:solidFill>
-                <a:srgbClr val="000000"/>
-              </a:solidFill>
-              <a:latin typeface="Calibri"/>
-            </a:endParaRPr>
-          </a:p>
-          <a:p>
-            <a:pPr marL="285840" indent="-284760">
-              <a:lnSpc>
-                <a:spcPct val="100000"/>
-              </a:lnSpc>
-              <a:spcBef>
-                <a:spcPts val="720"/>
-              </a:spcBef>
-              <a:spcAft>
-                <a:spcPts val="544"/>
-              </a:spcAft>
-              <a:buClr>
-                <a:srgbClr val="000000"/>
-              </a:buClr>
-              <a:buSzPct val="80000"/>
-              <a:buFont typeface="Arial"/>
-              <a:buChar char="•"/>
-            </a:pPr>
-            <a:r>
-              <a:rPr lang="en-US" sz="3600" b="0" strike="noStrike" spc="-1">
-                <a:solidFill>
-                  <a:srgbClr val="000000"/>
-                </a:solidFill>
-                <a:latin typeface="Calibri"/>
-                <a:ea typeface="DejaVu Sans"/>
-              </a:rPr>
-              <a:t>Screen </a:t>
-            </a:r>
-            <a:r>
-              <a:rPr lang="en-US" sz="3600" b="0" strike="noStrike" spc="-1" dirty="0">
-                <a:solidFill>
-                  <a:srgbClr val="000000"/>
-                </a:solidFill>
-                <a:latin typeface="Calibri"/>
-                <a:ea typeface="DejaVu Sans"/>
-              </a:rPr>
-              <a:t>sharing</a:t>
-            </a:r>
-            <a:endParaRPr lang="en-GB" sz="3600" b="0" strike="noStrike" spc="-1" dirty="0">
-              <a:latin typeface="Arial"/>
-            </a:endParaRPr>
-          </a:p>
-        </p:txBody>
-      </p:sp>
-    </p:spTree>
-  </p:cSld>
-  <p:clrMapOvr>
-    <a:masterClrMapping/>
-  </p:clrMapOvr>
-</p:sld>
-</file>
-
-<file path=ppt/slides/slide20.xml><?xml version="1.0" encoding="utf-8"?>
+<file path=ppt/slides/slide21.xml><?xml version="1.0" encoding="utf-8"?>
 <p:sld xmlns:a="http://schemas.openxmlformats.org/drawingml/2006/main" xmlns:r="http://schemas.openxmlformats.org/officeDocument/2006/relationships" xmlns:p="http://schemas.openxmlformats.org/presentationml/2006/main">
   <p:cSld>
     <p:spTree>
@@ -34566,6 +35355,13 @@
           </a:effectRef>
           <a:fontRef idx="minor"/>
         </p:style>
+        <p:txBody>
+          <a:bodyPr/>
+          <a:lstStyle/>
+          <a:p>
+            <a:endParaRPr lang="en-US"/>
+          </a:p>
+        </p:txBody>
       </p:sp>
       <p:sp>
         <p:nvSpPr>
@@ -34602,6 +35398,13 @@
           </a:effectRef>
           <a:fontRef idx="minor"/>
         </p:style>
+        <p:txBody>
+          <a:bodyPr/>
+          <a:lstStyle/>
+          <a:p>
+            <a:endParaRPr lang="en-US"/>
+          </a:p>
+        </p:txBody>
       </p:sp>
       <p:sp>
         <p:nvSpPr>
@@ -34635,6 +35438,13 @@
           </a:effectRef>
           <a:fontRef idx="minor"/>
         </p:style>
+        <p:txBody>
+          <a:bodyPr/>
+          <a:lstStyle/>
+          <a:p>
+            <a:endParaRPr lang="en-US"/>
+          </a:p>
+        </p:txBody>
       </p:sp>
       <p:sp>
         <p:nvSpPr>
@@ -34674,6 +35484,13 @@
           </a:effectRef>
           <a:fontRef idx="minor"/>
         </p:style>
+        <p:txBody>
+          <a:bodyPr/>
+          <a:lstStyle/>
+          <a:p>
+            <a:endParaRPr lang="en-US"/>
+          </a:p>
+        </p:txBody>
       </p:sp>
       <p:sp>
         <p:nvSpPr>
@@ -34710,6 +35527,13 @@
           </a:effectRef>
           <a:fontRef idx="minor"/>
         </p:style>
+        <p:txBody>
+          <a:bodyPr/>
+          <a:lstStyle/>
+          <a:p>
+            <a:endParaRPr lang="en-US"/>
+          </a:p>
+        </p:txBody>
       </p:sp>
       <p:sp>
         <p:nvSpPr>
@@ -34743,6 +35567,13 @@
           </a:effectRef>
           <a:fontRef idx="minor"/>
         </p:style>
+        <p:txBody>
+          <a:bodyPr/>
+          <a:lstStyle/>
+          <a:p>
+            <a:endParaRPr lang="en-US"/>
+          </a:p>
+        </p:txBody>
       </p:sp>
       <p:sp>
         <p:nvSpPr>
@@ -34782,6 +35613,13 @@
           </a:effectRef>
           <a:fontRef idx="minor"/>
         </p:style>
+        <p:txBody>
+          <a:bodyPr/>
+          <a:lstStyle/>
+          <a:p>
+            <a:endParaRPr lang="en-US"/>
+          </a:p>
+        </p:txBody>
       </p:sp>
       <p:sp>
         <p:nvSpPr>
@@ -34818,6 +35656,13 @@
           </a:effectRef>
           <a:fontRef idx="minor"/>
         </p:style>
+        <p:txBody>
+          <a:bodyPr/>
+          <a:lstStyle/>
+          <a:p>
+            <a:endParaRPr lang="en-US"/>
+          </a:p>
+        </p:txBody>
       </p:sp>
       <p:sp>
         <p:nvSpPr>
@@ -34851,6 +35696,13 @@
           </a:effectRef>
           <a:fontRef idx="minor"/>
         </p:style>
+        <p:txBody>
+          <a:bodyPr/>
+          <a:lstStyle/>
+          <a:p>
+            <a:endParaRPr lang="en-US"/>
+          </a:p>
+        </p:txBody>
       </p:sp>
       <p:sp>
         <p:nvSpPr>
@@ -35500,6 +36352,13 @@
           </a:effectRef>
           <a:fontRef idx="minor"/>
         </p:style>
+        <p:txBody>
+          <a:bodyPr/>
+          <a:lstStyle/>
+          <a:p>
+            <a:endParaRPr lang="en-US"/>
+          </a:p>
+        </p:txBody>
       </p:sp>
       <p:sp>
         <p:nvSpPr>
@@ -35536,6 +36395,13 @@
           </a:effectRef>
           <a:fontRef idx="minor"/>
         </p:style>
+        <p:txBody>
+          <a:bodyPr/>
+          <a:lstStyle/>
+          <a:p>
+            <a:endParaRPr lang="en-US"/>
+          </a:p>
+        </p:txBody>
       </p:sp>
       <p:sp>
         <p:nvSpPr>
@@ -35578,6 +36444,13 @@
           </a:effectRef>
           <a:fontRef idx="minor"/>
         </p:style>
+        <p:txBody>
+          <a:bodyPr/>
+          <a:lstStyle/>
+          <a:p>
+            <a:endParaRPr lang="en-US"/>
+          </a:p>
+        </p:txBody>
       </p:sp>
       <p:sp>
         <p:nvSpPr>
@@ -35611,6 +36484,13 @@
           </a:effectRef>
           <a:fontRef idx="minor"/>
         </p:style>
+        <p:txBody>
+          <a:bodyPr/>
+          <a:lstStyle/>
+          <a:p>
+            <a:endParaRPr lang="en-US"/>
+          </a:p>
+        </p:txBody>
       </p:sp>
       <p:sp>
         <p:nvSpPr>
@@ -35647,6 +36527,13 @@
           </a:effectRef>
           <a:fontRef idx="minor"/>
         </p:style>
+        <p:txBody>
+          <a:bodyPr/>
+          <a:lstStyle/>
+          <a:p>
+            <a:endParaRPr lang="en-US"/>
+          </a:p>
+        </p:txBody>
       </p:sp>
       <p:sp>
         <p:nvSpPr>
@@ -35689,6 +36576,13 @@
           </a:effectRef>
           <a:fontRef idx="minor"/>
         </p:style>
+        <p:txBody>
+          <a:bodyPr/>
+          <a:lstStyle/>
+          <a:p>
+            <a:endParaRPr lang="en-US"/>
+          </a:p>
+        </p:txBody>
       </p:sp>
       <p:sp>
         <p:nvSpPr>
@@ -35728,6 +36622,13 @@
           </a:effectRef>
           <a:fontRef idx="minor"/>
         </p:style>
+        <p:txBody>
+          <a:bodyPr/>
+          <a:lstStyle/>
+          <a:p>
+            <a:endParaRPr lang="en-US"/>
+          </a:p>
+        </p:txBody>
       </p:sp>
       <p:sp>
         <p:nvSpPr>
@@ -35764,6 +36665,13 @@
           </a:effectRef>
           <a:fontRef idx="minor"/>
         </p:style>
+        <p:txBody>
+          <a:bodyPr/>
+          <a:lstStyle/>
+          <a:p>
+            <a:endParaRPr lang="en-US"/>
+          </a:p>
+        </p:txBody>
       </p:sp>
       <p:sp>
         <p:nvSpPr>
@@ -35806,6 +36714,13 @@
           </a:effectRef>
           <a:fontRef idx="minor"/>
         </p:style>
+        <p:txBody>
+          <a:bodyPr/>
+          <a:lstStyle/>
+          <a:p>
+            <a:endParaRPr lang="en-US"/>
+          </a:p>
+        </p:txBody>
       </p:sp>
       <p:sp>
         <p:nvSpPr>
@@ -36266,6 +37181,13 @@
           </a:effectRef>
           <a:fontRef idx="minor"/>
         </p:style>
+        <p:txBody>
+          <a:bodyPr/>
+          <a:lstStyle/>
+          <a:p>
+            <a:endParaRPr lang="en-US"/>
+          </a:p>
+        </p:txBody>
       </p:sp>
       <p:sp>
         <p:nvSpPr>
@@ -36302,6 +37224,13 @@
           </a:effectRef>
           <a:fontRef idx="minor"/>
         </p:style>
+        <p:txBody>
+          <a:bodyPr/>
+          <a:lstStyle/>
+          <a:p>
+            <a:endParaRPr lang="en-US"/>
+          </a:p>
+        </p:txBody>
       </p:sp>
       <p:sp>
         <p:nvSpPr>
@@ -36335,6 +37264,13 @@
           </a:effectRef>
           <a:fontRef idx="minor"/>
         </p:style>
+        <p:txBody>
+          <a:bodyPr/>
+          <a:lstStyle/>
+          <a:p>
+            <a:endParaRPr lang="en-US"/>
+          </a:p>
+        </p:txBody>
       </p:sp>
       <p:sp>
         <p:nvSpPr>
@@ -36368,6 +37304,13 @@
           </a:effectRef>
           <a:fontRef idx="minor"/>
         </p:style>
+        <p:txBody>
+          <a:bodyPr/>
+          <a:lstStyle/>
+          <a:p>
+            <a:endParaRPr lang="en-US"/>
+          </a:p>
+        </p:txBody>
       </p:sp>
       <p:sp>
         <p:nvSpPr>
@@ -36404,6 +37347,13 @@
           </a:effectRef>
           <a:fontRef idx="minor"/>
         </p:style>
+        <p:txBody>
+          <a:bodyPr/>
+          <a:lstStyle/>
+          <a:p>
+            <a:endParaRPr lang="en-US"/>
+          </a:p>
+        </p:txBody>
       </p:sp>
       <p:sp>
         <p:nvSpPr>
@@ -36446,6 +37396,13 @@
           </a:effectRef>
           <a:fontRef idx="minor"/>
         </p:style>
+        <p:txBody>
+          <a:bodyPr/>
+          <a:lstStyle/>
+          <a:p>
+            <a:endParaRPr lang="en-US"/>
+          </a:p>
+        </p:txBody>
       </p:sp>
       <p:sp>
         <p:nvSpPr>
@@ -36485,6 +37442,13 @@
           </a:effectRef>
           <a:fontRef idx="minor"/>
         </p:style>
+        <p:txBody>
+          <a:bodyPr/>
+          <a:lstStyle/>
+          <a:p>
+            <a:endParaRPr lang="en-US"/>
+          </a:p>
+        </p:txBody>
       </p:sp>
       <p:sp>
         <p:nvSpPr>
@@ -36521,6 +37485,13 @@
           </a:effectRef>
           <a:fontRef idx="minor"/>
         </p:style>
+        <p:txBody>
+          <a:bodyPr/>
+          <a:lstStyle/>
+          <a:p>
+            <a:endParaRPr lang="en-US"/>
+          </a:p>
+        </p:txBody>
       </p:sp>
       <p:sp>
         <p:nvSpPr>
@@ -36563,6 +37534,13 @@
           </a:effectRef>
           <a:fontRef idx="minor"/>
         </p:style>
+        <p:txBody>
+          <a:bodyPr/>
+          <a:lstStyle/>
+          <a:p>
+            <a:endParaRPr lang="en-US"/>
+          </a:p>
+        </p:txBody>
       </p:sp>
       <p:sp>
         <p:nvSpPr>
@@ -36602,6 +37580,13 @@
           </a:effectRef>
           <a:fontRef idx="minor"/>
         </p:style>
+        <p:txBody>
+          <a:bodyPr/>
+          <a:lstStyle/>
+          <a:p>
+            <a:endParaRPr lang="en-US"/>
+          </a:p>
+        </p:txBody>
       </p:sp>
       <p:sp>
         <p:nvSpPr>
@@ -36638,6 +37623,13 @@
           </a:effectRef>
           <a:fontRef idx="minor"/>
         </p:style>
+        <p:txBody>
+          <a:bodyPr/>
+          <a:lstStyle/>
+          <a:p>
+            <a:endParaRPr lang="en-US"/>
+          </a:p>
+        </p:txBody>
       </p:sp>
       <p:sp>
         <p:nvSpPr>
@@ -36680,6 +37672,13 @@
           </a:effectRef>
           <a:fontRef idx="minor"/>
         </p:style>
+        <p:txBody>
+          <a:bodyPr/>
+          <a:lstStyle/>
+          <a:p>
+            <a:endParaRPr lang="en-US"/>
+          </a:p>
+        </p:txBody>
       </p:sp>
       <p:sp>
         <p:nvSpPr>
@@ -36719,6 +37718,13 @@
           </a:effectRef>
           <a:fontRef idx="minor"/>
         </p:style>
+        <p:txBody>
+          <a:bodyPr/>
+          <a:lstStyle/>
+          <a:p>
+            <a:endParaRPr lang="en-US"/>
+          </a:p>
+        </p:txBody>
       </p:sp>
       <p:sp>
         <p:nvSpPr>
@@ -36755,6 +37761,13 @@
           </a:effectRef>
           <a:fontRef idx="minor"/>
         </p:style>
+        <p:txBody>
+          <a:bodyPr/>
+          <a:lstStyle/>
+          <a:p>
+            <a:endParaRPr lang="en-US"/>
+          </a:p>
+        </p:txBody>
       </p:sp>
       <p:sp>
         <p:nvSpPr>
@@ -36788,6 +37801,13 @@
           </a:effectRef>
           <a:fontRef idx="minor"/>
         </p:style>
+        <p:txBody>
+          <a:bodyPr/>
+          <a:lstStyle/>
+          <a:p>
+            <a:endParaRPr lang="en-US"/>
+          </a:p>
+        </p:txBody>
       </p:sp>
       <p:sp>
         <p:nvSpPr>
@@ -36827,6 +37847,13 @@
           </a:effectRef>
           <a:fontRef idx="minor"/>
         </p:style>
+        <p:txBody>
+          <a:bodyPr/>
+          <a:lstStyle/>
+          <a:p>
+            <a:endParaRPr lang="en-US"/>
+          </a:p>
+        </p:txBody>
       </p:sp>
       <p:sp>
         <p:nvSpPr>
@@ -36863,6 +37890,13 @@
           </a:effectRef>
           <a:fontRef idx="minor"/>
         </p:style>
+        <p:txBody>
+          <a:bodyPr/>
+          <a:lstStyle/>
+          <a:p>
+            <a:endParaRPr lang="en-US"/>
+          </a:p>
+        </p:txBody>
       </p:sp>
       <p:sp>
         <p:nvSpPr>
@@ -36896,6 +37930,13 @@
           </a:effectRef>
           <a:fontRef idx="minor"/>
         </p:style>
+        <p:txBody>
+          <a:bodyPr/>
+          <a:lstStyle/>
+          <a:p>
+            <a:endParaRPr lang="en-US"/>
+          </a:p>
+        </p:txBody>
       </p:sp>
       <p:sp>
         <p:nvSpPr>
@@ -36950,6 +37991,13 @@
           </a:effectRef>
           <a:fontRef idx="minor"/>
         </p:style>
+        <p:txBody>
+          <a:bodyPr/>
+          <a:lstStyle/>
+          <a:p>
+            <a:endParaRPr lang="en-US"/>
+          </a:p>
+        </p:txBody>
       </p:sp>
       <p:sp>
         <p:nvSpPr>
@@ -37004,6 +38052,13 @@
           </a:effectRef>
           <a:fontRef idx="minor"/>
         </p:style>
+        <p:txBody>
+          <a:bodyPr/>
+          <a:lstStyle/>
+          <a:p>
+            <a:endParaRPr lang="en-US"/>
+          </a:p>
+        </p:txBody>
       </p:sp>
       <p:sp>
         <p:nvSpPr>
@@ -37058,6 +38113,13 @@
           </a:effectRef>
           <a:fontRef idx="minor"/>
         </p:style>
+        <p:txBody>
+          <a:bodyPr/>
+          <a:lstStyle/>
+          <a:p>
+            <a:endParaRPr lang="en-US"/>
+          </a:p>
+        </p:txBody>
       </p:sp>
       <p:sp>
         <p:nvSpPr>
@@ -37169,6 +38231,13 @@
           </a:effectRef>
           <a:fontRef idx="minor"/>
         </p:style>
+        <p:txBody>
+          <a:bodyPr/>
+          <a:lstStyle/>
+          <a:p>
+            <a:endParaRPr lang="en-US"/>
+          </a:p>
+        </p:txBody>
       </p:sp>
       <p:sp>
         <p:nvSpPr>
@@ -37205,6 +38274,13 @@
           </a:effectRef>
           <a:fontRef idx="minor"/>
         </p:style>
+        <p:txBody>
+          <a:bodyPr/>
+          <a:lstStyle/>
+          <a:p>
+            <a:endParaRPr lang="en-US"/>
+          </a:p>
+        </p:txBody>
       </p:sp>
       <p:sp>
         <p:nvSpPr>
@@ -37238,6 +38314,13 @@
           </a:effectRef>
           <a:fontRef idx="minor"/>
         </p:style>
+        <p:txBody>
+          <a:bodyPr/>
+          <a:lstStyle/>
+          <a:p>
+            <a:endParaRPr lang="en-US"/>
+          </a:p>
+        </p:txBody>
       </p:sp>
       <p:sp>
         <p:nvSpPr>
@@ -37277,6 +38360,13 @@
           </a:effectRef>
           <a:fontRef idx="minor"/>
         </p:style>
+        <p:txBody>
+          <a:bodyPr/>
+          <a:lstStyle/>
+          <a:p>
+            <a:endParaRPr lang="en-US"/>
+          </a:p>
+        </p:txBody>
       </p:sp>
       <p:sp>
         <p:nvSpPr>
@@ -37313,6 +38403,13 @@
           </a:effectRef>
           <a:fontRef idx="minor"/>
         </p:style>
+        <p:txBody>
+          <a:bodyPr/>
+          <a:lstStyle/>
+          <a:p>
+            <a:endParaRPr lang="en-US"/>
+          </a:p>
+        </p:txBody>
       </p:sp>
       <p:sp>
         <p:nvSpPr>
@@ -37346,6 +38443,13 @@
           </a:effectRef>
           <a:fontRef idx="minor"/>
         </p:style>
+        <p:txBody>
+          <a:bodyPr/>
+          <a:lstStyle/>
+          <a:p>
+            <a:endParaRPr lang="en-US"/>
+          </a:p>
+        </p:txBody>
       </p:sp>
       <p:sp>
         <p:nvSpPr>
@@ -37385,6 +38489,13 @@
           </a:effectRef>
           <a:fontRef idx="minor"/>
         </p:style>
+        <p:txBody>
+          <a:bodyPr/>
+          <a:lstStyle/>
+          <a:p>
+            <a:endParaRPr lang="en-US"/>
+          </a:p>
+        </p:txBody>
       </p:sp>
       <p:sp>
         <p:nvSpPr>
@@ -37421,6 +38532,13 @@
           </a:effectRef>
           <a:fontRef idx="minor"/>
         </p:style>
+        <p:txBody>
+          <a:bodyPr/>
+          <a:lstStyle/>
+          <a:p>
+            <a:endParaRPr lang="en-US"/>
+          </a:p>
+        </p:txBody>
       </p:sp>
       <p:sp>
         <p:nvSpPr>
@@ -37454,6 +38572,13 @@
           </a:effectRef>
           <a:fontRef idx="minor"/>
         </p:style>
+        <p:txBody>
+          <a:bodyPr/>
+          <a:lstStyle/>
+          <a:p>
+            <a:endParaRPr lang="en-US"/>
+          </a:p>
+        </p:txBody>
       </p:sp>
       <p:sp>
         <p:nvSpPr>
@@ -37496,6 +38621,13 @@
           </a:effectRef>
           <a:fontRef idx="minor"/>
         </p:style>
+        <p:txBody>
+          <a:bodyPr/>
+          <a:lstStyle/>
+          <a:p>
+            <a:endParaRPr lang="en-US"/>
+          </a:p>
+        </p:txBody>
       </p:sp>
       <p:sp>
         <p:nvSpPr>
@@ -37538,6 +38670,13 @@
           </a:effectRef>
           <a:fontRef idx="minor"/>
         </p:style>
+        <p:txBody>
+          <a:bodyPr/>
+          <a:lstStyle/>
+          <a:p>
+            <a:endParaRPr lang="en-US"/>
+          </a:p>
+        </p:txBody>
       </p:sp>
       <p:sp>
         <p:nvSpPr>
@@ -37580,6 +38719,13 @@
           </a:effectRef>
           <a:fontRef idx="minor"/>
         </p:style>
+        <p:txBody>
+          <a:bodyPr/>
+          <a:lstStyle/>
+          <a:p>
+            <a:endParaRPr lang="en-US"/>
+          </a:p>
+        </p:txBody>
       </p:sp>
       <p:sp>
         <p:nvSpPr>
@@ -39095,7 +40241,7 @@
 </p:sld>
 </file>
 
-<file path=ppt/slides/slide21.xml><?xml version="1.0" encoding="utf-8"?>
+<file path=ppt/slides/slide22.xml><?xml version="1.0" encoding="utf-8"?>
 <p:sld xmlns:a="http://schemas.openxmlformats.org/drawingml/2006/main" xmlns:r="http://schemas.openxmlformats.org/officeDocument/2006/relationships" xmlns:p="http://schemas.openxmlformats.org/presentationml/2006/main">
   <p:cSld>
     <p:bg>
@@ -39155,6 +40301,13 @@
           </a:effectRef>
           <a:fontRef idx="minor"/>
         </p:style>
+        <p:txBody>
+          <a:bodyPr/>
+          <a:lstStyle/>
+          <a:p>
+            <a:endParaRPr lang="en-US"/>
+          </a:p>
+        </p:txBody>
       </p:sp>
       <p:sp>
         <p:nvSpPr>
@@ -39597,6 +40750,13 @@
           </a:effectRef>
           <a:fontRef idx="minor"/>
         </p:style>
+        <p:txBody>
+          <a:bodyPr/>
+          <a:lstStyle/>
+          <a:p>
+            <a:endParaRPr lang="en-US"/>
+          </a:p>
+        </p:txBody>
       </p:sp>
       <p:pic>
         <p:nvPicPr>
@@ -39629,7 +40789,7 @@
 </p:sld>
 </file>
 
-<file path=ppt/slides/slide22.xml><?xml version="1.0" encoding="utf-8"?>
+<file path=ppt/slides/slide23.xml><?xml version="1.0" encoding="utf-8"?>
 <p:sld xmlns:a="http://schemas.openxmlformats.org/drawingml/2006/main" xmlns:r="http://schemas.openxmlformats.org/officeDocument/2006/relationships" xmlns:p="http://schemas.openxmlformats.org/presentationml/2006/main">
   <p:cSld>
     <p:spTree>
@@ -40124,7 +41284,7 @@
 </p:sld>
 </file>
 
-<file path=ppt/slides/slide23.xml><?xml version="1.0" encoding="utf-8"?>
+<file path=ppt/slides/slide24.xml><?xml version="1.0" encoding="utf-8"?>
 <p:sld xmlns:a="http://schemas.openxmlformats.org/drawingml/2006/main" xmlns:r="http://schemas.openxmlformats.org/officeDocument/2006/relationships" xmlns:p="http://schemas.openxmlformats.org/presentationml/2006/main">
   <p:cSld>
     <p:spTree>
@@ -40541,7 +41701,7 @@
 </p:sld>
 </file>
 
-<file path=ppt/slides/slide24.xml><?xml version="1.0" encoding="utf-8"?>
+<file path=ppt/slides/slide25.xml><?xml version="1.0" encoding="utf-8"?>
 <p:sld xmlns:a="http://schemas.openxmlformats.org/drawingml/2006/main" xmlns:r="http://schemas.openxmlformats.org/officeDocument/2006/relationships" xmlns:p="http://schemas.openxmlformats.org/presentationml/2006/main">
   <p:cSld>
     <p:spTree>
@@ -41395,7 +42555,7 @@
 </p:sld>
 </file>
 
-<file path=ppt/slides/slide25.xml><?xml version="1.0" encoding="utf-8"?>
+<file path=ppt/slides/slide26.xml><?xml version="1.0" encoding="utf-8"?>
 <p:sld xmlns:a="http://schemas.openxmlformats.org/drawingml/2006/main" xmlns:r="http://schemas.openxmlformats.org/officeDocument/2006/relationships" xmlns:p="http://schemas.openxmlformats.org/presentationml/2006/main">
   <p:cSld>
     <p:spTree>
@@ -41780,7 +42940,7 @@
 </p:sld>
 </file>
 
-<file path=ppt/slides/slide26.xml><?xml version="1.0" encoding="utf-8"?>
+<file path=ppt/slides/slide27.xml><?xml version="1.0" encoding="utf-8"?>
 <p:sld xmlns:a="http://schemas.openxmlformats.org/drawingml/2006/main" xmlns:r="http://schemas.openxmlformats.org/officeDocument/2006/relationships" xmlns:p="http://schemas.openxmlformats.org/presentationml/2006/main">
   <p:cSld>
     <p:spTree>
@@ -42239,7 +43399,7 @@
 </p:sld>
 </file>
 
-<file path=ppt/slides/slide27.xml><?xml version="1.0" encoding="utf-8"?>
+<file path=ppt/slides/slide28.xml><?xml version="1.0" encoding="utf-8"?>
 <p:sld xmlns:a="http://schemas.openxmlformats.org/drawingml/2006/main" xmlns:r="http://schemas.openxmlformats.org/officeDocument/2006/relationships" xmlns:p="http://schemas.openxmlformats.org/presentationml/2006/main">
   <p:cSld>
     <p:bg>
@@ -42299,6 +43459,13 @@
           </a:effectRef>
           <a:fontRef idx="minor"/>
         </p:style>
+        <p:txBody>
+          <a:bodyPr/>
+          <a:lstStyle/>
+          <a:p>
+            <a:endParaRPr lang="en-US"/>
+          </a:p>
+        </p:txBody>
       </p:sp>
       <p:sp>
         <p:nvSpPr>
@@ -42741,6 +43908,13 @@
           </a:effectRef>
           <a:fontRef idx="minor"/>
         </p:style>
+        <p:txBody>
+          <a:bodyPr/>
+          <a:lstStyle/>
+          <a:p>
+            <a:endParaRPr lang="en-US"/>
+          </a:p>
+        </p:txBody>
       </p:sp>
       <p:pic>
         <p:nvPicPr>
@@ -42774,6 +43948,193 @@
 </file>
 
 <file path=ppt/slides/slide3.xml><?xml version="1.0" encoding="utf-8"?>
+<p:sld xmlns:a="http://schemas.openxmlformats.org/drawingml/2006/main" xmlns:r="http://schemas.openxmlformats.org/officeDocument/2006/relationships" xmlns:p="http://schemas.openxmlformats.org/presentationml/2006/main">
+  <p:cSld>
+    <p:spTree>
+      <p:nvGrpSpPr>
+        <p:cNvPr id="1" name=""/>
+        <p:cNvGrpSpPr/>
+        <p:nvPr/>
+      </p:nvGrpSpPr>
+      <p:grpSpPr>
+        <a:xfrm>
+          <a:off x="0" y="0"/>
+          <a:ext cx="0" cy="0"/>
+          <a:chOff x="0" y="0"/>
+          <a:chExt cx="0" cy="0"/>
+        </a:xfrm>
+      </p:grpSpPr>
+      <p:sp>
+        <p:nvSpPr>
+          <p:cNvPr id="230" name="CustomShape 1"/>
+          <p:cNvSpPr/>
+          <p:nvPr/>
+        </p:nvSpPr>
+        <p:spPr>
+          <a:xfrm>
+            <a:off x="823320" y="1380240"/>
+            <a:ext cx="7618320" cy="3451680"/>
+          </a:xfrm>
+          <a:prstGeom prst="rect">
+            <a:avLst/>
+          </a:prstGeom>
+          <a:noFill/>
+          <a:ln>
+            <a:noFill/>
+          </a:ln>
+        </p:spPr>
+        <p:style>
+          <a:lnRef idx="0">
+            <a:scrgbClr r="0" g="0" b="0"/>
+          </a:lnRef>
+          <a:fillRef idx="0">
+            <a:scrgbClr r="0" g="0" b="0"/>
+          </a:fillRef>
+          <a:effectRef idx="0">
+            <a:scrgbClr r="0" g="0" b="0"/>
+          </a:effectRef>
+          <a:fontRef idx="minor"/>
+        </p:style>
+        <p:txBody>
+          <a:bodyPr lIns="82800" tIns="41400" rIns="82800" bIns="41400" anchor="ctr">
+            <a:normAutofit/>
+          </a:bodyPr>
+          <a:lstStyle/>
+          <a:p>
+            <a:pPr marL="285840" indent="-284760">
+              <a:lnSpc>
+                <a:spcPct val="100000"/>
+              </a:lnSpc>
+              <a:spcBef>
+                <a:spcPts val="720"/>
+              </a:spcBef>
+              <a:spcAft>
+                <a:spcPts val="544"/>
+              </a:spcAft>
+              <a:buClr>
+                <a:srgbClr val="000000"/>
+              </a:buClr>
+              <a:buSzPct val="80000"/>
+              <a:buFont typeface="Arial"/>
+              <a:buChar char="•"/>
+            </a:pPr>
+            <a:r>
+              <a:rPr lang="en-US" sz="3600" b="0" strike="noStrike" spc="-1" dirty="0">
+                <a:solidFill>
+                  <a:srgbClr val="000000"/>
+                </a:solidFill>
+                <a:latin typeface="Calibri"/>
+                <a:ea typeface="DejaVu Sans"/>
+              </a:rPr>
+              <a:t>GitHub account (optional)</a:t>
+            </a:r>
+          </a:p>
+          <a:p>
+            <a:pPr marL="285840" indent="-284760">
+              <a:lnSpc>
+                <a:spcPct val="100000"/>
+              </a:lnSpc>
+              <a:spcBef>
+                <a:spcPts val="720"/>
+              </a:spcBef>
+              <a:spcAft>
+                <a:spcPts val="544"/>
+              </a:spcAft>
+              <a:buClr>
+                <a:srgbClr val="000000"/>
+              </a:buClr>
+              <a:buSzPct val="80000"/>
+              <a:buFont typeface="Arial"/>
+              <a:buChar char="•"/>
+            </a:pPr>
+            <a:r>
+              <a:rPr lang="en-US" sz="3600" spc="-1" dirty="0">
+                <a:solidFill>
+                  <a:srgbClr val="000000"/>
+                </a:solidFill>
+                <a:latin typeface="Calibri"/>
+              </a:rPr>
+              <a:t>GitHub repository </a:t>
+            </a:r>
+            <a:r>
+              <a:rPr lang="en-US" sz="3600" spc="-1" dirty="0">
+                <a:solidFill>
+                  <a:srgbClr val="000000"/>
+                </a:solidFill>
+                <a:latin typeface="Calibri"/>
+                <a:hlinkClick r:id="rId2"/>
+              </a:rPr>
+              <a:t>https://github.com/sraorao/MSD_R_course</a:t>
+            </a:r>
+            <a:r>
+              <a:rPr lang="en-US" sz="3600" spc="-1">
+                <a:solidFill>
+                  <a:srgbClr val="000000"/>
+                </a:solidFill>
+                <a:latin typeface="Calibri"/>
+                <a:hlinkClick r:id="rId2"/>
+              </a:rPr>
+              <a:t>_MT2023</a:t>
+            </a:r>
+            <a:r>
+              <a:rPr lang="en-US" sz="3600" spc="-1">
+                <a:solidFill>
+                  <a:srgbClr val="000000"/>
+                </a:solidFill>
+                <a:latin typeface="Calibri"/>
+              </a:rPr>
+              <a:t> </a:t>
+            </a:r>
+            <a:endParaRPr lang="en-US" sz="3600" spc="-1" dirty="0">
+              <a:solidFill>
+                <a:srgbClr val="000000"/>
+              </a:solidFill>
+              <a:latin typeface="Calibri"/>
+            </a:endParaRPr>
+          </a:p>
+          <a:p>
+            <a:pPr marL="285840" indent="-284760">
+              <a:lnSpc>
+                <a:spcPct val="100000"/>
+              </a:lnSpc>
+              <a:spcBef>
+                <a:spcPts val="720"/>
+              </a:spcBef>
+              <a:spcAft>
+                <a:spcPts val="544"/>
+              </a:spcAft>
+              <a:buClr>
+                <a:srgbClr val="000000"/>
+              </a:buClr>
+              <a:buSzPct val="80000"/>
+              <a:buFont typeface="Arial"/>
+              <a:buChar char="•"/>
+            </a:pPr>
+            <a:r>
+              <a:rPr lang="en-US" sz="3600" b="0" strike="noStrike" spc="-1" dirty="0">
+                <a:solidFill>
+                  <a:srgbClr val="000000"/>
+                </a:solidFill>
+                <a:latin typeface="Calibri"/>
+                <a:ea typeface="DejaVu Sans"/>
+              </a:rPr>
+              <a:t>Screen sharing</a:t>
+            </a:r>
+            <a:endParaRPr lang="en-GB" sz="3600" b="0" strike="noStrike" spc="-1" dirty="0">
+              <a:latin typeface="Arial"/>
+            </a:endParaRPr>
+          </a:p>
+        </p:txBody>
+      </p:sp>
+    </p:spTree>
+  </p:cSld>
+  <p:clrMapOvr>
+    <a:masterClrMapping/>
+  </p:clrMapOvr>
+</p:sld>
+</file>
+
+<file path=ppt/slides/slide4.xml><?xml version="1.0" encoding="utf-8"?>
 <p:sld xmlns:a="http://schemas.openxmlformats.org/drawingml/2006/main" xmlns:r="http://schemas.openxmlformats.org/officeDocument/2006/relationships" xmlns:p="http://schemas.openxmlformats.org/presentationml/2006/main">
   <p:cSld>
     <p:spTree>
@@ -43191,7 +44552,7 @@
 </p:sld>
 </file>
 
-<file path=ppt/slides/slide4.xml><?xml version="1.0" encoding="utf-8"?>
+<file path=ppt/slides/slide5.xml><?xml version="1.0" encoding="utf-8"?>
 <p:sld xmlns:a="http://schemas.openxmlformats.org/drawingml/2006/main" xmlns:r="http://schemas.openxmlformats.org/officeDocument/2006/relationships" xmlns:p="http://schemas.openxmlformats.org/presentationml/2006/main">
   <p:cSld>
     <p:spTree>
@@ -43333,6 +44694,13 @@
           </a:effectRef>
           <a:fontRef idx="minor"/>
         </p:style>
+        <p:txBody>
+          <a:bodyPr/>
+          <a:lstStyle/>
+          <a:p>
+            <a:endParaRPr lang="en-US"/>
+          </a:p>
+        </p:txBody>
       </p:sp>
       <p:sp>
         <p:nvSpPr>
@@ -43371,6 +44739,13 @@
           </a:effectRef>
           <a:fontRef idx="minor"/>
         </p:style>
+        <p:txBody>
+          <a:bodyPr/>
+          <a:lstStyle/>
+          <a:p>
+            <a:endParaRPr lang="en-US"/>
+          </a:p>
+        </p:txBody>
       </p:sp>
       <p:sp>
         <p:nvSpPr>
@@ -43409,6 +44784,13 @@
           </a:effectRef>
           <a:fontRef idx="minor"/>
         </p:style>
+        <p:txBody>
+          <a:bodyPr/>
+          <a:lstStyle/>
+          <a:p>
+            <a:endParaRPr lang="en-US"/>
+          </a:p>
+        </p:txBody>
       </p:sp>
       <p:sp>
         <p:nvSpPr>
@@ -43447,6 +44829,13 @@
           </a:effectRef>
           <a:fontRef idx="minor"/>
         </p:style>
+        <p:txBody>
+          <a:bodyPr/>
+          <a:lstStyle/>
+          <a:p>
+            <a:endParaRPr lang="en-US"/>
+          </a:p>
+        </p:txBody>
       </p:sp>
       <p:sp>
         <p:nvSpPr>
@@ -43783,6 +45172,13 @@
             </a:effectRef>
             <a:fontRef idx="minor"/>
           </p:style>
+          <p:txBody>
+            <a:bodyPr/>
+            <a:lstStyle/>
+            <a:p>
+              <a:endParaRPr lang="en-US"/>
+            </a:p>
+          </p:txBody>
         </p:sp>
         <p:sp>
           <p:nvSpPr>
@@ -43825,6 +45221,13 @@
             </a:effectRef>
             <a:fontRef idx="minor"/>
           </p:style>
+          <p:txBody>
+            <a:bodyPr/>
+            <a:lstStyle/>
+            <a:p>
+              <a:endParaRPr lang="en-US"/>
+            </a:p>
+          </p:txBody>
         </p:sp>
         <p:sp>
           <p:nvSpPr>
@@ -43978,6 +45381,13 @@
             </a:effectRef>
             <a:fontRef idx="minor"/>
           </p:style>
+          <p:txBody>
+            <a:bodyPr/>
+            <a:lstStyle/>
+            <a:p>
+              <a:endParaRPr lang="en-US"/>
+            </a:p>
+          </p:txBody>
         </p:sp>
         <p:sp>
           <p:nvSpPr>
@@ -44020,6 +45430,13 @@
             </a:effectRef>
             <a:fontRef idx="minor"/>
           </p:style>
+          <p:txBody>
+            <a:bodyPr/>
+            <a:lstStyle/>
+            <a:p>
+              <a:endParaRPr lang="en-US"/>
+            </a:p>
+          </p:txBody>
         </p:sp>
         <p:sp>
           <p:nvSpPr>
@@ -44173,6 +45590,13 @@
             </a:effectRef>
             <a:fontRef idx="minor"/>
           </p:style>
+          <p:txBody>
+            <a:bodyPr/>
+            <a:lstStyle/>
+            <a:p>
+              <a:endParaRPr lang="en-US"/>
+            </a:p>
+          </p:txBody>
         </p:sp>
         <p:sp>
           <p:nvSpPr>
@@ -44215,6 +45639,13 @@
             </a:effectRef>
             <a:fontRef idx="minor"/>
           </p:style>
+          <p:txBody>
+            <a:bodyPr/>
+            <a:lstStyle/>
+            <a:p>
+              <a:endParaRPr lang="en-US"/>
+            </a:p>
+          </p:txBody>
         </p:sp>
         <p:sp>
           <p:nvSpPr>
@@ -44368,6 +45799,13 @@
             </a:effectRef>
             <a:fontRef idx="minor"/>
           </p:style>
+          <p:txBody>
+            <a:bodyPr/>
+            <a:lstStyle/>
+            <a:p>
+              <a:endParaRPr lang="en-US"/>
+            </a:p>
+          </p:txBody>
         </p:sp>
         <p:sp>
           <p:nvSpPr>
@@ -44410,6 +45848,13 @@
             </a:effectRef>
             <a:fontRef idx="minor"/>
           </p:style>
+          <p:txBody>
+            <a:bodyPr/>
+            <a:lstStyle/>
+            <a:p>
+              <a:endParaRPr lang="en-US"/>
+            </a:p>
+          </p:txBody>
         </p:sp>
         <p:sp>
           <p:nvSpPr>
@@ -44889,7 +46334,7 @@
 </p:sld>
 </file>
 
-<file path=ppt/slides/slide5.xml><?xml version="1.0" encoding="utf-8"?>
+<file path=ppt/slides/slide6.xml><?xml version="1.0" encoding="utf-8"?>
 <p:sld xmlns:a="http://schemas.openxmlformats.org/drawingml/2006/main" xmlns:r="http://schemas.openxmlformats.org/officeDocument/2006/relationships" xmlns:p="http://schemas.openxmlformats.org/presentationml/2006/main">
   <p:cSld>
     <p:spTree>
@@ -45064,7 +46509,7 @@
 </p:sld>
 </file>
 
-<file path=ppt/slides/slide6.xml><?xml version="1.0" encoding="utf-8"?>
+<file path=ppt/slides/slide7.xml><?xml version="1.0" encoding="utf-8"?>
 <p:sld xmlns:a="http://schemas.openxmlformats.org/drawingml/2006/main" xmlns:r="http://schemas.openxmlformats.org/officeDocument/2006/relationships" xmlns:p="http://schemas.openxmlformats.org/presentationml/2006/main">
   <p:cSld>
     <p:spTree>
@@ -45169,7 +46614,7 @@
 </p:sld>
 </file>
 
-<file path=ppt/slides/slide7.xml><?xml version="1.0" encoding="utf-8"?>
+<file path=ppt/slides/slide8.xml><?xml version="1.0" encoding="utf-8"?>
 <p:sld xmlns:a="http://schemas.openxmlformats.org/drawingml/2006/main" xmlns:r="http://schemas.openxmlformats.org/officeDocument/2006/relationships" xmlns:p="http://schemas.openxmlformats.org/presentationml/2006/main">
   <p:cSld>
     <p:spTree>
@@ -45739,7 +47184,7 @@
 </p:sld>
 </file>
 
-<file path=ppt/slides/slide8.xml><?xml version="1.0" encoding="utf-8"?>
+<file path=ppt/slides/slide9.xml><?xml version="1.0" encoding="utf-8"?>
 <p:sld xmlns:a="http://schemas.openxmlformats.org/drawingml/2006/main" xmlns:r="http://schemas.openxmlformats.org/officeDocument/2006/relationships" xmlns:p="http://schemas.openxmlformats.org/presentationml/2006/main">
   <p:cSld>
     <p:spTree>
@@ -46727,114 +48172,6 @@
       </p:par>
     </p:tnLst>
   </p:timing>
-</p:sld>
-</file>
-
-<file path=ppt/slides/slide9.xml><?xml version="1.0" encoding="utf-8"?>
-<p:sld xmlns:a="http://schemas.openxmlformats.org/drawingml/2006/main" xmlns:r="http://schemas.openxmlformats.org/officeDocument/2006/relationships" xmlns:p="http://schemas.openxmlformats.org/presentationml/2006/main">
-  <p:cSld>
-    <p:spTree>
-      <p:nvGrpSpPr>
-        <p:cNvPr id="1" name=""/>
-        <p:cNvGrpSpPr/>
-        <p:nvPr/>
-      </p:nvGrpSpPr>
-      <p:grpSpPr>
-        <a:xfrm>
-          <a:off x="0" y="0"/>
-          <a:ext cx="0" cy="0"/>
-          <a:chOff x="0" y="0"/>
-          <a:chExt cx="0" cy="0"/>
-        </a:xfrm>
-      </p:grpSpPr>
-      <p:sp>
-        <p:nvSpPr>
-          <p:cNvPr id="269" name="CustomShape 1"/>
-          <p:cNvSpPr/>
-          <p:nvPr/>
-        </p:nvSpPr>
-        <p:spPr>
-          <a:xfrm>
-            <a:off x="822960" y="1072080"/>
-            <a:ext cx="7542720" cy="1087200"/>
-          </a:xfrm>
-          <a:prstGeom prst="rect">
-            <a:avLst/>
-          </a:prstGeom>
-          <a:noFill/>
-          <a:ln>
-            <a:noFill/>
-          </a:ln>
-        </p:spPr>
-        <p:style>
-          <a:lnRef idx="0">
-            <a:scrgbClr r="0" g="0" b="0"/>
-          </a:lnRef>
-          <a:fillRef idx="0">
-            <a:scrgbClr r="0" g="0" b="0"/>
-          </a:fillRef>
-          <a:effectRef idx="0">
-            <a:scrgbClr r="0" g="0" b="0"/>
-          </a:effectRef>
-          <a:fontRef idx="minor"/>
-        </p:style>
-        <p:txBody>
-          <a:bodyPr lIns="82800" tIns="41400" rIns="82800" bIns="41400" anchor="b">
-            <a:normAutofit/>
-          </a:bodyPr>
-          <a:lstStyle/>
-          <a:p>
-            <a:pPr>
-              <a:lnSpc>
-                <a:spcPct val="85000"/>
-              </a:lnSpc>
-              <a:spcAft>
-                <a:spcPts val="544"/>
-              </a:spcAft>
-              <a:tabLst>
-                <a:tab pos="0" algn="l"/>
-              </a:tabLst>
-            </a:pPr>
-            <a:r>
-              <a:rPr lang="en-US" sz="4400" b="1" strike="noStrike" spc="-46" dirty="0">
-                <a:latin typeface="Calibri"/>
-                <a:ea typeface="DejaVu Sans"/>
-              </a:rPr>
-              <a:t>How to get help</a:t>
-            </a:r>
-            <a:endParaRPr lang="en-GB" sz="4400" b="0" strike="noStrike" spc="-1" dirty="0">
-              <a:latin typeface="Arial"/>
-            </a:endParaRPr>
-          </a:p>
-        </p:txBody>
-      </p:sp>
-      <p:graphicFrame>
-        <p:nvGraphicFramePr>
-          <p:cNvPr id="3" name="Diagram3"/>
-          <p:cNvGraphicFramePr/>
-          <p:nvPr>
-            <p:extLst>
-              <p:ext uri="{D42A27DB-BD31-4B8C-83A1-F6EECF244321}">
-                <p14:modId xmlns:p14="http://schemas.microsoft.com/office/powerpoint/2010/main" val="2666678168"/>
-              </p:ext>
-            </p:extLst>
-          </p:nvPr>
-        </p:nvGraphicFramePr>
-        <p:xfrm>
-          <a:off x="822600" y="2431080"/>
-          <a:ext cx="7542720" cy="2838600"/>
-        </p:xfrm>
-        <a:graphic>
-          <a:graphicData uri="http://schemas.openxmlformats.org/drawingml/2006/diagram">
-            <dgm:relIds xmlns:dgm="http://schemas.openxmlformats.org/drawingml/2006/diagram" xmlns:r="http://schemas.openxmlformats.org/officeDocument/2006/relationships" r:dm="rId2" r:lo="rId3" r:qs="rId4" r:cs="rId5"/>
-          </a:graphicData>
-        </a:graphic>
-      </p:graphicFrame>
-    </p:spTree>
-  </p:cSld>
-  <p:clrMapOvr>
-    <a:masterClrMapping/>
-  </p:clrMapOvr>
 </p:sld>
 </file>
 

--- a/powerpoint/Session1.pptx
+++ b/powerpoint/Session1.pptx
@@ -14,30 +14,31 @@
     <p:sldId id="285" r:id="rId8"/>
     <p:sldId id="257" r:id="rId9"/>
     <p:sldId id="258" r:id="rId10"/>
-    <p:sldId id="259" r:id="rId11"/>
-    <p:sldId id="260" r:id="rId12"/>
-    <p:sldId id="261" r:id="rId13"/>
-    <p:sldId id="262" r:id="rId14"/>
-    <p:sldId id="263" r:id="rId15"/>
-    <p:sldId id="264" r:id="rId16"/>
-    <p:sldId id="276" r:id="rId17"/>
-    <p:sldId id="282" r:id="rId18"/>
-    <p:sldId id="265" r:id="rId19"/>
-    <p:sldId id="266" r:id="rId20"/>
-    <p:sldId id="283" r:id="rId21"/>
-    <p:sldId id="267" r:id="rId22"/>
-    <p:sldId id="268" r:id="rId23"/>
-    <p:sldId id="269" r:id="rId24"/>
-    <p:sldId id="270" r:id="rId25"/>
-    <p:sldId id="271" r:id="rId26"/>
-    <p:sldId id="272" r:id="rId27"/>
-    <p:sldId id="273" r:id="rId28"/>
-    <p:sldId id="274" r:id="rId29"/>
-    <p:sldId id="275" r:id="rId30"/>
-    <p:sldId id="277" r:id="rId31"/>
-    <p:sldId id="278" r:id="rId32"/>
-    <p:sldId id="280" r:id="rId33"/>
-    <p:sldId id="281" r:id="rId34"/>
+    <p:sldId id="286" r:id="rId11"/>
+    <p:sldId id="259" r:id="rId12"/>
+    <p:sldId id="260" r:id="rId13"/>
+    <p:sldId id="261" r:id="rId14"/>
+    <p:sldId id="262" r:id="rId15"/>
+    <p:sldId id="263" r:id="rId16"/>
+    <p:sldId id="264" r:id="rId17"/>
+    <p:sldId id="276" r:id="rId18"/>
+    <p:sldId id="282" r:id="rId19"/>
+    <p:sldId id="265" r:id="rId20"/>
+    <p:sldId id="266" r:id="rId21"/>
+    <p:sldId id="283" r:id="rId22"/>
+    <p:sldId id="267" r:id="rId23"/>
+    <p:sldId id="268" r:id="rId24"/>
+    <p:sldId id="269" r:id="rId25"/>
+    <p:sldId id="270" r:id="rId26"/>
+    <p:sldId id="271" r:id="rId27"/>
+    <p:sldId id="272" r:id="rId28"/>
+    <p:sldId id="273" r:id="rId29"/>
+    <p:sldId id="274" r:id="rId30"/>
+    <p:sldId id="275" r:id="rId31"/>
+    <p:sldId id="277" r:id="rId32"/>
+    <p:sldId id="278" r:id="rId33"/>
+    <p:sldId id="280" r:id="rId34"/>
+    <p:sldId id="281" r:id="rId35"/>
   </p:sldIdLst>
   <p:sldSz cx="9144000" cy="6858000" type="screen4x3"/>
   <p:notesSz cx="7559675" cy="10691813"/>
@@ -147,7 +148,7 @@
 <file path=ppt/revisionInfo.xml><?xml version="1.0" encoding="utf-8"?>
 <p1510:revInfo xmlns:a="http://schemas.openxmlformats.org/drawingml/2006/main" xmlns:r="http://schemas.openxmlformats.org/officeDocument/2006/relationships" xmlns:p1510="http://schemas.microsoft.com/office/powerpoint/2015/10/main">
   <p1510:revLst>
-    <p1510:client id="{6B9E06D8-20C2-D848-A103-87A0E5BBED98}" v="1" dt="2023-10-10T07:55:39.616"/>
+    <p1510:client id="{6B9E06D8-20C2-D848-A103-87A0E5BBED98}" v="2" dt="2023-10-10T08:08:36.902"/>
   </p1510:revLst>
 </p1510:revInfo>
 </file>
@@ -157,7 +158,7 @@
   <pc:docChgLst>
     <pc:chgData name="Srinivasa Rao" userId="a6b54366-f13d-4292-8bb4-f06c50909b1e" providerId="ADAL" clId="{6B9E06D8-20C2-D848-A103-87A0E5BBED98}"/>
     <pc:docChg chg="custSel addSld delSld modSld sldOrd">
-      <pc:chgData name="Srinivasa Rao" userId="a6b54366-f13d-4292-8bb4-f06c50909b1e" providerId="ADAL" clId="{6B9E06D8-20C2-D848-A103-87A0E5BBED98}" dt="2023-10-10T07:55:39.609" v="138" actId="20577"/>
+      <pc:chgData name="Srinivasa Rao" userId="a6b54366-f13d-4292-8bb4-f06c50909b1e" providerId="ADAL" clId="{6B9E06D8-20C2-D848-A103-87A0E5BBED98}" dt="2023-10-10T08:09:11.243" v="218" actId="14100"/>
       <pc:docMkLst>
         <pc:docMk/>
       </pc:docMkLst>
@@ -218,6 +219,37 @@
             <pc:docMk/>
             <pc:sldMk cId="55516250" sldId="285"/>
             <ac:spMk id="229" creationId="{00000000-0000-0000-0000-000000000000}"/>
+          </ac:spMkLst>
+        </pc:spChg>
+      </pc:sldChg>
+      <pc:sldChg chg="addSp delSp modSp add mod">
+        <pc:chgData name="Srinivasa Rao" userId="a6b54366-f13d-4292-8bb4-f06c50909b1e" providerId="ADAL" clId="{6B9E06D8-20C2-D848-A103-87A0E5BBED98}" dt="2023-10-10T08:09:11.243" v="218" actId="14100"/>
+        <pc:sldMkLst>
+          <pc:docMk/>
+          <pc:sldMk cId="3866619547" sldId="286"/>
+        </pc:sldMkLst>
+        <pc:spChg chg="add mod">
+          <ac:chgData name="Srinivasa Rao" userId="a6b54366-f13d-4292-8bb4-f06c50909b1e" providerId="ADAL" clId="{6B9E06D8-20C2-D848-A103-87A0E5BBED98}" dt="2023-10-10T08:08:58.265" v="216" actId="27636"/>
+          <ac:spMkLst>
+            <pc:docMk/>
+            <pc:sldMk cId="3866619547" sldId="286"/>
+            <ac:spMk id="2" creationId="{71FDD77B-BFCD-41B5-95AF-944017EA0FCF}"/>
+          </ac:spMkLst>
+        </pc:spChg>
+        <pc:spChg chg="del mod">
+          <ac:chgData name="Srinivasa Rao" userId="a6b54366-f13d-4292-8bb4-f06c50909b1e" providerId="ADAL" clId="{6B9E06D8-20C2-D848-A103-87A0E5BBED98}" dt="2023-10-10T08:08:35.888" v="197" actId="478"/>
+          <ac:spMkLst>
+            <pc:docMk/>
+            <pc:sldMk cId="3866619547" sldId="286"/>
+            <ac:spMk id="231" creationId="{00000000-0000-0000-0000-000000000000}"/>
+          </ac:spMkLst>
+        </pc:spChg>
+        <pc:spChg chg="mod">
+          <ac:chgData name="Srinivasa Rao" userId="a6b54366-f13d-4292-8bb4-f06c50909b1e" providerId="ADAL" clId="{6B9E06D8-20C2-D848-A103-87A0E5BBED98}" dt="2023-10-10T08:09:11.243" v="218" actId="14100"/>
+          <ac:spMkLst>
+            <pc:docMk/>
+            <pc:sldMk cId="3866619547" sldId="286"/>
+            <ac:spMk id="232" creationId="{00000000-0000-0000-0000-000000000000}"/>
           </ac:spMkLst>
         </pc:spChg>
       </pc:sldChg>
@@ -20143,6 +20175,997 @@
       </p:grpSpPr>
       <p:sp>
         <p:nvSpPr>
+          <p:cNvPr id="263" name="CustomShape 1"/>
+          <p:cNvSpPr/>
+          <p:nvPr/>
+        </p:nvSpPr>
+        <p:spPr>
+          <a:xfrm>
+            <a:off x="457200" y="684000"/>
+            <a:ext cx="8227800" cy="1143720"/>
+          </a:xfrm>
+          <a:prstGeom prst="rect">
+            <a:avLst/>
+          </a:prstGeom>
+          <a:noFill/>
+          <a:ln>
+            <a:noFill/>
+          </a:ln>
+        </p:spPr>
+        <p:style>
+          <a:lnRef idx="0">
+            <a:scrgbClr r="0" g="0" b="0"/>
+          </a:lnRef>
+          <a:fillRef idx="0">
+            <a:scrgbClr r="0" g="0" b="0"/>
+          </a:fillRef>
+          <a:effectRef idx="0">
+            <a:scrgbClr r="0" g="0" b="0"/>
+          </a:effectRef>
+          <a:fontRef idx="minor"/>
+        </p:style>
+        <p:txBody>
+          <a:bodyPr lIns="0" tIns="0" rIns="0" bIns="0" anchor="ctr">
+            <a:noAutofit/>
+          </a:bodyPr>
+          <a:lstStyle/>
+          <a:p>
+            <a:pPr algn="ctr">
+              <a:lnSpc>
+                <a:spcPct val="100000"/>
+              </a:lnSpc>
+            </a:pPr>
+            <a:r>
+              <a:rPr lang="en-GB" sz="4400" b="1" strike="noStrike" spc="-1" dirty="0">
+                <a:solidFill>
+                  <a:srgbClr val="000000"/>
+                </a:solidFill>
+                <a:latin typeface="Calibri"/>
+                <a:ea typeface="DejaVu Sans"/>
+              </a:rPr>
+              <a:t>Conversion (and coercion)</a:t>
+            </a:r>
+            <a:endParaRPr lang="en-GB" sz="4400" b="0" strike="noStrike" spc="-1" dirty="0">
+              <a:latin typeface="Arial"/>
+            </a:endParaRPr>
+          </a:p>
+        </p:txBody>
+      </p:sp>
+      <p:sp>
+        <p:nvSpPr>
+          <p:cNvPr id="264" name="CustomShape 2"/>
+          <p:cNvSpPr/>
+          <p:nvPr/>
+        </p:nvSpPr>
+        <p:spPr>
+          <a:xfrm>
+            <a:off x="457200" y="1764360"/>
+            <a:ext cx="8227800" cy="3127320"/>
+          </a:xfrm>
+          <a:prstGeom prst="rect">
+            <a:avLst/>
+          </a:prstGeom>
+          <a:noFill/>
+          <a:ln>
+            <a:noFill/>
+          </a:ln>
+        </p:spPr>
+        <p:style>
+          <a:lnRef idx="0">
+            <a:scrgbClr r="0" g="0" b="0"/>
+          </a:lnRef>
+          <a:fillRef idx="0">
+            <a:scrgbClr r="0" g="0" b="0"/>
+          </a:fillRef>
+          <a:effectRef idx="0">
+            <a:scrgbClr r="0" g="0" b="0"/>
+          </a:effectRef>
+          <a:fontRef idx="minor"/>
+        </p:style>
+        <p:txBody>
+          <a:bodyPr lIns="0" tIns="0" rIns="0" bIns="0">
+            <a:normAutofit lnSpcReduction="10000"/>
+          </a:bodyPr>
+          <a:lstStyle/>
+          <a:p>
+            <a:pPr marL="343080" indent="-342000">
+              <a:lnSpc>
+                <a:spcPct val="100000"/>
+              </a:lnSpc>
+              <a:spcBef>
+                <a:spcPts val="434"/>
+              </a:spcBef>
+              <a:buClr>
+                <a:srgbClr val="000000"/>
+              </a:buClr>
+              <a:buFont typeface="Arial"/>
+              <a:buChar char="•"/>
+            </a:pPr>
+            <a:r>
+              <a:rPr lang="en-GB" sz="2180" b="0" strike="noStrike" spc="-1">
+                <a:solidFill>
+                  <a:srgbClr val="000000"/>
+                </a:solidFill>
+                <a:latin typeface="Courier New"/>
+                <a:ea typeface="DejaVu Sans"/>
+              </a:rPr>
+              <a:t>as.character()</a:t>
+            </a:r>
+            <a:endParaRPr lang="en-GB" sz="2180" b="0" strike="noStrike" spc="-1">
+              <a:latin typeface="Arial"/>
+            </a:endParaRPr>
+          </a:p>
+          <a:p>
+            <a:pPr marL="743040" lvl="1" indent="-284760">
+              <a:lnSpc>
+                <a:spcPct val="100000"/>
+              </a:lnSpc>
+              <a:spcBef>
+                <a:spcPts val="363"/>
+              </a:spcBef>
+              <a:buClr>
+                <a:srgbClr val="000000"/>
+              </a:buClr>
+              <a:buFont typeface="Arial"/>
+              <a:buChar char="–"/>
+            </a:pPr>
+            <a:r>
+              <a:rPr lang="en-GB" sz="1820" b="1" strike="noStrike" spc="-1">
+                <a:solidFill>
+                  <a:srgbClr val="000000"/>
+                </a:solidFill>
+                <a:latin typeface="Calibri"/>
+                <a:ea typeface="DejaVu Sans"/>
+              </a:rPr>
+              <a:t>Numeric</a:t>
+            </a:r>
+            <a:r>
+              <a:rPr lang="en-GB" sz="1820" b="0" strike="noStrike" spc="-1">
+                <a:solidFill>
+                  <a:srgbClr val="000000"/>
+                </a:solidFill>
+                <a:latin typeface="Calibri"/>
+                <a:ea typeface="DejaVu Sans"/>
+              </a:rPr>
+              <a:t>, </a:t>
+            </a:r>
+            <a:r>
+              <a:rPr lang="en-GB" sz="1820" b="1" strike="noStrike" spc="-1">
+                <a:solidFill>
+                  <a:srgbClr val="000000"/>
+                </a:solidFill>
+                <a:latin typeface="Calibri"/>
+                <a:ea typeface="DejaVu Sans"/>
+              </a:rPr>
+              <a:t>logical</a:t>
+            </a:r>
+            <a:r>
+              <a:rPr lang="en-GB" sz="1820" b="0" strike="noStrike" spc="-1">
+                <a:solidFill>
+                  <a:srgbClr val="000000"/>
+                </a:solidFill>
+                <a:latin typeface="Calibri"/>
+                <a:ea typeface="DejaVu Sans"/>
+              </a:rPr>
+              <a:t> and </a:t>
+            </a:r>
+            <a:r>
+              <a:rPr lang="en-GB" sz="1820" b="1" strike="noStrike" spc="-1">
+                <a:solidFill>
+                  <a:srgbClr val="000000"/>
+                </a:solidFill>
+                <a:latin typeface="Calibri"/>
+                <a:ea typeface="DejaVu Sans"/>
+              </a:rPr>
+              <a:t>factor</a:t>
+            </a:r>
+            <a:r>
+              <a:rPr lang="en-GB" sz="1820" b="0" strike="noStrike" spc="-1">
+                <a:solidFill>
+                  <a:srgbClr val="000000"/>
+                </a:solidFill>
+                <a:latin typeface="Calibri"/>
+                <a:ea typeface="DejaVu Sans"/>
+              </a:rPr>
+              <a:t> types can be converted to character</a:t>
+            </a:r>
+            <a:endParaRPr lang="en-GB" sz="1820" b="0" strike="noStrike" spc="-1">
+              <a:latin typeface="Arial"/>
+            </a:endParaRPr>
+          </a:p>
+          <a:p>
+            <a:pPr marL="343080" indent="-342000">
+              <a:lnSpc>
+                <a:spcPct val="100000"/>
+              </a:lnSpc>
+              <a:spcBef>
+                <a:spcPts val="434"/>
+              </a:spcBef>
+              <a:buClr>
+                <a:srgbClr val="000000"/>
+              </a:buClr>
+              <a:buFont typeface="Arial"/>
+              <a:buChar char="•"/>
+            </a:pPr>
+            <a:r>
+              <a:rPr lang="en-GB" sz="2180" b="0" strike="noStrike" spc="-1">
+                <a:solidFill>
+                  <a:srgbClr val="000000"/>
+                </a:solidFill>
+                <a:latin typeface="Courier New"/>
+                <a:ea typeface="DejaVu Sans"/>
+              </a:rPr>
+              <a:t>as.numeric()</a:t>
+            </a:r>
+            <a:endParaRPr lang="en-GB" sz="2180" b="0" strike="noStrike" spc="-1">
+              <a:latin typeface="Arial"/>
+            </a:endParaRPr>
+          </a:p>
+          <a:p>
+            <a:pPr marL="743040" lvl="1" indent="-284760">
+              <a:lnSpc>
+                <a:spcPct val="100000"/>
+              </a:lnSpc>
+              <a:spcBef>
+                <a:spcPts val="363"/>
+              </a:spcBef>
+              <a:buClr>
+                <a:srgbClr val="000000"/>
+              </a:buClr>
+              <a:buFont typeface="Arial"/>
+              <a:buChar char="–"/>
+            </a:pPr>
+            <a:r>
+              <a:rPr lang="en-GB" sz="1820" b="1" strike="noStrike" spc="-1">
+                <a:solidFill>
+                  <a:srgbClr val="000000"/>
+                </a:solidFill>
+                <a:latin typeface="Calibri"/>
+                <a:ea typeface="DejaVu Sans"/>
+              </a:rPr>
+              <a:t>Logical</a:t>
+            </a:r>
+            <a:r>
+              <a:rPr lang="en-GB" sz="1820" b="0" strike="noStrike" spc="-1">
+                <a:solidFill>
+                  <a:srgbClr val="000000"/>
+                </a:solidFill>
+                <a:latin typeface="Calibri"/>
+                <a:ea typeface="DejaVu Sans"/>
+              </a:rPr>
+              <a:t>, and </a:t>
+            </a:r>
+            <a:r>
+              <a:rPr lang="en-GB" sz="1820" b="1" strike="noStrike" spc="-1">
+                <a:solidFill>
+                  <a:srgbClr val="000000"/>
+                </a:solidFill>
+                <a:latin typeface="Calibri"/>
+                <a:ea typeface="DejaVu Sans"/>
+              </a:rPr>
+              <a:t>character variables that are purely numbers</a:t>
+            </a:r>
+            <a:r>
+              <a:rPr lang="en-GB" sz="1820" b="0" strike="noStrike" spc="-1">
+                <a:solidFill>
+                  <a:srgbClr val="000000"/>
+                </a:solidFill>
+                <a:latin typeface="Calibri"/>
+                <a:ea typeface="DejaVu Sans"/>
+              </a:rPr>
+              <a:t> can be converted to numeric</a:t>
+            </a:r>
+            <a:endParaRPr lang="en-GB" sz="1820" b="0" strike="noStrike" spc="-1">
+              <a:latin typeface="Arial"/>
+            </a:endParaRPr>
+          </a:p>
+          <a:p>
+            <a:pPr marL="343080" indent="-342000">
+              <a:lnSpc>
+                <a:spcPct val="100000"/>
+              </a:lnSpc>
+              <a:spcBef>
+                <a:spcPts val="434"/>
+              </a:spcBef>
+              <a:buClr>
+                <a:srgbClr val="000000"/>
+              </a:buClr>
+              <a:buFont typeface="Arial"/>
+              <a:buChar char="•"/>
+            </a:pPr>
+            <a:r>
+              <a:rPr lang="en-GB" sz="2180" b="0" strike="noStrike" spc="-1">
+                <a:solidFill>
+                  <a:srgbClr val="000000"/>
+                </a:solidFill>
+                <a:latin typeface="Courier New"/>
+                <a:ea typeface="DejaVu Sans"/>
+              </a:rPr>
+              <a:t>as.logical()</a:t>
+            </a:r>
+            <a:endParaRPr lang="en-GB" sz="2180" b="0" strike="noStrike" spc="-1">
+              <a:latin typeface="Arial"/>
+            </a:endParaRPr>
+          </a:p>
+          <a:p>
+            <a:pPr marL="743040" lvl="1" indent="-284760">
+              <a:lnSpc>
+                <a:spcPct val="100000"/>
+              </a:lnSpc>
+              <a:spcBef>
+                <a:spcPts val="363"/>
+              </a:spcBef>
+              <a:buClr>
+                <a:srgbClr val="000000"/>
+              </a:buClr>
+              <a:buFont typeface="Arial"/>
+              <a:buChar char="–"/>
+            </a:pPr>
+            <a:r>
+              <a:rPr lang="en-GB" sz="1820" b="1" strike="noStrike" spc="-1">
+                <a:solidFill>
+                  <a:srgbClr val="000000"/>
+                </a:solidFill>
+                <a:latin typeface="Calibri"/>
+                <a:ea typeface="DejaVu Sans"/>
+              </a:rPr>
+              <a:t>“FALSE” </a:t>
+            </a:r>
+            <a:r>
+              <a:rPr lang="en-GB" sz="1820" b="0" strike="noStrike" spc="-1">
+                <a:solidFill>
+                  <a:srgbClr val="000000"/>
+                </a:solidFill>
+                <a:latin typeface="Calibri"/>
+                <a:ea typeface="DejaVu Sans"/>
+              </a:rPr>
+              <a:t>or </a:t>
+            </a:r>
+            <a:r>
+              <a:rPr lang="en-GB" sz="1820" b="1" strike="noStrike" spc="-1">
+                <a:solidFill>
+                  <a:srgbClr val="000000"/>
+                </a:solidFill>
+                <a:latin typeface="Calibri"/>
+                <a:ea typeface="DejaVu Sans"/>
+              </a:rPr>
+              <a:t>0</a:t>
+            </a:r>
+            <a:r>
+              <a:rPr lang="en-GB" sz="1820" b="0" strike="noStrike" spc="-1">
+                <a:solidFill>
+                  <a:srgbClr val="000000"/>
+                </a:solidFill>
+                <a:latin typeface="Calibri"/>
+                <a:ea typeface="DejaVu Sans"/>
+              </a:rPr>
+              <a:t> is converted to FALSE, </a:t>
+            </a:r>
+            <a:r>
+              <a:rPr lang="en-GB" sz="1820" b="1" strike="noStrike" spc="-1">
+                <a:solidFill>
+                  <a:srgbClr val="000000"/>
+                </a:solidFill>
+                <a:latin typeface="Calibri"/>
+                <a:ea typeface="DejaVu Sans"/>
+              </a:rPr>
+              <a:t>“TRUE” </a:t>
+            </a:r>
+            <a:r>
+              <a:rPr lang="en-GB" sz="1820" b="0" strike="noStrike" spc="-1">
+                <a:solidFill>
+                  <a:srgbClr val="000000"/>
+                </a:solidFill>
+                <a:latin typeface="Calibri"/>
+                <a:ea typeface="DejaVu Sans"/>
+              </a:rPr>
+              <a:t>or </a:t>
+            </a:r>
+            <a:r>
+              <a:rPr lang="en-GB" sz="1820" b="1" strike="noStrike" spc="-1">
+                <a:solidFill>
+                  <a:srgbClr val="000000"/>
+                </a:solidFill>
+                <a:latin typeface="Calibri"/>
+                <a:ea typeface="DejaVu Sans"/>
+              </a:rPr>
+              <a:t>any non-zero number</a:t>
+            </a:r>
+            <a:r>
+              <a:rPr lang="en-GB" sz="1820" b="0" strike="noStrike" spc="-1">
+                <a:solidFill>
+                  <a:srgbClr val="000000"/>
+                </a:solidFill>
+                <a:latin typeface="Calibri"/>
+                <a:ea typeface="DejaVu Sans"/>
+              </a:rPr>
+              <a:t> is converted to TRUE</a:t>
+            </a:r>
+            <a:endParaRPr lang="en-GB" sz="1820" b="0" strike="noStrike" spc="-1">
+              <a:latin typeface="Arial"/>
+            </a:endParaRPr>
+          </a:p>
+          <a:p>
+            <a:pPr marL="343080" indent="-342000">
+              <a:lnSpc>
+                <a:spcPct val="100000"/>
+              </a:lnSpc>
+              <a:spcBef>
+                <a:spcPts val="434"/>
+              </a:spcBef>
+              <a:buClr>
+                <a:srgbClr val="000000"/>
+              </a:buClr>
+              <a:buFont typeface="Arial"/>
+              <a:buChar char="•"/>
+            </a:pPr>
+            <a:r>
+              <a:rPr lang="en-GB" sz="2180" b="0" strike="noStrike" spc="-1">
+                <a:solidFill>
+                  <a:srgbClr val="000000"/>
+                </a:solidFill>
+                <a:latin typeface="Courier New"/>
+                <a:ea typeface="DejaVu Sans"/>
+              </a:rPr>
+              <a:t>as.factor()</a:t>
+            </a:r>
+            <a:endParaRPr lang="en-GB" sz="2180" b="0" strike="noStrike" spc="-1">
+              <a:latin typeface="Arial"/>
+            </a:endParaRPr>
+          </a:p>
+          <a:p>
+            <a:pPr marL="743040" lvl="1" indent="-284760">
+              <a:lnSpc>
+                <a:spcPct val="100000"/>
+              </a:lnSpc>
+              <a:spcBef>
+                <a:spcPts val="363"/>
+              </a:spcBef>
+              <a:buClr>
+                <a:srgbClr val="000000"/>
+              </a:buClr>
+              <a:buFont typeface="Arial"/>
+              <a:buChar char="–"/>
+            </a:pPr>
+            <a:r>
+              <a:rPr lang="en-GB" sz="1820" b="0" strike="noStrike" spc="-1">
+                <a:solidFill>
+                  <a:srgbClr val="000000"/>
+                </a:solidFill>
+                <a:latin typeface="Calibri"/>
+                <a:ea typeface="DejaVu Sans"/>
+              </a:rPr>
+              <a:t>Any other data type can be converted to a factor</a:t>
+            </a:r>
+            <a:endParaRPr lang="en-GB" sz="1820" b="0" strike="noStrike" spc="-1">
+              <a:latin typeface="Arial"/>
+            </a:endParaRPr>
+          </a:p>
+        </p:txBody>
+      </p:sp>
+      <p:sp>
+        <p:nvSpPr>
+          <p:cNvPr id="265" name="CustomShape 3"/>
+          <p:cNvSpPr/>
+          <p:nvPr/>
+        </p:nvSpPr>
+        <p:spPr>
+          <a:xfrm>
+            <a:off x="457200" y="5423040"/>
+            <a:ext cx="3740760" cy="912600"/>
+          </a:xfrm>
+          <a:prstGeom prst="rect">
+            <a:avLst/>
+          </a:prstGeom>
+          <a:noFill/>
+          <a:ln>
+            <a:solidFill>
+              <a:schemeClr val="accent1"/>
+            </a:solidFill>
+          </a:ln>
+        </p:spPr>
+        <p:style>
+          <a:lnRef idx="0">
+            <a:scrgbClr r="0" g="0" b="0"/>
+          </a:lnRef>
+          <a:fillRef idx="0">
+            <a:scrgbClr r="0" g="0" b="0"/>
+          </a:fillRef>
+          <a:effectRef idx="0">
+            <a:scrgbClr r="0" g="0" b="0"/>
+          </a:effectRef>
+          <a:fontRef idx="minor"/>
+        </p:style>
+        <p:txBody>
+          <a:bodyPr lIns="90000" tIns="45000" rIns="90000" bIns="45000">
+            <a:spAutoFit/>
+          </a:bodyPr>
+          <a:lstStyle/>
+          <a:p>
+            <a:pPr>
+              <a:lnSpc>
+                <a:spcPct val="100000"/>
+              </a:lnSpc>
+              <a:tabLst>
+                <a:tab pos="0" algn="l"/>
+              </a:tabLst>
+            </a:pPr>
+            <a:r>
+              <a:rPr lang="en-GB" sz="1800" b="0" strike="noStrike" spc="-1">
+                <a:solidFill>
+                  <a:srgbClr val="FF0000"/>
+                </a:solidFill>
+                <a:latin typeface="Courier New"/>
+                <a:ea typeface="DejaVu Sans"/>
+              </a:rPr>
+              <a:t>Warning message:</a:t>
+            </a:r>
+            <a:endParaRPr lang="en-GB" sz="1800" b="0" strike="noStrike" spc="-1">
+              <a:latin typeface="Arial"/>
+            </a:endParaRPr>
+          </a:p>
+          <a:p>
+            <a:pPr>
+              <a:lnSpc>
+                <a:spcPct val="100000"/>
+              </a:lnSpc>
+              <a:tabLst>
+                <a:tab pos="0" algn="l"/>
+              </a:tabLst>
+            </a:pPr>
+            <a:r>
+              <a:rPr lang="en-GB" sz="1800" b="0" strike="noStrike" spc="-1">
+                <a:solidFill>
+                  <a:srgbClr val="FF0000"/>
+                </a:solidFill>
+                <a:latin typeface="Courier New"/>
+                <a:ea typeface="DejaVu Sans"/>
+              </a:rPr>
+              <a:t>NAs introduced by coercion </a:t>
+            </a:r>
+            <a:endParaRPr lang="en-GB" sz="1800" b="0" strike="noStrike" spc="-1">
+              <a:latin typeface="Arial"/>
+            </a:endParaRPr>
+          </a:p>
+        </p:txBody>
+      </p:sp>
+      <p:sp>
+        <p:nvSpPr>
+          <p:cNvPr id="266" name="CustomShape 4"/>
+          <p:cNvSpPr/>
+          <p:nvPr/>
+        </p:nvSpPr>
+        <p:spPr>
+          <a:xfrm>
+            <a:off x="4327920" y="5423040"/>
+            <a:ext cx="4570920" cy="1186920"/>
+          </a:xfrm>
+          <a:prstGeom prst="rect">
+            <a:avLst/>
+          </a:prstGeom>
+          <a:noFill/>
+          <a:ln>
+            <a:solidFill>
+              <a:schemeClr val="accent1"/>
+            </a:solidFill>
+          </a:ln>
+        </p:spPr>
+        <p:style>
+          <a:lnRef idx="0">
+            <a:scrgbClr r="0" g="0" b="0"/>
+          </a:lnRef>
+          <a:fillRef idx="0">
+            <a:scrgbClr r="0" g="0" b="0"/>
+          </a:fillRef>
+          <a:effectRef idx="0">
+            <a:scrgbClr r="0" g="0" b="0"/>
+          </a:effectRef>
+          <a:fontRef idx="minor"/>
+        </p:style>
+        <p:txBody>
+          <a:bodyPr lIns="90000" tIns="45000" rIns="90000" bIns="45000">
+            <a:spAutoFit/>
+          </a:bodyPr>
+          <a:lstStyle/>
+          <a:p>
+            <a:pPr>
+              <a:lnSpc>
+                <a:spcPct val="100000"/>
+              </a:lnSpc>
+              <a:tabLst>
+                <a:tab pos="0" algn="l"/>
+              </a:tabLst>
+            </a:pPr>
+            <a:r>
+              <a:rPr lang="en-GB" sz="1800" b="0" strike="noStrike" spc="-1">
+                <a:solidFill>
+                  <a:srgbClr val="000000"/>
+                </a:solidFill>
+                <a:latin typeface="Courier New"/>
+                <a:ea typeface="DejaVu Sans"/>
+              </a:rPr>
+              <a:t>&gt; as.numeric(as.character(14))</a:t>
+            </a:r>
+            <a:endParaRPr lang="en-GB" sz="1800" b="0" strike="noStrike" spc="-1">
+              <a:latin typeface="Arial"/>
+            </a:endParaRPr>
+          </a:p>
+          <a:p>
+            <a:pPr>
+              <a:lnSpc>
+                <a:spcPct val="100000"/>
+              </a:lnSpc>
+              <a:tabLst>
+                <a:tab pos="0" algn="l"/>
+              </a:tabLst>
+            </a:pPr>
+            <a:r>
+              <a:rPr lang="en-GB" sz="1800" b="0" strike="noStrike" spc="-1">
+                <a:solidFill>
+                  <a:srgbClr val="000000"/>
+                </a:solidFill>
+                <a:latin typeface="Courier New"/>
+                <a:ea typeface="DejaVu Sans"/>
+              </a:rPr>
+              <a:t>[1] 14</a:t>
+            </a:r>
+            <a:endParaRPr lang="en-GB" sz="1800" b="0" strike="noStrike" spc="-1">
+              <a:latin typeface="Arial"/>
+            </a:endParaRPr>
+          </a:p>
+          <a:p>
+            <a:pPr>
+              <a:lnSpc>
+                <a:spcPct val="100000"/>
+              </a:lnSpc>
+              <a:tabLst>
+                <a:tab pos="0" algn="l"/>
+              </a:tabLst>
+            </a:pPr>
+            <a:r>
+              <a:rPr lang="en-GB" sz="1800" b="0" strike="noStrike" spc="-1">
+                <a:solidFill>
+                  <a:srgbClr val="000000"/>
+                </a:solidFill>
+                <a:latin typeface="Courier New"/>
+                <a:ea typeface="DejaVu Sans"/>
+              </a:rPr>
+              <a:t>&gt; as.numeric(as.factor(14))</a:t>
+            </a:r>
+            <a:endParaRPr lang="en-GB" sz="1800" b="0" strike="noStrike" spc="-1">
+              <a:latin typeface="Arial"/>
+            </a:endParaRPr>
+          </a:p>
+          <a:p>
+            <a:pPr>
+              <a:lnSpc>
+                <a:spcPct val="100000"/>
+              </a:lnSpc>
+              <a:tabLst>
+                <a:tab pos="0" algn="l"/>
+              </a:tabLst>
+            </a:pPr>
+            <a:r>
+              <a:rPr lang="en-GB" sz="1800" b="0" strike="noStrike" spc="-1">
+                <a:solidFill>
+                  <a:srgbClr val="000000"/>
+                </a:solidFill>
+                <a:latin typeface="Courier New"/>
+                <a:ea typeface="DejaVu Sans"/>
+              </a:rPr>
+              <a:t>[1] 1</a:t>
+            </a:r>
+            <a:endParaRPr lang="en-GB" sz="1800" b="0" strike="noStrike" spc="-1">
+              <a:latin typeface="Arial"/>
+            </a:endParaRPr>
+          </a:p>
+        </p:txBody>
+      </p:sp>
+      <p:sp>
+        <p:nvSpPr>
+          <p:cNvPr id="267" name="CustomShape 5"/>
+          <p:cNvSpPr/>
+          <p:nvPr/>
+        </p:nvSpPr>
+        <p:spPr>
+          <a:xfrm>
+            <a:off x="1396080" y="5053680"/>
+            <a:ext cx="1863360" cy="363960"/>
+          </a:xfrm>
+          <a:prstGeom prst="rect">
+            <a:avLst/>
+          </a:prstGeom>
+          <a:noFill/>
+          <a:ln>
+            <a:noFill/>
+          </a:ln>
+        </p:spPr>
+        <p:style>
+          <a:lnRef idx="0">
+            <a:scrgbClr r="0" g="0" b="0"/>
+          </a:lnRef>
+          <a:fillRef idx="0">
+            <a:scrgbClr r="0" g="0" b="0"/>
+          </a:fillRef>
+          <a:effectRef idx="0">
+            <a:scrgbClr r="0" g="0" b="0"/>
+          </a:effectRef>
+          <a:fontRef idx="minor"/>
+        </p:style>
+        <p:txBody>
+          <a:bodyPr lIns="90000" tIns="45000" rIns="90000" bIns="45000">
+            <a:spAutoFit/>
+          </a:bodyPr>
+          <a:lstStyle/>
+          <a:p>
+            <a:pPr algn="ctr">
+              <a:lnSpc>
+                <a:spcPct val="100000"/>
+              </a:lnSpc>
+              <a:tabLst>
+                <a:tab pos="0" algn="l"/>
+              </a:tabLst>
+            </a:pPr>
+            <a:r>
+              <a:rPr lang="en-GB" sz="1800" b="0" strike="noStrike" spc="-1">
+                <a:solidFill>
+                  <a:srgbClr val="000000"/>
+                </a:solidFill>
+                <a:latin typeface="Calibri"/>
+                <a:ea typeface="DejaVu Sans"/>
+              </a:rPr>
+              <a:t>Warnings</a:t>
+            </a:r>
+            <a:endParaRPr lang="en-GB" sz="1800" b="0" strike="noStrike" spc="-1">
+              <a:latin typeface="Arial"/>
+            </a:endParaRPr>
+          </a:p>
+        </p:txBody>
+      </p:sp>
+      <p:sp>
+        <p:nvSpPr>
+          <p:cNvPr id="268" name="CustomShape 6"/>
+          <p:cNvSpPr/>
+          <p:nvPr/>
+        </p:nvSpPr>
+        <p:spPr>
+          <a:xfrm>
+            <a:off x="5681880" y="5053680"/>
+            <a:ext cx="1863360" cy="363960"/>
+          </a:xfrm>
+          <a:prstGeom prst="rect">
+            <a:avLst/>
+          </a:prstGeom>
+          <a:noFill/>
+          <a:ln>
+            <a:noFill/>
+          </a:ln>
+        </p:spPr>
+        <p:style>
+          <a:lnRef idx="0">
+            <a:scrgbClr r="0" g="0" b="0"/>
+          </a:lnRef>
+          <a:fillRef idx="0">
+            <a:scrgbClr r="0" g="0" b="0"/>
+          </a:fillRef>
+          <a:effectRef idx="0">
+            <a:scrgbClr r="0" g="0" b="0"/>
+          </a:effectRef>
+          <a:fontRef idx="minor"/>
+        </p:style>
+        <p:txBody>
+          <a:bodyPr lIns="90000" tIns="45000" rIns="90000" bIns="45000">
+            <a:spAutoFit/>
+          </a:bodyPr>
+          <a:lstStyle/>
+          <a:p>
+            <a:pPr algn="ctr">
+              <a:lnSpc>
+                <a:spcPct val="100000"/>
+              </a:lnSpc>
+              <a:tabLst>
+                <a:tab pos="0" algn="l"/>
+              </a:tabLst>
+            </a:pPr>
+            <a:r>
+              <a:rPr lang="en-GB" sz="1800" b="0" strike="noStrike" spc="-1">
+                <a:solidFill>
+                  <a:srgbClr val="000000"/>
+                </a:solidFill>
+                <a:latin typeface="Calibri"/>
+                <a:ea typeface="DejaVu Sans"/>
+              </a:rPr>
+              <a:t>Silent effects</a:t>
+            </a:r>
+            <a:endParaRPr lang="en-GB" sz="1800" b="0" strike="noStrike" spc="-1">
+              <a:latin typeface="Arial"/>
+            </a:endParaRPr>
+          </a:p>
+        </p:txBody>
+      </p:sp>
+    </p:spTree>
+  </p:cSld>
+  <p:clrMapOvr>
+    <a:masterClrMapping/>
+  </p:clrMapOvr>
+  <p:timing>
+    <p:tnLst>
+      <p:par>
+        <p:cTn id="1" dur="indefinite" restart="never" nodeType="tmRoot">
+          <p:childTnLst>
+            <p:seq>
+              <p:cTn id="2" dur="indefinite" nodeType="mainSeq">
+                <p:childTnLst>
+                  <p:par>
+                    <p:cTn id="3" fill="hold">
+                      <p:stCondLst>
+                        <p:cond delay="indefinite"/>
+                      </p:stCondLst>
+                      <p:childTnLst>
+                        <p:par>
+                          <p:cTn id="4" fill="hold">
+                            <p:stCondLst>
+                              <p:cond delay="0"/>
+                            </p:stCondLst>
+                            <p:childTnLst>
+                              <p:par>
+                                <p:cTn id="5" presetID="1" presetClass="entr" fill="hold" nodeType="clickEffect">
+                                  <p:stCondLst>
+                                    <p:cond delay="0"/>
+                                  </p:stCondLst>
+                                  <p:childTnLst>
+                                    <p:set>
+                                      <p:cBhvr>
+                                        <p:cTn id="6" dur="1" fill="hold">
+                                          <p:stCondLst>
+                                            <p:cond delay="0"/>
+                                          </p:stCondLst>
+                                        </p:cTn>
+                                        <p:tgtEl>
+                                          <p:spTgt spid="265"/>
+                                        </p:tgtEl>
+                                        <p:attrNameLst>
+                                          <p:attrName>style.visibility</p:attrName>
+                                        </p:attrNameLst>
+                                      </p:cBhvr>
+                                      <p:to>
+                                        <p:strVal val="visible"/>
+                                      </p:to>
+                                    </p:set>
+                                  </p:childTnLst>
+                                </p:cTn>
+                              </p:par>
+                              <p:par>
+                                <p:cTn id="7" presetID="1" presetClass="entr" fill="hold" nodeType="withEffect">
+                                  <p:stCondLst>
+                                    <p:cond delay="0"/>
+                                  </p:stCondLst>
+                                  <p:childTnLst>
+                                    <p:set>
+                                      <p:cBhvr>
+                                        <p:cTn id="8" dur="1" fill="hold">
+                                          <p:stCondLst>
+                                            <p:cond delay="0"/>
+                                          </p:stCondLst>
+                                        </p:cTn>
+                                        <p:tgtEl>
+                                          <p:spTgt spid="266"/>
+                                        </p:tgtEl>
+                                        <p:attrNameLst>
+                                          <p:attrName>style.visibility</p:attrName>
+                                        </p:attrNameLst>
+                                      </p:cBhvr>
+                                      <p:to>
+                                        <p:strVal val="visible"/>
+                                      </p:to>
+                                    </p:set>
+                                  </p:childTnLst>
+                                </p:cTn>
+                              </p:par>
+                              <p:par>
+                                <p:cTn id="9" presetID="1" presetClass="entr" fill="hold" nodeType="withEffect">
+                                  <p:stCondLst>
+                                    <p:cond delay="0"/>
+                                  </p:stCondLst>
+                                  <p:childTnLst>
+                                    <p:set>
+                                      <p:cBhvr>
+                                        <p:cTn id="10" dur="1" fill="hold">
+                                          <p:stCondLst>
+                                            <p:cond delay="0"/>
+                                          </p:stCondLst>
+                                        </p:cTn>
+                                        <p:tgtEl>
+                                          <p:spTgt spid="267"/>
+                                        </p:tgtEl>
+                                        <p:attrNameLst>
+                                          <p:attrName>style.visibility</p:attrName>
+                                        </p:attrNameLst>
+                                      </p:cBhvr>
+                                      <p:to>
+                                        <p:strVal val="visible"/>
+                                      </p:to>
+                                    </p:set>
+                                  </p:childTnLst>
+                                </p:cTn>
+                              </p:par>
+                              <p:par>
+                                <p:cTn id="11" presetID="1" presetClass="entr" fill="hold" nodeType="withEffect">
+                                  <p:stCondLst>
+                                    <p:cond delay="0"/>
+                                  </p:stCondLst>
+                                  <p:childTnLst>
+                                    <p:set>
+                                      <p:cBhvr>
+                                        <p:cTn id="12" dur="1" fill="hold">
+                                          <p:stCondLst>
+                                            <p:cond delay="0"/>
+                                          </p:stCondLst>
+                                        </p:cTn>
+                                        <p:tgtEl>
+                                          <p:spTgt spid="268"/>
+                                        </p:tgtEl>
+                                        <p:attrNameLst>
+                                          <p:attrName>style.visibility</p:attrName>
+                                        </p:attrNameLst>
+                                      </p:cBhvr>
+                                      <p:to>
+                                        <p:strVal val="visible"/>
+                                      </p:to>
+                                    </p:set>
+                                  </p:childTnLst>
+                                </p:cTn>
+                              </p:par>
+                            </p:childTnLst>
+                          </p:cTn>
+                        </p:par>
+                      </p:childTnLst>
+                    </p:cTn>
+                  </p:par>
+                </p:childTnLst>
+              </p:cTn>
+              <p:prevCondLst>
+                <p:cond evt="onPrev" delay="0">
+                  <p:tgtEl>
+                    <p:sldTgt/>
+                  </p:tgtEl>
+                </p:cond>
+              </p:prevCondLst>
+              <p:nextCondLst>
+                <p:cond evt="onNext" delay="0">
+                  <p:tgtEl>
+                    <p:sldTgt/>
+                  </p:tgtEl>
+                </p:cond>
+              </p:nextCondLst>
+            </p:seq>
+          </p:childTnLst>
+        </p:cTn>
+      </p:par>
+    </p:tnLst>
+  </p:timing>
+</p:sld>
+</file>
+
+<file path=ppt/slides/slide11.xml><?xml version="1.0" encoding="utf-8"?>
+<p:sld xmlns:a="http://schemas.openxmlformats.org/drawingml/2006/main" xmlns:r="http://schemas.openxmlformats.org/officeDocument/2006/relationships" xmlns:p="http://schemas.openxmlformats.org/presentationml/2006/main">
+  <p:cSld>
+    <p:spTree>
+      <p:nvGrpSpPr>
+        <p:cNvPr id="1" name=""/>
+        <p:cNvGrpSpPr/>
+        <p:nvPr/>
+      </p:nvGrpSpPr>
+      <p:grpSpPr>
+        <a:xfrm>
+          <a:off x="0" y="0"/>
+          <a:ext cx="0" cy="0"/>
+          <a:chOff x="0" y="0"/>
+          <a:chExt cx="0" cy="0"/>
+        </a:xfrm>
+      </p:grpSpPr>
+      <p:sp>
+        <p:nvSpPr>
           <p:cNvPr id="269" name="CustomShape 1"/>
           <p:cNvSpPr/>
           <p:nvPr/>
@@ -20232,7 +21255,7 @@
 </p:sld>
 </file>
 
-<file path=ppt/slides/slide11.xml><?xml version="1.0" encoding="utf-8"?>
+<file path=ppt/slides/slide12.xml><?xml version="1.0" encoding="utf-8"?>
 <p:sld xmlns:a="http://schemas.openxmlformats.org/drawingml/2006/main" xmlns:r="http://schemas.openxmlformats.org/officeDocument/2006/relationships" xmlns:p="http://schemas.openxmlformats.org/presentationml/2006/main">
   <p:cSld>
     <p:spTree>
@@ -22124,7 +23147,7 @@
 </p:sld>
 </file>
 
-<file path=ppt/slides/slide12.xml><?xml version="1.0" encoding="utf-8"?>
+<file path=ppt/slides/slide13.xml><?xml version="1.0" encoding="utf-8"?>
 <p:sld xmlns:a="http://schemas.openxmlformats.org/drawingml/2006/main" xmlns:r="http://schemas.openxmlformats.org/officeDocument/2006/relationships" xmlns:p="http://schemas.openxmlformats.org/presentationml/2006/main">
   <p:cSld>
     <p:spTree>
@@ -23258,7 +24281,7 @@
 </p:sld>
 </file>
 
-<file path=ppt/slides/slide13.xml><?xml version="1.0" encoding="utf-8"?>
+<file path=ppt/slides/slide14.xml><?xml version="1.0" encoding="utf-8"?>
 <p:sld xmlns:a="http://schemas.openxmlformats.org/drawingml/2006/main" xmlns:r="http://schemas.openxmlformats.org/officeDocument/2006/relationships" xmlns:p="http://schemas.openxmlformats.org/presentationml/2006/main">
   <p:cSld>
     <p:bg>
@@ -23806,7 +24829,7 @@
 </p:sld>
 </file>
 
-<file path=ppt/slides/slide14.xml><?xml version="1.0" encoding="utf-8"?>
+<file path=ppt/slides/slide15.xml><?xml version="1.0" encoding="utf-8"?>
 <p:sld xmlns:a="http://schemas.openxmlformats.org/drawingml/2006/main" xmlns:r="http://schemas.openxmlformats.org/officeDocument/2006/relationships" xmlns:p="http://schemas.openxmlformats.org/presentationml/2006/main">
   <p:cSld>
     <p:spTree>
@@ -24492,7 +25515,7 @@
 </p:sld>
 </file>
 
-<file path=ppt/slides/slide15.xml><?xml version="1.0" encoding="utf-8"?>
+<file path=ppt/slides/slide16.xml><?xml version="1.0" encoding="utf-8"?>
 <p:sld xmlns:a="http://schemas.openxmlformats.org/drawingml/2006/main" xmlns:r="http://schemas.openxmlformats.org/officeDocument/2006/relationships" xmlns:p="http://schemas.openxmlformats.org/presentationml/2006/main">
   <p:cSld>
     <p:spTree>
@@ -25048,7 +26071,7 @@
 </p:sld>
 </file>
 
-<file path=ppt/slides/slide16.xml><?xml version="1.0" encoding="utf-8"?>
+<file path=ppt/slides/slide17.xml><?xml version="1.0" encoding="utf-8"?>
 <p:sld xmlns:a="http://schemas.openxmlformats.org/drawingml/2006/main" xmlns:r="http://schemas.openxmlformats.org/officeDocument/2006/relationships" xmlns:p="http://schemas.openxmlformats.org/presentationml/2006/main">
   <p:cSld>
     <p:spTree>
@@ -25425,7 +26448,7 @@
 </p:sld>
 </file>
 
-<file path=ppt/slides/slide17.xml><?xml version="1.0" encoding="utf-8"?>
+<file path=ppt/slides/slide18.xml><?xml version="1.0" encoding="utf-8"?>
 <p:sld xmlns:a="http://schemas.openxmlformats.org/drawingml/2006/main" xmlns:r="http://schemas.openxmlformats.org/officeDocument/2006/relationships" xmlns:p="http://schemas.openxmlformats.org/presentationml/2006/main">
   <p:cSld>
     <p:spTree>
@@ -26609,7 +27632,7 @@
 </p:sld>
 </file>
 
-<file path=ppt/slides/slide18.xml><?xml version="1.0" encoding="utf-8"?>
+<file path=ppt/slides/slide19.xml><?xml version="1.0" encoding="utf-8"?>
 <p:sld xmlns:a="http://schemas.openxmlformats.org/drawingml/2006/main" xmlns:r="http://schemas.openxmlformats.org/officeDocument/2006/relationships" xmlns:p="http://schemas.openxmlformats.org/presentationml/2006/main">
   <p:cSld>
     <p:spTree>
@@ -29072,7 +30095,221 @@
 </p:sld>
 </file>
 
-<file path=ppt/slides/slide19.xml><?xml version="1.0" encoding="utf-8"?>
+<file path=ppt/slides/slide2.xml><?xml version="1.0" encoding="utf-8"?>
+<p:sld xmlns:a="http://schemas.openxmlformats.org/drawingml/2006/main" xmlns:r="http://schemas.openxmlformats.org/officeDocument/2006/relationships" xmlns:p="http://schemas.openxmlformats.org/presentationml/2006/main">
+  <p:cSld>
+    <p:spTree>
+      <p:nvGrpSpPr>
+        <p:cNvPr id="1" name=""/>
+        <p:cNvGrpSpPr/>
+        <p:nvPr/>
+      </p:nvGrpSpPr>
+      <p:grpSpPr>
+        <a:xfrm>
+          <a:off x="0" y="0"/>
+          <a:ext cx="0" cy="0"/>
+          <a:chOff x="0" y="0"/>
+          <a:chExt cx="0" cy="0"/>
+        </a:xfrm>
+      </p:grpSpPr>
+      <p:sp>
+        <p:nvSpPr>
+          <p:cNvPr id="228" name="CustomShape 1"/>
+          <p:cNvSpPr/>
+          <p:nvPr/>
+        </p:nvSpPr>
+        <p:spPr>
+          <a:xfrm>
+            <a:off x="685800" y="2130480"/>
+            <a:ext cx="7771320" cy="1468800"/>
+          </a:xfrm>
+          <a:prstGeom prst="rect">
+            <a:avLst/>
+          </a:prstGeom>
+          <a:noFill/>
+          <a:ln>
+            <a:noFill/>
+          </a:ln>
+        </p:spPr>
+        <p:style>
+          <a:lnRef idx="0">
+            <a:scrgbClr r="0" g="0" b="0"/>
+          </a:lnRef>
+          <a:fillRef idx="0">
+            <a:scrgbClr r="0" g="0" b="0"/>
+          </a:fillRef>
+          <a:effectRef idx="0">
+            <a:scrgbClr r="0" g="0" b="0"/>
+          </a:effectRef>
+          <a:fontRef idx="minor"/>
+        </p:style>
+        <p:txBody>
+          <a:bodyPr lIns="90000" tIns="45000" rIns="90000" bIns="45000" anchor="ctr">
+            <a:normAutofit fontScale="80500" lnSpcReduction="20000"/>
+          </a:bodyPr>
+          <a:lstStyle/>
+          <a:p>
+            <a:pPr algn="ctr">
+              <a:lnSpc>
+                <a:spcPct val="100000"/>
+              </a:lnSpc>
+            </a:pPr>
+            <a:r>
+              <a:rPr lang="en-US" sz="4400" b="0" strike="noStrike" spc="-1" dirty="0">
+                <a:solidFill>
+                  <a:srgbClr val="000000"/>
+                </a:solidFill>
+                <a:latin typeface="Calibri"/>
+                <a:ea typeface="Calibri"/>
+              </a:rPr>
+              <a:t>Intro to R for Biologists</a:t>
+            </a:r>
+            <a:br>
+              <a:rPr dirty="0"/>
+            </a:br>
+            <a:r>
+              <a:rPr lang="en-US" sz="4400" b="0" strike="noStrike" spc="-1" dirty="0">
+                <a:solidFill>
+                  <a:srgbClr val="000000"/>
+                </a:solidFill>
+                <a:latin typeface="Calibri"/>
+                <a:ea typeface="Calibri"/>
+              </a:rPr>
+              <a:t>Session 1</a:t>
+            </a:r>
+            <a:br>
+              <a:rPr dirty="0"/>
+            </a:br>
+            <a:r>
+              <a:rPr lang="en-US" sz="4400" b="1" strike="noStrike" spc="-1" dirty="0">
+                <a:solidFill>
+                  <a:srgbClr val="000000"/>
+                </a:solidFill>
+                <a:latin typeface="Calibri"/>
+                <a:ea typeface="Calibri"/>
+              </a:rPr>
+              <a:t>R basics</a:t>
+            </a:r>
+            <a:endParaRPr lang="en-GB" sz="4400" b="0" strike="noStrike" spc="-1" dirty="0">
+              <a:latin typeface="Arial"/>
+            </a:endParaRPr>
+          </a:p>
+        </p:txBody>
+      </p:sp>
+      <p:sp>
+        <p:nvSpPr>
+          <p:cNvPr id="229" name="CustomShape 2"/>
+          <p:cNvSpPr/>
+          <p:nvPr/>
+        </p:nvSpPr>
+        <p:spPr>
+          <a:xfrm>
+            <a:off x="1378080" y="4766400"/>
+            <a:ext cx="6399720" cy="1751400"/>
+          </a:xfrm>
+          <a:prstGeom prst="rect">
+            <a:avLst/>
+          </a:prstGeom>
+          <a:noFill/>
+          <a:ln>
+            <a:noFill/>
+          </a:ln>
+        </p:spPr>
+        <p:style>
+          <a:lnRef idx="0">
+            <a:scrgbClr r="0" g="0" b="0"/>
+          </a:lnRef>
+          <a:fillRef idx="0">
+            <a:scrgbClr r="0" g="0" b="0"/>
+          </a:fillRef>
+          <a:effectRef idx="0">
+            <a:scrgbClr r="0" g="0" b="0"/>
+          </a:effectRef>
+          <a:fontRef idx="minor"/>
+        </p:style>
+        <p:txBody>
+          <a:bodyPr lIns="90000" tIns="45000" rIns="90000" bIns="45000">
+            <a:normAutofit/>
+          </a:bodyPr>
+          <a:lstStyle/>
+          <a:p>
+            <a:pPr algn="ctr">
+              <a:lnSpc>
+                <a:spcPct val="100000"/>
+              </a:lnSpc>
+              <a:spcBef>
+                <a:spcPts val="641"/>
+              </a:spcBef>
+              <a:tabLst>
+                <a:tab pos="0" algn="l"/>
+              </a:tabLst>
+            </a:pPr>
+            <a:r>
+              <a:rPr lang="en-US" sz="3200" b="0" strike="noStrike" spc="-1" dirty="0">
+                <a:solidFill>
+                  <a:srgbClr val="8B8B8B"/>
+                </a:solidFill>
+                <a:latin typeface="Calibri"/>
+                <a:ea typeface="DejaVu Sans"/>
+              </a:rPr>
+              <a:t>Irina &amp; Rao</a:t>
+            </a:r>
+            <a:endParaRPr lang="en-GB" sz="3200" b="0" strike="noStrike" spc="-1" dirty="0">
+              <a:latin typeface="Arial"/>
+            </a:endParaRPr>
+          </a:p>
+          <a:p>
+            <a:pPr algn="ctr">
+              <a:lnSpc>
+                <a:spcPct val="100000"/>
+              </a:lnSpc>
+              <a:spcBef>
+                <a:spcPts val="641"/>
+              </a:spcBef>
+              <a:tabLst>
+                <a:tab pos="0" algn="l"/>
+              </a:tabLst>
+            </a:pPr>
+            <a:r>
+              <a:rPr lang="en-US" sz="3200" b="0" strike="noStrike" spc="-1" dirty="0" err="1">
+                <a:solidFill>
+                  <a:srgbClr val="8B8B8B"/>
+                </a:solidFill>
+                <a:latin typeface="Calibri"/>
+                <a:ea typeface="DejaVu Sans"/>
+              </a:rPr>
+              <a:t>Michaelmas</a:t>
+            </a:r>
+            <a:r>
+              <a:rPr lang="en-US" sz="3200" b="0" strike="noStrike" spc="-1" dirty="0">
+                <a:solidFill>
+                  <a:srgbClr val="8B8B8B"/>
+                </a:solidFill>
+                <a:latin typeface="Calibri"/>
+                <a:ea typeface="DejaVu Sans"/>
+              </a:rPr>
+              <a:t> 2023</a:t>
+            </a:r>
+            <a:endParaRPr lang="en-GB" sz="3200" b="0" strike="noStrike" spc="-1" dirty="0">
+              <a:latin typeface="Arial"/>
+            </a:endParaRPr>
+          </a:p>
+        </p:txBody>
+      </p:sp>
+    </p:spTree>
+    <p:extLst>
+      <p:ext uri="{BB962C8B-B14F-4D97-AF65-F5344CB8AC3E}">
+        <p14:creationId xmlns:p14="http://schemas.microsoft.com/office/powerpoint/2010/main" val="55516250"/>
+      </p:ext>
+    </p:extLst>
+  </p:cSld>
+  <p:clrMapOvr>
+    <a:masterClrMapping/>
+  </p:clrMapOvr>
+</p:sld>
+</file>
+
+<file path=ppt/slides/slide20.xml><?xml version="1.0" encoding="utf-8"?>
 <p:sld xmlns:a="http://schemas.openxmlformats.org/drawingml/2006/main" xmlns:r="http://schemas.openxmlformats.org/officeDocument/2006/relationships" xmlns:p="http://schemas.openxmlformats.org/presentationml/2006/main">
   <p:cSld>
     <p:spTree>
@@ -34520,221 +35757,7 @@
 </p:sld>
 </file>
 
-<file path=ppt/slides/slide2.xml><?xml version="1.0" encoding="utf-8"?>
-<p:sld xmlns:a="http://schemas.openxmlformats.org/drawingml/2006/main" xmlns:r="http://schemas.openxmlformats.org/officeDocument/2006/relationships" xmlns:p="http://schemas.openxmlformats.org/presentationml/2006/main">
-  <p:cSld>
-    <p:spTree>
-      <p:nvGrpSpPr>
-        <p:cNvPr id="1" name=""/>
-        <p:cNvGrpSpPr/>
-        <p:nvPr/>
-      </p:nvGrpSpPr>
-      <p:grpSpPr>
-        <a:xfrm>
-          <a:off x="0" y="0"/>
-          <a:ext cx="0" cy="0"/>
-          <a:chOff x="0" y="0"/>
-          <a:chExt cx="0" cy="0"/>
-        </a:xfrm>
-      </p:grpSpPr>
-      <p:sp>
-        <p:nvSpPr>
-          <p:cNvPr id="228" name="CustomShape 1"/>
-          <p:cNvSpPr/>
-          <p:nvPr/>
-        </p:nvSpPr>
-        <p:spPr>
-          <a:xfrm>
-            <a:off x="685800" y="2130480"/>
-            <a:ext cx="7771320" cy="1468800"/>
-          </a:xfrm>
-          <a:prstGeom prst="rect">
-            <a:avLst/>
-          </a:prstGeom>
-          <a:noFill/>
-          <a:ln>
-            <a:noFill/>
-          </a:ln>
-        </p:spPr>
-        <p:style>
-          <a:lnRef idx="0">
-            <a:scrgbClr r="0" g="0" b="0"/>
-          </a:lnRef>
-          <a:fillRef idx="0">
-            <a:scrgbClr r="0" g="0" b="0"/>
-          </a:fillRef>
-          <a:effectRef idx="0">
-            <a:scrgbClr r="0" g="0" b="0"/>
-          </a:effectRef>
-          <a:fontRef idx="minor"/>
-        </p:style>
-        <p:txBody>
-          <a:bodyPr lIns="90000" tIns="45000" rIns="90000" bIns="45000" anchor="ctr">
-            <a:normAutofit fontScale="80500" lnSpcReduction="20000"/>
-          </a:bodyPr>
-          <a:lstStyle/>
-          <a:p>
-            <a:pPr algn="ctr">
-              <a:lnSpc>
-                <a:spcPct val="100000"/>
-              </a:lnSpc>
-            </a:pPr>
-            <a:r>
-              <a:rPr lang="en-US" sz="4400" b="0" strike="noStrike" spc="-1" dirty="0">
-                <a:solidFill>
-                  <a:srgbClr val="000000"/>
-                </a:solidFill>
-                <a:latin typeface="Calibri"/>
-                <a:ea typeface="Calibri"/>
-              </a:rPr>
-              <a:t>Intro to R for Biologists</a:t>
-            </a:r>
-            <a:br>
-              <a:rPr dirty="0"/>
-            </a:br>
-            <a:r>
-              <a:rPr lang="en-US" sz="4400" b="0" strike="noStrike" spc="-1" dirty="0">
-                <a:solidFill>
-                  <a:srgbClr val="000000"/>
-                </a:solidFill>
-                <a:latin typeface="Calibri"/>
-                <a:ea typeface="Calibri"/>
-              </a:rPr>
-              <a:t>Session 1</a:t>
-            </a:r>
-            <a:br>
-              <a:rPr dirty="0"/>
-            </a:br>
-            <a:r>
-              <a:rPr lang="en-US" sz="4400" b="1" strike="noStrike" spc="-1" dirty="0">
-                <a:solidFill>
-                  <a:srgbClr val="000000"/>
-                </a:solidFill>
-                <a:latin typeface="Calibri"/>
-                <a:ea typeface="Calibri"/>
-              </a:rPr>
-              <a:t>R basics</a:t>
-            </a:r>
-            <a:endParaRPr lang="en-GB" sz="4400" b="0" strike="noStrike" spc="-1" dirty="0">
-              <a:latin typeface="Arial"/>
-            </a:endParaRPr>
-          </a:p>
-        </p:txBody>
-      </p:sp>
-      <p:sp>
-        <p:nvSpPr>
-          <p:cNvPr id="229" name="CustomShape 2"/>
-          <p:cNvSpPr/>
-          <p:nvPr/>
-        </p:nvSpPr>
-        <p:spPr>
-          <a:xfrm>
-            <a:off x="1378080" y="4766400"/>
-            <a:ext cx="6399720" cy="1751400"/>
-          </a:xfrm>
-          <a:prstGeom prst="rect">
-            <a:avLst/>
-          </a:prstGeom>
-          <a:noFill/>
-          <a:ln>
-            <a:noFill/>
-          </a:ln>
-        </p:spPr>
-        <p:style>
-          <a:lnRef idx="0">
-            <a:scrgbClr r="0" g="0" b="0"/>
-          </a:lnRef>
-          <a:fillRef idx="0">
-            <a:scrgbClr r="0" g="0" b="0"/>
-          </a:fillRef>
-          <a:effectRef idx="0">
-            <a:scrgbClr r="0" g="0" b="0"/>
-          </a:effectRef>
-          <a:fontRef idx="minor"/>
-        </p:style>
-        <p:txBody>
-          <a:bodyPr lIns="90000" tIns="45000" rIns="90000" bIns="45000">
-            <a:normAutofit/>
-          </a:bodyPr>
-          <a:lstStyle/>
-          <a:p>
-            <a:pPr algn="ctr">
-              <a:lnSpc>
-                <a:spcPct val="100000"/>
-              </a:lnSpc>
-              <a:spcBef>
-                <a:spcPts val="641"/>
-              </a:spcBef>
-              <a:tabLst>
-                <a:tab pos="0" algn="l"/>
-              </a:tabLst>
-            </a:pPr>
-            <a:r>
-              <a:rPr lang="en-US" sz="3200" b="0" strike="noStrike" spc="-1" dirty="0">
-                <a:solidFill>
-                  <a:srgbClr val="8B8B8B"/>
-                </a:solidFill>
-                <a:latin typeface="Calibri"/>
-                <a:ea typeface="DejaVu Sans"/>
-              </a:rPr>
-              <a:t>Irina &amp; Rao</a:t>
-            </a:r>
-            <a:endParaRPr lang="en-GB" sz="3200" b="0" strike="noStrike" spc="-1" dirty="0">
-              <a:latin typeface="Arial"/>
-            </a:endParaRPr>
-          </a:p>
-          <a:p>
-            <a:pPr algn="ctr">
-              <a:lnSpc>
-                <a:spcPct val="100000"/>
-              </a:lnSpc>
-              <a:spcBef>
-                <a:spcPts val="641"/>
-              </a:spcBef>
-              <a:tabLst>
-                <a:tab pos="0" algn="l"/>
-              </a:tabLst>
-            </a:pPr>
-            <a:r>
-              <a:rPr lang="en-US" sz="3200" b="0" strike="noStrike" spc="-1" dirty="0" err="1">
-                <a:solidFill>
-                  <a:srgbClr val="8B8B8B"/>
-                </a:solidFill>
-                <a:latin typeface="Calibri"/>
-                <a:ea typeface="DejaVu Sans"/>
-              </a:rPr>
-              <a:t>Michaelmas</a:t>
-            </a:r>
-            <a:r>
-              <a:rPr lang="en-US" sz="3200" b="0" strike="noStrike" spc="-1" dirty="0">
-                <a:solidFill>
-                  <a:srgbClr val="8B8B8B"/>
-                </a:solidFill>
-                <a:latin typeface="Calibri"/>
-                <a:ea typeface="DejaVu Sans"/>
-              </a:rPr>
-              <a:t> 2023</a:t>
-            </a:r>
-            <a:endParaRPr lang="en-GB" sz="3200" b="0" strike="noStrike" spc="-1" dirty="0">
-              <a:latin typeface="Arial"/>
-            </a:endParaRPr>
-          </a:p>
-        </p:txBody>
-      </p:sp>
-    </p:spTree>
-    <p:extLst>
-      <p:ext uri="{BB962C8B-B14F-4D97-AF65-F5344CB8AC3E}">
-        <p14:creationId xmlns:p14="http://schemas.microsoft.com/office/powerpoint/2010/main" val="55516250"/>
-      </p:ext>
-    </p:extLst>
-  </p:cSld>
-  <p:clrMapOvr>
-    <a:masterClrMapping/>
-  </p:clrMapOvr>
-</p:sld>
-</file>
-
-<file path=ppt/slides/slide20.xml><?xml version="1.0" encoding="utf-8"?>
+<file path=ppt/slides/slide21.xml><?xml version="1.0" encoding="utf-8"?>
 <p:sld xmlns:a="http://schemas.openxmlformats.org/drawingml/2006/main" xmlns:r="http://schemas.openxmlformats.org/officeDocument/2006/relationships" xmlns:p="http://schemas.openxmlformats.org/presentationml/2006/main">
   <p:cSld>
     <p:spTree>
@@ -35184,7 +36207,7 @@
 </p:sld>
 </file>
 
-<file path=ppt/slides/slide21.xml><?xml version="1.0" encoding="utf-8"?>
+<file path=ppt/slides/slide22.xml><?xml version="1.0" encoding="utf-8"?>
 <p:sld xmlns:a="http://schemas.openxmlformats.org/drawingml/2006/main" xmlns:r="http://schemas.openxmlformats.org/officeDocument/2006/relationships" xmlns:p="http://schemas.openxmlformats.org/presentationml/2006/main">
   <p:cSld>
     <p:spTree>
@@ -40241,7 +41264,7 @@
 </p:sld>
 </file>
 
-<file path=ppt/slides/slide22.xml><?xml version="1.0" encoding="utf-8"?>
+<file path=ppt/slides/slide23.xml><?xml version="1.0" encoding="utf-8"?>
 <p:sld xmlns:a="http://schemas.openxmlformats.org/drawingml/2006/main" xmlns:r="http://schemas.openxmlformats.org/officeDocument/2006/relationships" xmlns:p="http://schemas.openxmlformats.org/presentationml/2006/main">
   <p:cSld>
     <p:bg>
@@ -40789,7 +41812,7 @@
 </p:sld>
 </file>
 
-<file path=ppt/slides/slide23.xml><?xml version="1.0" encoding="utf-8"?>
+<file path=ppt/slides/slide24.xml><?xml version="1.0" encoding="utf-8"?>
 <p:sld xmlns:a="http://schemas.openxmlformats.org/drawingml/2006/main" xmlns:r="http://schemas.openxmlformats.org/officeDocument/2006/relationships" xmlns:p="http://schemas.openxmlformats.org/presentationml/2006/main">
   <p:cSld>
     <p:spTree>
@@ -41284,7 +42307,7 @@
 </p:sld>
 </file>
 
-<file path=ppt/slides/slide24.xml><?xml version="1.0" encoding="utf-8"?>
+<file path=ppt/slides/slide25.xml><?xml version="1.0" encoding="utf-8"?>
 <p:sld xmlns:a="http://schemas.openxmlformats.org/drawingml/2006/main" xmlns:r="http://schemas.openxmlformats.org/officeDocument/2006/relationships" xmlns:p="http://schemas.openxmlformats.org/presentationml/2006/main">
   <p:cSld>
     <p:spTree>
@@ -41701,7 +42724,7 @@
 </p:sld>
 </file>
 
-<file path=ppt/slides/slide25.xml><?xml version="1.0" encoding="utf-8"?>
+<file path=ppt/slides/slide26.xml><?xml version="1.0" encoding="utf-8"?>
 <p:sld xmlns:a="http://schemas.openxmlformats.org/drawingml/2006/main" xmlns:r="http://schemas.openxmlformats.org/officeDocument/2006/relationships" xmlns:p="http://schemas.openxmlformats.org/presentationml/2006/main">
   <p:cSld>
     <p:spTree>
@@ -42555,7 +43578,7 @@
 </p:sld>
 </file>
 
-<file path=ppt/slides/slide26.xml><?xml version="1.0" encoding="utf-8"?>
+<file path=ppt/slides/slide27.xml><?xml version="1.0" encoding="utf-8"?>
 <p:sld xmlns:a="http://schemas.openxmlformats.org/drawingml/2006/main" xmlns:r="http://schemas.openxmlformats.org/officeDocument/2006/relationships" xmlns:p="http://schemas.openxmlformats.org/presentationml/2006/main">
   <p:cSld>
     <p:spTree>
@@ -42940,7 +43963,7 @@
 </p:sld>
 </file>
 
-<file path=ppt/slides/slide27.xml><?xml version="1.0" encoding="utf-8"?>
+<file path=ppt/slides/slide28.xml><?xml version="1.0" encoding="utf-8"?>
 <p:sld xmlns:a="http://schemas.openxmlformats.org/drawingml/2006/main" xmlns:r="http://schemas.openxmlformats.org/officeDocument/2006/relationships" xmlns:p="http://schemas.openxmlformats.org/presentationml/2006/main">
   <p:cSld>
     <p:spTree>
@@ -43399,7 +44422,7 @@
 </p:sld>
 </file>
 
-<file path=ppt/slides/slide28.xml><?xml version="1.0" encoding="utf-8"?>
+<file path=ppt/slides/slide29.xml><?xml version="1.0" encoding="utf-8"?>
 <p:sld xmlns:a="http://schemas.openxmlformats.org/drawingml/2006/main" xmlns:r="http://schemas.openxmlformats.org/officeDocument/2006/relationships" xmlns:p="http://schemas.openxmlformats.org/presentationml/2006/main">
   <p:cSld>
     <p:bg>
@@ -44553,6 +45576,196 @@
 </file>
 
 <file path=ppt/slides/slide5.xml><?xml version="1.0" encoding="utf-8"?>
+<p:sld xmlns:a="http://schemas.openxmlformats.org/drawingml/2006/main" xmlns:r="http://schemas.openxmlformats.org/officeDocument/2006/relationships" xmlns:p="http://schemas.openxmlformats.org/presentationml/2006/main">
+  <p:cSld>
+    <p:spTree>
+      <p:nvGrpSpPr>
+        <p:cNvPr id="1" name=""/>
+        <p:cNvGrpSpPr/>
+        <p:nvPr/>
+      </p:nvGrpSpPr>
+      <p:grpSpPr>
+        <a:xfrm>
+          <a:off x="0" y="0"/>
+          <a:ext cx="0" cy="0"/>
+          <a:chOff x="0" y="0"/>
+          <a:chExt cx="0" cy="0"/>
+        </a:xfrm>
+      </p:grpSpPr>
+      <p:sp>
+        <p:nvSpPr>
+          <p:cNvPr id="232" name="CustomShape 2"/>
+          <p:cNvSpPr/>
+          <p:nvPr/>
+        </p:nvSpPr>
+        <p:spPr>
+          <a:xfrm>
+            <a:off x="822960" y="1072080"/>
+            <a:ext cx="6563492" cy="3451680"/>
+          </a:xfrm>
+          <a:prstGeom prst="rect">
+            <a:avLst/>
+          </a:prstGeom>
+          <a:noFill/>
+          <a:ln>
+            <a:noFill/>
+          </a:ln>
+        </p:spPr>
+        <p:style>
+          <a:lnRef idx="0">
+            <a:scrgbClr r="0" g="0" b="0"/>
+          </a:lnRef>
+          <a:fillRef idx="0">
+            <a:scrgbClr r="0" g="0" b="0"/>
+          </a:fillRef>
+          <a:effectRef idx="0">
+            <a:scrgbClr r="0" g="0" b="0"/>
+          </a:effectRef>
+          <a:fontRef idx="minor"/>
+        </p:style>
+        <p:txBody>
+          <a:bodyPr lIns="82800" tIns="41400" rIns="82800" bIns="41400" anchor="ctr">
+            <a:normAutofit/>
+          </a:bodyPr>
+          <a:lstStyle/>
+          <a:p>
+            <a:pPr marL="286470" indent="-285750">
+              <a:lnSpc>
+                <a:spcPct val="100000"/>
+              </a:lnSpc>
+              <a:spcBef>
+                <a:spcPts val="320"/>
+              </a:spcBef>
+              <a:spcAft>
+                <a:spcPts val="544"/>
+              </a:spcAft>
+              <a:buClr>
+                <a:srgbClr val="000000"/>
+              </a:buClr>
+              <a:buSzPct val="80000"/>
+              <a:buFont typeface="Arial" panose="020B0604020202020204" pitchFamily="34" charset="0"/>
+              <a:buChar char="•"/>
+            </a:pPr>
+            <a:r>
+              <a:rPr lang="en-GB" sz="2400" b="0" strike="noStrike" spc="-1" dirty="0">
+                <a:latin typeface="Arial"/>
+              </a:rPr>
+              <a:t>Why not Excel or GraphPad Prism?</a:t>
+            </a:r>
+          </a:p>
+          <a:p>
+            <a:pPr marL="286470" indent="-285750">
+              <a:lnSpc>
+                <a:spcPct val="100000"/>
+              </a:lnSpc>
+              <a:spcBef>
+                <a:spcPts val="320"/>
+              </a:spcBef>
+              <a:spcAft>
+                <a:spcPts val="544"/>
+              </a:spcAft>
+              <a:buClr>
+                <a:srgbClr val="000000"/>
+              </a:buClr>
+              <a:buSzPct val="80000"/>
+              <a:buFont typeface="Arial" panose="020B0604020202020204" pitchFamily="34" charset="0"/>
+              <a:buChar char="•"/>
+            </a:pPr>
+            <a:r>
+              <a:rPr lang="en-GB" sz="2400" spc="-1" dirty="0">
+                <a:latin typeface="Arial"/>
+              </a:rPr>
+              <a:t>Why not Python?</a:t>
+            </a:r>
+            <a:endParaRPr lang="en-GB" sz="2400" b="0" strike="noStrike" spc="-1" dirty="0">
+              <a:latin typeface="Arial"/>
+            </a:endParaRPr>
+          </a:p>
+        </p:txBody>
+      </p:sp>
+      <p:sp>
+        <p:nvSpPr>
+          <p:cNvPr id="2" name="CustomShape 2">
+            <a:extLst>
+              <a:ext uri="{FF2B5EF4-FFF2-40B4-BE49-F238E27FC236}">
+                <a16:creationId xmlns:a16="http://schemas.microsoft.com/office/drawing/2014/main" id="{71FDD77B-BFCD-41B5-95AF-944017EA0FCF}"/>
+              </a:ext>
+            </a:extLst>
+          </p:cNvPr>
+          <p:cNvSpPr/>
+          <p:nvPr/>
+        </p:nvSpPr>
+        <p:spPr>
+          <a:xfrm>
+            <a:off x="822960" y="1072080"/>
+            <a:ext cx="2585160" cy="637967"/>
+          </a:xfrm>
+          <a:prstGeom prst="rect">
+            <a:avLst/>
+          </a:prstGeom>
+          <a:noFill/>
+          <a:ln>
+            <a:noFill/>
+          </a:ln>
+        </p:spPr>
+        <p:style>
+          <a:lnRef idx="2">
+            <a:scrgbClr r="0" g="0" b="0"/>
+          </a:lnRef>
+          <a:fillRef idx="0">
+            <a:scrgbClr r="0" g="0" b="0"/>
+          </a:fillRef>
+          <a:effectRef idx="0">
+            <a:scrgbClr r="0" g="0" b="0"/>
+          </a:effectRef>
+          <a:fontRef idx="minor"/>
+        </p:style>
+        <p:txBody>
+          <a:bodyPr lIns="82800" tIns="41400" rIns="82800" bIns="41400">
+            <a:normAutofit lnSpcReduction="10000"/>
+          </a:bodyPr>
+          <a:lstStyle/>
+          <a:p>
+            <a:pPr>
+              <a:lnSpc>
+                <a:spcPct val="85000"/>
+              </a:lnSpc>
+              <a:spcAft>
+                <a:spcPts val="544"/>
+              </a:spcAft>
+              <a:tabLst>
+                <a:tab pos="0" algn="l"/>
+              </a:tabLst>
+            </a:pPr>
+            <a:r>
+              <a:rPr lang="en-US" sz="4360" b="1" spc="-46" dirty="0">
+                <a:solidFill>
+                  <a:srgbClr val="404040"/>
+                </a:solidFill>
+                <a:latin typeface="Calibri"/>
+              </a:rPr>
+              <a:t>Why R?</a:t>
+            </a:r>
+            <a:endParaRPr lang="en-GB" sz="4360" b="0" strike="noStrike" spc="-1" dirty="0">
+              <a:latin typeface="Arial"/>
+            </a:endParaRPr>
+          </a:p>
+        </p:txBody>
+      </p:sp>
+    </p:spTree>
+    <p:extLst>
+      <p:ext uri="{BB962C8B-B14F-4D97-AF65-F5344CB8AC3E}">
+        <p14:creationId xmlns:p14="http://schemas.microsoft.com/office/powerpoint/2010/main" val="3866619547"/>
+      </p:ext>
+    </p:extLst>
+  </p:cSld>
+  <p:clrMapOvr>
+    <a:masterClrMapping/>
+  </p:clrMapOvr>
+</p:sld>
+</file>
+
+<file path=ppt/slides/slide6.xml><?xml version="1.0" encoding="utf-8"?>
 <p:sld xmlns:a="http://schemas.openxmlformats.org/drawingml/2006/main" xmlns:r="http://schemas.openxmlformats.org/officeDocument/2006/relationships" xmlns:p="http://schemas.openxmlformats.org/presentationml/2006/main">
   <p:cSld>
     <p:spTree>
@@ -46334,7 +47547,7 @@
 </p:sld>
 </file>
 
-<file path=ppt/slides/slide6.xml><?xml version="1.0" encoding="utf-8"?>
+<file path=ppt/slides/slide7.xml><?xml version="1.0" encoding="utf-8"?>
 <p:sld xmlns:a="http://schemas.openxmlformats.org/drawingml/2006/main" xmlns:r="http://schemas.openxmlformats.org/officeDocument/2006/relationships" xmlns:p="http://schemas.openxmlformats.org/presentationml/2006/main">
   <p:cSld>
     <p:spTree>
@@ -46486,7 +47699,7 @@
               </a:tabLst>
             </a:pPr>
             <a:r>
-              <a:rPr lang="en-US" sz="4360" b="1" strike="noStrike" spc="-46">
+              <a:rPr lang="en-US" sz="4360" b="1" strike="noStrike" spc="-46" dirty="0">
                 <a:solidFill>
                   <a:srgbClr val="404040"/>
                 </a:solidFill>
@@ -46495,7 +47708,7 @@
               </a:rPr>
               <a:t>Constants vs. variables</a:t>
             </a:r>
-            <a:endParaRPr lang="en-GB" sz="4360" b="0" strike="noStrike" spc="-1">
+            <a:endParaRPr lang="en-GB" sz="4360" b="0" strike="noStrike" spc="-1" dirty="0">
               <a:latin typeface="Arial"/>
             </a:endParaRPr>
           </a:p>
@@ -46509,7 +47722,7 @@
 </p:sld>
 </file>
 
-<file path=ppt/slides/slide7.xml><?xml version="1.0" encoding="utf-8"?>
+<file path=ppt/slides/slide8.xml><?xml version="1.0" encoding="utf-8"?>
 <p:sld xmlns:a="http://schemas.openxmlformats.org/drawingml/2006/main" xmlns:r="http://schemas.openxmlformats.org/officeDocument/2006/relationships" xmlns:p="http://schemas.openxmlformats.org/presentationml/2006/main">
   <p:cSld>
     <p:spTree>
@@ -46614,7 +47827,7 @@
 </p:sld>
 </file>
 
-<file path=ppt/slides/slide8.xml><?xml version="1.0" encoding="utf-8"?>
+<file path=ppt/slides/slide9.xml><?xml version="1.0" encoding="utf-8"?>
 <p:sld xmlns:a="http://schemas.openxmlformats.org/drawingml/2006/main" xmlns:r="http://schemas.openxmlformats.org/officeDocument/2006/relationships" xmlns:p="http://schemas.openxmlformats.org/presentationml/2006/main">
   <p:cSld>
     <p:spTree>
@@ -47141,997 +48354,6 @@
                                         </p:cTn>
                                         <p:tgtEl>
                                           <p:spTgt spid="262"/>
-                                        </p:tgtEl>
-                                        <p:attrNameLst>
-                                          <p:attrName>style.visibility</p:attrName>
-                                        </p:attrNameLst>
-                                      </p:cBhvr>
-                                      <p:to>
-                                        <p:strVal val="visible"/>
-                                      </p:to>
-                                    </p:set>
-                                  </p:childTnLst>
-                                </p:cTn>
-                              </p:par>
-                            </p:childTnLst>
-                          </p:cTn>
-                        </p:par>
-                      </p:childTnLst>
-                    </p:cTn>
-                  </p:par>
-                </p:childTnLst>
-              </p:cTn>
-              <p:prevCondLst>
-                <p:cond evt="onPrev" delay="0">
-                  <p:tgtEl>
-                    <p:sldTgt/>
-                  </p:tgtEl>
-                </p:cond>
-              </p:prevCondLst>
-              <p:nextCondLst>
-                <p:cond evt="onNext" delay="0">
-                  <p:tgtEl>
-                    <p:sldTgt/>
-                  </p:tgtEl>
-                </p:cond>
-              </p:nextCondLst>
-            </p:seq>
-          </p:childTnLst>
-        </p:cTn>
-      </p:par>
-    </p:tnLst>
-  </p:timing>
-</p:sld>
-</file>
-
-<file path=ppt/slides/slide9.xml><?xml version="1.0" encoding="utf-8"?>
-<p:sld xmlns:a="http://schemas.openxmlformats.org/drawingml/2006/main" xmlns:r="http://schemas.openxmlformats.org/officeDocument/2006/relationships" xmlns:p="http://schemas.openxmlformats.org/presentationml/2006/main">
-  <p:cSld>
-    <p:spTree>
-      <p:nvGrpSpPr>
-        <p:cNvPr id="1" name=""/>
-        <p:cNvGrpSpPr/>
-        <p:nvPr/>
-      </p:nvGrpSpPr>
-      <p:grpSpPr>
-        <a:xfrm>
-          <a:off x="0" y="0"/>
-          <a:ext cx="0" cy="0"/>
-          <a:chOff x="0" y="0"/>
-          <a:chExt cx="0" cy="0"/>
-        </a:xfrm>
-      </p:grpSpPr>
-      <p:sp>
-        <p:nvSpPr>
-          <p:cNvPr id="263" name="CustomShape 1"/>
-          <p:cNvSpPr/>
-          <p:nvPr/>
-        </p:nvSpPr>
-        <p:spPr>
-          <a:xfrm>
-            <a:off x="457200" y="684000"/>
-            <a:ext cx="8227800" cy="1143720"/>
-          </a:xfrm>
-          <a:prstGeom prst="rect">
-            <a:avLst/>
-          </a:prstGeom>
-          <a:noFill/>
-          <a:ln>
-            <a:noFill/>
-          </a:ln>
-        </p:spPr>
-        <p:style>
-          <a:lnRef idx="0">
-            <a:scrgbClr r="0" g="0" b="0"/>
-          </a:lnRef>
-          <a:fillRef idx="0">
-            <a:scrgbClr r="0" g="0" b="0"/>
-          </a:fillRef>
-          <a:effectRef idx="0">
-            <a:scrgbClr r="0" g="0" b="0"/>
-          </a:effectRef>
-          <a:fontRef idx="minor"/>
-        </p:style>
-        <p:txBody>
-          <a:bodyPr lIns="0" tIns="0" rIns="0" bIns="0" anchor="ctr">
-            <a:noAutofit/>
-          </a:bodyPr>
-          <a:lstStyle/>
-          <a:p>
-            <a:pPr algn="ctr">
-              <a:lnSpc>
-                <a:spcPct val="100000"/>
-              </a:lnSpc>
-            </a:pPr>
-            <a:r>
-              <a:rPr lang="en-GB" sz="4400" b="1" strike="noStrike" spc="-1" dirty="0">
-                <a:solidFill>
-                  <a:srgbClr val="000000"/>
-                </a:solidFill>
-                <a:latin typeface="Calibri"/>
-                <a:ea typeface="DejaVu Sans"/>
-              </a:rPr>
-              <a:t>Conversion (and coercion)</a:t>
-            </a:r>
-            <a:endParaRPr lang="en-GB" sz="4400" b="0" strike="noStrike" spc="-1" dirty="0">
-              <a:latin typeface="Arial"/>
-            </a:endParaRPr>
-          </a:p>
-        </p:txBody>
-      </p:sp>
-      <p:sp>
-        <p:nvSpPr>
-          <p:cNvPr id="264" name="CustomShape 2"/>
-          <p:cNvSpPr/>
-          <p:nvPr/>
-        </p:nvSpPr>
-        <p:spPr>
-          <a:xfrm>
-            <a:off x="457200" y="1764360"/>
-            <a:ext cx="8227800" cy="3127320"/>
-          </a:xfrm>
-          <a:prstGeom prst="rect">
-            <a:avLst/>
-          </a:prstGeom>
-          <a:noFill/>
-          <a:ln>
-            <a:noFill/>
-          </a:ln>
-        </p:spPr>
-        <p:style>
-          <a:lnRef idx="0">
-            <a:scrgbClr r="0" g="0" b="0"/>
-          </a:lnRef>
-          <a:fillRef idx="0">
-            <a:scrgbClr r="0" g="0" b="0"/>
-          </a:fillRef>
-          <a:effectRef idx="0">
-            <a:scrgbClr r="0" g="0" b="0"/>
-          </a:effectRef>
-          <a:fontRef idx="minor"/>
-        </p:style>
-        <p:txBody>
-          <a:bodyPr lIns="0" tIns="0" rIns="0" bIns="0">
-            <a:normAutofit lnSpcReduction="10000"/>
-          </a:bodyPr>
-          <a:lstStyle/>
-          <a:p>
-            <a:pPr marL="343080" indent="-342000">
-              <a:lnSpc>
-                <a:spcPct val="100000"/>
-              </a:lnSpc>
-              <a:spcBef>
-                <a:spcPts val="434"/>
-              </a:spcBef>
-              <a:buClr>
-                <a:srgbClr val="000000"/>
-              </a:buClr>
-              <a:buFont typeface="Arial"/>
-              <a:buChar char="•"/>
-            </a:pPr>
-            <a:r>
-              <a:rPr lang="en-GB" sz="2180" b="0" strike="noStrike" spc="-1">
-                <a:solidFill>
-                  <a:srgbClr val="000000"/>
-                </a:solidFill>
-                <a:latin typeface="Courier New"/>
-                <a:ea typeface="DejaVu Sans"/>
-              </a:rPr>
-              <a:t>as.character()</a:t>
-            </a:r>
-            <a:endParaRPr lang="en-GB" sz="2180" b="0" strike="noStrike" spc="-1">
-              <a:latin typeface="Arial"/>
-            </a:endParaRPr>
-          </a:p>
-          <a:p>
-            <a:pPr marL="743040" lvl="1" indent="-284760">
-              <a:lnSpc>
-                <a:spcPct val="100000"/>
-              </a:lnSpc>
-              <a:spcBef>
-                <a:spcPts val="363"/>
-              </a:spcBef>
-              <a:buClr>
-                <a:srgbClr val="000000"/>
-              </a:buClr>
-              <a:buFont typeface="Arial"/>
-              <a:buChar char="–"/>
-            </a:pPr>
-            <a:r>
-              <a:rPr lang="en-GB" sz="1820" b="1" strike="noStrike" spc="-1">
-                <a:solidFill>
-                  <a:srgbClr val="000000"/>
-                </a:solidFill>
-                <a:latin typeface="Calibri"/>
-                <a:ea typeface="DejaVu Sans"/>
-              </a:rPr>
-              <a:t>Numeric</a:t>
-            </a:r>
-            <a:r>
-              <a:rPr lang="en-GB" sz="1820" b="0" strike="noStrike" spc="-1">
-                <a:solidFill>
-                  <a:srgbClr val="000000"/>
-                </a:solidFill>
-                <a:latin typeface="Calibri"/>
-                <a:ea typeface="DejaVu Sans"/>
-              </a:rPr>
-              <a:t>, </a:t>
-            </a:r>
-            <a:r>
-              <a:rPr lang="en-GB" sz="1820" b="1" strike="noStrike" spc="-1">
-                <a:solidFill>
-                  <a:srgbClr val="000000"/>
-                </a:solidFill>
-                <a:latin typeface="Calibri"/>
-                <a:ea typeface="DejaVu Sans"/>
-              </a:rPr>
-              <a:t>logical</a:t>
-            </a:r>
-            <a:r>
-              <a:rPr lang="en-GB" sz="1820" b="0" strike="noStrike" spc="-1">
-                <a:solidFill>
-                  <a:srgbClr val="000000"/>
-                </a:solidFill>
-                <a:latin typeface="Calibri"/>
-                <a:ea typeface="DejaVu Sans"/>
-              </a:rPr>
-              <a:t> and </a:t>
-            </a:r>
-            <a:r>
-              <a:rPr lang="en-GB" sz="1820" b="1" strike="noStrike" spc="-1">
-                <a:solidFill>
-                  <a:srgbClr val="000000"/>
-                </a:solidFill>
-                <a:latin typeface="Calibri"/>
-                <a:ea typeface="DejaVu Sans"/>
-              </a:rPr>
-              <a:t>factor</a:t>
-            </a:r>
-            <a:r>
-              <a:rPr lang="en-GB" sz="1820" b="0" strike="noStrike" spc="-1">
-                <a:solidFill>
-                  <a:srgbClr val="000000"/>
-                </a:solidFill>
-                <a:latin typeface="Calibri"/>
-                <a:ea typeface="DejaVu Sans"/>
-              </a:rPr>
-              <a:t> types can be converted to character</a:t>
-            </a:r>
-            <a:endParaRPr lang="en-GB" sz="1820" b="0" strike="noStrike" spc="-1">
-              <a:latin typeface="Arial"/>
-            </a:endParaRPr>
-          </a:p>
-          <a:p>
-            <a:pPr marL="343080" indent="-342000">
-              <a:lnSpc>
-                <a:spcPct val="100000"/>
-              </a:lnSpc>
-              <a:spcBef>
-                <a:spcPts val="434"/>
-              </a:spcBef>
-              <a:buClr>
-                <a:srgbClr val="000000"/>
-              </a:buClr>
-              <a:buFont typeface="Arial"/>
-              <a:buChar char="•"/>
-            </a:pPr>
-            <a:r>
-              <a:rPr lang="en-GB" sz="2180" b="0" strike="noStrike" spc="-1">
-                <a:solidFill>
-                  <a:srgbClr val="000000"/>
-                </a:solidFill>
-                <a:latin typeface="Courier New"/>
-                <a:ea typeface="DejaVu Sans"/>
-              </a:rPr>
-              <a:t>as.numeric()</a:t>
-            </a:r>
-            <a:endParaRPr lang="en-GB" sz="2180" b="0" strike="noStrike" spc="-1">
-              <a:latin typeface="Arial"/>
-            </a:endParaRPr>
-          </a:p>
-          <a:p>
-            <a:pPr marL="743040" lvl="1" indent="-284760">
-              <a:lnSpc>
-                <a:spcPct val="100000"/>
-              </a:lnSpc>
-              <a:spcBef>
-                <a:spcPts val="363"/>
-              </a:spcBef>
-              <a:buClr>
-                <a:srgbClr val="000000"/>
-              </a:buClr>
-              <a:buFont typeface="Arial"/>
-              <a:buChar char="–"/>
-            </a:pPr>
-            <a:r>
-              <a:rPr lang="en-GB" sz="1820" b="1" strike="noStrike" spc="-1">
-                <a:solidFill>
-                  <a:srgbClr val="000000"/>
-                </a:solidFill>
-                <a:latin typeface="Calibri"/>
-                <a:ea typeface="DejaVu Sans"/>
-              </a:rPr>
-              <a:t>Logical</a:t>
-            </a:r>
-            <a:r>
-              <a:rPr lang="en-GB" sz="1820" b="0" strike="noStrike" spc="-1">
-                <a:solidFill>
-                  <a:srgbClr val="000000"/>
-                </a:solidFill>
-                <a:latin typeface="Calibri"/>
-                <a:ea typeface="DejaVu Sans"/>
-              </a:rPr>
-              <a:t>, and </a:t>
-            </a:r>
-            <a:r>
-              <a:rPr lang="en-GB" sz="1820" b="1" strike="noStrike" spc="-1">
-                <a:solidFill>
-                  <a:srgbClr val="000000"/>
-                </a:solidFill>
-                <a:latin typeface="Calibri"/>
-                <a:ea typeface="DejaVu Sans"/>
-              </a:rPr>
-              <a:t>character variables that are purely numbers</a:t>
-            </a:r>
-            <a:r>
-              <a:rPr lang="en-GB" sz="1820" b="0" strike="noStrike" spc="-1">
-                <a:solidFill>
-                  <a:srgbClr val="000000"/>
-                </a:solidFill>
-                <a:latin typeface="Calibri"/>
-                <a:ea typeface="DejaVu Sans"/>
-              </a:rPr>
-              <a:t> can be converted to numeric</a:t>
-            </a:r>
-            <a:endParaRPr lang="en-GB" sz="1820" b="0" strike="noStrike" spc="-1">
-              <a:latin typeface="Arial"/>
-            </a:endParaRPr>
-          </a:p>
-          <a:p>
-            <a:pPr marL="343080" indent="-342000">
-              <a:lnSpc>
-                <a:spcPct val="100000"/>
-              </a:lnSpc>
-              <a:spcBef>
-                <a:spcPts val="434"/>
-              </a:spcBef>
-              <a:buClr>
-                <a:srgbClr val="000000"/>
-              </a:buClr>
-              <a:buFont typeface="Arial"/>
-              <a:buChar char="•"/>
-            </a:pPr>
-            <a:r>
-              <a:rPr lang="en-GB" sz="2180" b="0" strike="noStrike" spc="-1">
-                <a:solidFill>
-                  <a:srgbClr val="000000"/>
-                </a:solidFill>
-                <a:latin typeface="Courier New"/>
-                <a:ea typeface="DejaVu Sans"/>
-              </a:rPr>
-              <a:t>as.logical()</a:t>
-            </a:r>
-            <a:endParaRPr lang="en-GB" sz="2180" b="0" strike="noStrike" spc="-1">
-              <a:latin typeface="Arial"/>
-            </a:endParaRPr>
-          </a:p>
-          <a:p>
-            <a:pPr marL="743040" lvl="1" indent="-284760">
-              <a:lnSpc>
-                <a:spcPct val="100000"/>
-              </a:lnSpc>
-              <a:spcBef>
-                <a:spcPts val="363"/>
-              </a:spcBef>
-              <a:buClr>
-                <a:srgbClr val="000000"/>
-              </a:buClr>
-              <a:buFont typeface="Arial"/>
-              <a:buChar char="–"/>
-            </a:pPr>
-            <a:r>
-              <a:rPr lang="en-GB" sz="1820" b="1" strike="noStrike" spc="-1">
-                <a:solidFill>
-                  <a:srgbClr val="000000"/>
-                </a:solidFill>
-                <a:latin typeface="Calibri"/>
-                <a:ea typeface="DejaVu Sans"/>
-              </a:rPr>
-              <a:t>“FALSE” </a:t>
-            </a:r>
-            <a:r>
-              <a:rPr lang="en-GB" sz="1820" b="0" strike="noStrike" spc="-1">
-                <a:solidFill>
-                  <a:srgbClr val="000000"/>
-                </a:solidFill>
-                <a:latin typeface="Calibri"/>
-                <a:ea typeface="DejaVu Sans"/>
-              </a:rPr>
-              <a:t>or </a:t>
-            </a:r>
-            <a:r>
-              <a:rPr lang="en-GB" sz="1820" b="1" strike="noStrike" spc="-1">
-                <a:solidFill>
-                  <a:srgbClr val="000000"/>
-                </a:solidFill>
-                <a:latin typeface="Calibri"/>
-                <a:ea typeface="DejaVu Sans"/>
-              </a:rPr>
-              <a:t>0</a:t>
-            </a:r>
-            <a:r>
-              <a:rPr lang="en-GB" sz="1820" b="0" strike="noStrike" spc="-1">
-                <a:solidFill>
-                  <a:srgbClr val="000000"/>
-                </a:solidFill>
-                <a:latin typeface="Calibri"/>
-                <a:ea typeface="DejaVu Sans"/>
-              </a:rPr>
-              <a:t> is converted to FALSE, </a:t>
-            </a:r>
-            <a:r>
-              <a:rPr lang="en-GB" sz="1820" b="1" strike="noStrike" spc="-1">
-                <a:solidFill>
-                  <a:srgbClr val="000000"/>
-                </a:solidFill>
-                <a:latin typeface="Calibri"/>
-                <a:ea typeface="DejaVu Sans"/>
-              </a:rPr>
-              <a:t>“TRUE” </a:t>
-            </a:r>
-            <a:r>
-              <a:rPr lang="en-GB" sz="1820" b="0" strike="noStrike" spc="-1">
-                <a:solidFill>
-                  <a:srgbClr val="000000"/>
-                </a:solidFill>
-                <a:latin typeface="Calibri"/>
-                <a:ea typeface="DejaVu Sans"/>
-              </a:rPr>
-              <a:t>or </a:t>
-            </a:r>
-            <a:r>
-              <a:rPr lang="en-GB" sz="1820" b="1" strike="noStrike" spc="-1">
-                <a:solidFill>
-                  <a:srgbClr val="000000"/>
-                </a:solidFill>
-                <a:latin typeface="Calibri"/>
-                <a:ea typeface="DejaVu Sans"/>
-              </a:rPr>
-              <a:t>any non-zero number</a:t>
-            </a:r>
-            <a:r>
-              <a:rPr lang="en-GB" sz="1820" b="0" strike="noStrike" spc="-1">
-                <a:solidFill>
-                  <a:srgbClr val="000000"/>
-                </a:solidFill>
-                <a:latin typeface="Calibri"/>
-                <a:ea typeface="DejaVu Sans"/>
-              </a:rPr>
-              <a:t> is converted to TRUE</a:t>
-            </a:r>
-            <a:endParaRPr lang="en-GB" sz="1820" b="0" strike="noStrike" spc="-1">
-              <a:latin typeface="Arial"/>
-            </a:endParaRPr>
-          </a:p>
-          <a:p>
-            <a:pPr marL="343080" indent="-342000">
-              <a:lnSpc>
-                <a:spcPct val="100000"/>
-              </a:lnSpc>
-              <a:spcBef>
-                <a:spcPts val="434"/>
-              </a:spcBef>
-              <a:buClr>
-                <a:srgbClr val="000000"/>
-              </a:buClr>
-              <a:buFont typeface="Arial"/>
-              <a:buChar char="•"/>
-            </a:pPr>
-            <a:r>
-              <a:rPr lang="en-GB" sz="2180" b="0" strike="noStrike" spc="-1">
-                <a:solidFill>
-                  <a:srgbClr val="000000"/>
-                </a:solidFill>
-                <a:latin typeface="Courier New"/>
-                <a:ea typeface="DejaVu Sans"/>
-              </a:rPr>
-              <a:t>as.factor()</a:t>
-            </a:r>
-            <a:endParaRPr lang="en-GB" sz="2180" b="0" strike="noStrike" spc="-1">
-              <a:latin typeface="Arial"/>
-            </a:endParaRPr>
-          </a:p>
-          <a:p>
-            <a:pPr marL="743040" lvl="1" indent="-284760">
-              <a:lnSpc>
-                <a:spcPct val="100000"/>
-              </a:lnSpc>
-              <a:spcBef>
-                <a:spcPts val="363"/>
-              </a:spcBef>
-              <a:buClr>
-                <a:srgbClr val="000000"/>
-              </a:buClr>
-              <a:buFont typeface="Arial"/>
-              <a:buChar char="–"/>
-            </a:pPr>
-            <a:r>
-              <a:rPr lang="en-GB" sz="1820" b="0" strike="noStrike" spc="-1">
-                <a:solidFill>
-                  <a:srgbClr val="000000"/>
-                </a:solidFill>
-                <a:latin typeface="Calibri"/>
-                <a:ea typeface="DejaVu Sans"/>
-              </a:rPr>
-              <a:t>Any other data type can be converted to a factor</a:t>
-            </a:r>
-            <a:endParaRPr lang="en-GB" sz="1820" b="0" strike="noStrike" spc="-1">
-              <a:latin typeface="Arial"/>
-            </a:endParaRPr>
-          </a:p>
-        </p:txBody>
-      </p:sp>
-      <p:sp>
-        <p:nvSpPr>
-          <p:cNvPr id="265" name="CustomShape 3"/>
-          <p:cNvSpPr/>
-          <p:nvPr/>
-        </p:nvSpPr>
-        <p:spPr>
-          <a:xfrm>
-            <a:off x="457200" y="5423040"/>
-            <a:ext cx="3740760" cy="912600"/>
-          </a:xfrm>
-          <a:prstGeom prst="rect">
-            <a:avLst/>
-          </a:prstGeom>
-          <a:noFill/>
-          <a:ln>
-            <a:solidFill>
-              <a:schemeClr val="accent1"/>
-            </a:solidFill>
-          </a:ln>
-        </p:spPr>
-        <p:style>
-          <a:lnRef idx="0">
-            <a:scrgbClr r="0" g="0" b="0"/>
-          </a:lnRef>
-          <a:fillRef idx="0">
-            <a:scrgbClr r="0" g="0" b="0"/>
-          </a:fillRef>
-          <a:effectRef idx="0">
-            <a:scrgbClr r="0" g="0" b="0"/>
-          </a:effectRef>
-          <a:fontRef idx="minor"/>
-        </p:style>
-        <p:txBody>
-          <a:bodyPr lIns="90000" tIns="45000" rIns="90000" bIns="45000">
-            <a:spAutoFit/>
-          </a:bodyPr>
-          <a:lstStyle/>
-          <a:p>
-            <a:pPr>
-              <a:lnSpc>
-                <a:spcPct val="100000"/>
-              </a:lnSpc>
-              <a:tabLst>
-                <a:tab pos="0" algn="l"/>
-              </a:tabLst>
-            </a:pPr>
-            <a:r>
-              <a:rPr lang="en-GB" sz="1800" b="0" strike="noStrike" spc="-1">
-                <a:solidFill>
-                  <a:srgbClr val="FF0000"/>
-                </a:solidFill>
-                <a:latin typeface="Courier New"/>
-                <a:ea typeface="DejaVu Sans"/>
-              </a:rPr>
-              <a:t>Warning message:</a:t>
-            </a:r>
-            <a:endParaRPr lang="en-GB" sz="1800" b="0" strike="noStrike" spc="-1">
-              <a:latin typeface="Arial"/>
-            </a:endParaRPr>
-          </a:p>
-          <a:p>
-            <a:pPr>
-              <a:lnSpc>
-                <a:spcPct val="100000"/>
-              </a:lnSpc>
-              <a:tabLst>
-                <a:tab pos="0" algn="l"/>
-              </a:tabLst>
-            </a:pPr>
-            <a:r>
-              <a:rPr lang="en-GB" sz="1800" b="0" strike="noStrike" spc="-1">
-                <a:solidFill>
-                  <a:srgbClr val="FF0000"/>
-                </a:solidFill>
-                <a:latin typeface="Courier New"/>
-                <a:ea typeface="DejaVu Sans"/>
-              </a:rPr>
-              <a:t>NAs introduced by coercion </a:t>
-            </a:r>
-            <a:endParaRPr lang="en-GB" sz="1800" b="0" strike="noStrike" spc="-1">
-              <a:latin typeface="Arial"/>
-            </a:endParaRPr>
-          </a:p>
-        </p:txBody>
-      </p:sp>
-      <p:sp>
-        <p:nvSpPr>
-          <p:cNvPr id="266" name="CustomShape 4"/>
-          <p:cNvSpPr/>
-          <p:nvPr/>
-        </p:nvSpPr>
-        <p:spPr>
-          <a:xfrm>
-            <a:off x="4327920" y="5423040"/>
-            <a:ext cx="4570920" cy="1186920"/>
-          </a:xfrm>
-          <a:prstGeom prst="rect">
-            <a:avLst/>
-          </a:prstGeom>
-          <a:noFill/>
-          <a:ln>
-            <a:solidFill>
-              <a:schemeClr val="accent1"/>
-            </a:solidFill>
-          </a:ln>
-        </p:spPr>
-        <p:style>
-          <a:lnRef idx="0">
-            <a:scrgbClr r="0" g="0" b="0"/>
-          </a:lnRef>
-          <a:fillRef idx="0">
-            <a:scrgbClr r="0" g="0" b="0"/>
-          </a:fillRef>
-          <a:effectRef idx="0">
-            <a:scrgbClr r="0" g="0" b="0"/>
-          </a:effectRef>
-          <a:fontRef idx="minor"/>
-        </p:style>
-        <p:txBody>
-          <a:bodyPr lIns="90000" tIns="45000" rIns="90000" bIns="45000">
-            <a:spAutoFit/>
-          </a:bodyPr>
-          <a:lstStyle/>
-          <a:p>
-            <a:pPr>
-              <a:lnSpc>
-                <a:spcPct val="100000"/>
-              </a:lnSpc>
-              <a:tabLst>
-                <a:tab pos="0" algn="l"/>
-              </a:tabLst>
-            </a:pPr>
-            <a:r>
-              <a:rPr lang="en-GB" sz="1800" b="0" strike="noStrike" spc="-1">
-                <a:solidFill>
-                  <a:srgbClr val="000000"/>
-                </a:solidFill>
-                <a:latin typeface="Courier New"/>
-                <a:ea typeface="DejaVu Sans"/>
-              </a:rPr>
-              <a:t>&gt; as.numeric(as.character(14))</a:t>
-            </a:r>
-            <a:endParaRPr lang="en-GB" sz="1800" b="0" strike="noStrike" spc="-1">
-              <a:latin typeface="Arial"/>
-            </a:endParaRPr>
-          </a:p>
-          <a:p>
-            <a:pPr>
-              <a:lnSpc>
-                <a:spcPct val="100000"/>
-              </a:lnSpc>
-              <a:tabLst>
-                <a:tab pos="0" algn="l"/>
-              </a:tabLst>
-            </a:pPr>
-            <a:r>
-              <a:rPr lang="en-GB" sz="1800" b="0" strike="noStrike" spc="-1">
-                <a:solidFill>
-                  <a:srgbClr val="000000"/>
-                </a:solidFill>
-                <a:latin typeface="Courier New"/>
-                <a:ea typeface="DejaVu Sans"/>
-              </a:rPr>
-              <a:t>[1] 14</a:t>
-            </a:r>
-            <a:endParaRPr lang="en-GB" sz="1800" b="0" strike="noStrike" spc="-1">
-              <a:latin typeface="Arial"/>
-            </a:endParaRPr>
-          </a:p>
-          <a:p>
-            <a:pPr>
-              <a:lnSpc>
-                <a:spcPct val="100000"/>
-              </a:lnSpc>
-              <a:tabLst>
-                <a:tab pos="0" algn="l"/>
-              </a:tabLst>
-            </a:pPr>
-            <a:r>
-              <a:rPr lang="en-GB" sz="1800" b="0" strike="noStrike" spc="-1">
-                <a:solidFill>
-                  <a:srgbClr val="000000"/>
-                </a:solidFill>
-                <a:latin typeface="Courier New"/>
-                <a:ea typeface="DejaVu Sans"/>
-              </a:rPr>
-              <a:t>&gt; as.numeric(as.factor(14))</a:t>
-            </a:r>
-            <a:endParaRPr lang="en-GB" sz="1800" b="0" strike="noStrike" spc="-1">
-              <a:latin typeface="Arial"/>
-            </a:endParaRPr>
-          </a:p>
-          <a:p>
-            <a:pPr>
-              <a:lnSpc>
-                <a:spcPct val="100000"/>
-              </a:lnSpc>
-              <a:tabLst>
-                <a:tab pos="0" algn="l"/>
-              </a:tabLst>
-            </a:pPr>
-            <a:r>
-              <a:rPr lang="en-GB" sz="1800" b="0" strike="noStrike" spc="-1">
-                <a:solidFill>
-                  <a:srgbClr val="000000"/>
-                </a:solidFill>
-                <a:latin typeface="Courier New"/>
-                <a:ea typeface="DejaVu Sans"/>
-              </a:rPr>
-              <a:t>[1] 1</a:t>
-            </a:r>
-            <a:endParaRPr lang="en-GB" sz="1800" b="0" strike="noStrike" spc="-1">
-              <a:latin typeface="Arial"/>
-            </a:endParaRPr>
-          </a:p>
-        </p:txBody>
-      </p:sp>
-      <p:sp>
-        <p:nvSpPr>
-          <p:cNvPr id="267" name="CustomShape 5"/>
-          <p:cNvSpPr/>
-          <p:nvPr/>
-        </p:nvSpPr>
-        <p:spPr>
-          <a:xfrm>
-            <a:off x="1396080" y="5053680"/>
-            <a:ext cx="1863360" cy="363960"/>
-          </a:xfrm>
-          <a:prstGeom prst="rect">
-            <a:avLst/>
-          </a:prstGeom>
-          <a:noFill/>
-          <a:ln>
-            <a:noFill/>
-          </a:ln>
-        </p:spPr>
-        <p:style>
-          <a:lnRef idx="0">
-            <a:scrgbClr r="0" g="0" b="0"/>
-          </a:lnRef>
-          <a:fillRef idx="0">
-            <a:scrgbClr r="0" g="0" b="0"/>
-          </a:fillRef>
-          <a:effectRef idx="0">
-            <a:scrgbClr r="0" g="0" b="0"/>
-          </a:effectRef>
-          <a:fontRef idx="minor"/>
-        </p:style>
-        <p:txBody>
-          <a:bodyPr lIns="90000" tIns="45000" rIns="90000" bIns="45000">
-            <a:spAutoFit/>
-          </a:bodyPr>
-          <a:lstStyle/>
-          <a:p>
-            <a:pPr algn="ctr">
-              <a:lnSpc>
-                <a:spcPct val="100000"/>
-              </a:lnSpc>
-              <a:tabLst>
-                <a:tab pos="0" algn="l"/>
-              </a:tabLst>
-            </a:pPr>
-            <a:r>
-              <a:rPr lang="en-GB" sz="1800" b="0" strike="noStrike" spc="-1">
-                <a:solidFill>
-                  <a:srgbClr val="000000"/>
-                </a:solidFill>
-                <a:latin typeface="Calibri"/>
-                <a:ea typeface="DejaVu Sans"/>
-              </a:rPr>
-              <a:t>Warnings</a:t>
-            </a:r>
-            <a:endParaRPr lang="en-GB" sz="1800" b="0" strike="noStrike" spc="-1">
-              <a:latin typeface="Arial"/>
-            </a:endParaRPr>
-          </a:p>
-        </p:txBody>
-      </p:sp>
-      <p:sp>
-        <p:nvSpPr>
-          <p:cNvPr id="268" name="CustomShape 6"/>
-          <p:cNvSpPr/>
-          <p:nvPr/>
-        </p:nvSpPr>
-        <p:spPr>
-          <a:xfrm>
-            <a:off x="5681880" y="5053680"/>
-            <a:ext cx="1863360" cy="363960"/>
-          </a:xfrm>
-          <a:prstGeom prst="rect">
-            <a:avLst/>
-          </a:prstGeom>
-          <a:noFill/>
-          <a:ln>
-            <a:noFill/>
-          </a:ln>
-        </p:spPr>
-        <p:style>
-          <a:lnRef idx="0">
-            <a:scrgbClr r="0" g="0" b="0"/>
-          </a:lnRef>
-          <a:fillRef idx="0">
-            <a:scrgbClr r="0" g="0" b="0"/>
-          </a:fillRef>
-          <a:effectRef idx="0">
-            <a:scrgbClr r="0" g="0" b="0"/>
-          </a:effectRef>
-          <a:fontRef idx="minor"/>
-        </p:style>
-        <p:txBody>
-          <a:bodyPr lIns="90000" tIns="45000" rIns="90000" bIns="45000">
-            <a:spAutoFit/>
-          </a:bodyPr>
-          <a:lstStyle/>
-          <a:p>
-            <a:pPr algn="ctr">
-              <a:lnSpc>
-                <a:spcPct val="100000"/>
-              </a:lnSpc>
-              <a:tabLst>
-                <a:tab pos="0" algn="l"/>
-              </a:tabLst>
-            </a:pPr>
-            <a:r>
-              <a:rPr lang="en-GB" sz="1800" b="0" strike="noStrike" spc="-1">
-                <a:solidFill>
-                  <a:srgbClr val="000000"/>
-                </a:solidFill>
-                <a:latin typeface="Calibri"/>
-                <a:ea typeface="DejaVu Sans"/>
-              </a:rPr>
-              <a:t>Silent effects</a:t>
-            </a:r>
-            <a:endParaRPr lang="en-GB" sz="1800" b="0" strike="noStrike" spc="-1">
-              <a:latin typeface="Arial"/>
-            </a:endParaRPr>
-          </a:p>
-        </p:txBody>
-      </p:sp>
-    </p:spTree>
-  </p:cSld>
-  <p:clrMapOvr>
-    <a:masterClrMapping/>
-  </p:clrMapOvr>
-  <p:timing>
-    <p:tnLst>
-      <p:par>
-        <p:cTn id="1" dur="indefinite" restart="never" nodeType="tmRoot">
-          <p:childTnLst>
-            <p:seq>
-              <p:cTn id="2" dur="indefinite" nodeType="mainSeq">
-                <p:childTnLst>
-                  <p:par>
-                    <p:cTn id="3" fill="hold">
-                      <p:stCondLst>
-                        <p:cond delay="indefinite"/>
-                      </p:stCondLst>
-                      <p:childTnLst>
-                        <p:par>
-                          <p:cTn id="4" fill="hold">
-                            <p:stCondLst>
-                              <p:cond delay="0"/>
-                            </p:stCondLst>
-                            <p:childTnLst>
-                              <p:par>
-                                <p:cTn id="5" presetID="1" presetClass="entr" fill="hold" nodeType="clickEffect">
-                                  <p:stCondLst>
-                                    <p:cond delay="0"/>
-                                  </p:stCondLst>
-                                  <p:childTnLst>
-                                    <p:set>
-                                      <p:cBhvr>
-                                        <p:cTn id="6" dur="1" fill="hold">
-                                          <p:stCondLst>
-                                            <p:cond delay="0"/>
-                                          </p:stCondLst>
-                                        </p:cTn>
-                                        <p:tgtEl>
-                                          <p:spTgt spid="265"/>
-                                        </p:tgtEl>
-                                        <p:attrNameLst>
-                                          <p:attrName>style.visibility</p:attrName>
-                                        </p:attrNameLst>
-                                      </p:cBhvr>
-                                      <p:to>
-                                        <p:strVal val="visible"/>
-                                      </p:to>
-                                    </p:set>
-                                  </p:childTnLst>
-                                </p:cTn>
-                              </p:par>
-                              <p:par>
-                                <p:cTn id="7" presetID="1" presetClass="entr" fill="hold" nodeType="withEffect">
-                                  <p:stCondLst>
-                                    <p:cond delay="0"/>
-                                  </p:stCondLst>
-                                  <p:childTnLst>
-                                    <p:set>
-                                      <p:cBhvr>
-                                        <p:cTn id="8" dur="1" fill="hold">
-                                          <p:stCondLst>
-                                            <p:cond delay="0"/>
-                                          </p:stCondLst>
-                                        </p:cTn>
-                                        <p:tgtEl>
-                                          <p:spTgt spid="266"/>
-                                        </p:tgtEl>
-                                        <p:attrNameLst>
-                                          <p:attrName>style.visibility</p:attrName>
-                                        </p:attrNameLst>
-                                      </p:cBhvr>
-                                      <p:to>
-                                        <p:strVal val="visible"/>
-                                      </p:to>
-                                    </p:set>
-                                  </p:childTnLst>
-                                </p:cTn>
-                              </p:par>
-                              <p:par>
-                                <p:cTn id="9" presetID="1" presetClass="entr" fill="hold" nodeType="withEffect">
-                                  <p:stCondLst>
-                                    <p:cond delay="0"/>
-                                  </p:stCondLst>
-                                  <p:childTnLst>
-                                    <p:set>
-                                      <p:cBhvr>
-                                        <p:cTn id="10" dur="1" fill="hold">
-                                          <p:stCondLst>
-                                            <p:cond delay="0"/>
-                                          </p:stCondLst>
-                                        </p:cTn>
-                                        <p:tgtEl>
-                                          <p:spTgt spid="267"/>
-                                        </p:tgtEl>
-                                        <p:attrNameLst>
-                                          <p:attrName>style.visibility</p:attrName>
-                                        </p:attrNameLst>
-                                      </p:cBhvr>
-                                      <p:to>
-                                        <p:strVal val="visible"/>
-                                      </p:to>
-                                    </p:set>
-                                  </p:childTnLst>
-                                </p:cTn>
-                              </p:par>
-                              <p:par>
-                                <p:cTn id="11" presetID="1" presetClass="entr" fill="hold" nodeType="withEffect">
-                                  <p:stCondLst>
-                                    <p:cond delay="0"/>
-                                  </p:stCondLst>
-                                  <p:childTnLst>
-                                    <p:set>
-                                      <p:cBhvr>
-                                        <p:cTn id="12" dur="1" fill="hold">
-                                          <p:stCondLst>
-                                            <p:cond delay="0"/>
-                                          </p:stCondLst>
-                                        </p:cTn>
-                                        <p:tgtEl>
-                                          <p:spTgt spid="268"/>
                                         </p:tgtEl>
                                         <p:attrNameLst>
                                           <p:attrName>style.visibility</p:attrName>

--- a/powerpoint/Session1.pptx
+++ b/powerpoint/Session1.pptx
@@ -148,7 +148,7 @@
 <file path=ppt/revisionInfo.xml><?xml version="1.0" encoding="utf-8"?>
 <p1510:revInfo xmlns:a="http://schemas.openxmlformats.org/drawingml/2006/main" xmlns:r="http://schemas.openxmlformats.org/officeDocument/2006/relationships" xmlns:p1510="http://schemas.microsoft.com/office/powerpoint/2015/10/main">
   <p1510:revLst>
-    <p1510:client id="{6B9E06D8-20C2-D848-A103-87A0E5BBED98}" v="2" dt="2023-10-10T08:08:36.902"/>
+    <p1510:client id="{6B9E06D8-20C2-D848-A103-87A0E5BBED98}" v="9" dt="2023-10-10T10:24:38.899"/>
   </p1510:revLst>
 </p1510:revInfo>
 </file>
@@ -158,7 +158,7 @@
   <pc:docChgLst>
     <pc:chgData name="Srinivasa Rao" userId="a6b54366-f13d-4292-8bb4-f06c50909b1e" providerId="ADAL" clId="{6B9E06D8-20C2-D848-A103-87A0E5BBED98}"/>
     <pc:docChg chg="custSel addSld delSld modSld sldOrd">
-      <pc:chgData name="Srinivasa Rao" userId="a6b54366-f13d-4292-8bb4-f06c50909b1e" providerId="ADAL" clId="{6B9E06D8-20C2-D848-A103-87A0E5BBED98}" dt="2023-10-10T08:09:11.243" v="218" actId="14100"/>
+      <pc:chgData name="Srinivasa Rao" userId="a6b54366-f13d-4292-8bb4-f06c50909b1e" providerId="ADAL" clId="{6B9E06D8-20C2-D848-A103-87A0E5BBED98}" dt="2023-10-10T10:24:42.232" v="226" actId="14100"/>
       <pc:docMkLst>
         <pc:docMk/>
       </pc:docMkLst>
@@ -197,6 +197,21 @@
             <pc:docMk/>
             <pc:sldMk cId="0" sldId="257"/>
             <ac:spMk id="230" creationId="{00000000-0000-0000-0000-000000000000}"/>
+          </ac:spMkLst>
+        </pc:spChg>
+      </pc:sldChg>
+      <pc:sldChg chg="modSp mod">
+        <pc:chgData name="Srinivasa Rao" userId="a6b54366-f13d-4292-8bb4-f06c50909b1e" providerId="ADAL" clId="{6B9E06D8-20C2-D848-A103-87A0E5BBED98}" dt="2023-10-10T10:24:42.232" v="226" actId="14100"/>
+        <pc:sldMkLst>
+          <pc:docMk/>
+          <pc:sldMk cId="0" sldId="269"/>
+        </pc:sldMkLst>
+        <pc:spChg chg="mod">
+          <ac:chgData name="Srinivasa Rao" userId="a6b54366-f13d-4292-8bb4-f06c50909b1e" providerId="ADAL" clId="{6B9E06D8-20C2-D848-A103-87A0E5BBED98}" dt="2023-10-10T10:24:42.232" v="226" actId="14100"/>
+          <ac:spMkLst>
+            <pc:docMk/>
+            <pc:sldMk cId="0" sldId="269"/>
+            <ac:spMk id="341" creationId="{00000000-0000-0000-0000-000000000000}"/>
           </ac:spMkLst>
         </pc:spChg>
       </pc:sldChg>
@@ -28849,16 +28864,26 @@
               </a:tabLst>
             </a:pPr>
             <a:r>
-              <a:rPr lang="en-GB" sz="1640" b="0" strike="noStrike" spc="-1">
+              <a:rPr lang="en-GB" sz="1640" b="0" strike="noStrike" spc="-1" dirty="0" err="1">
                 <a:solidFill>
                   <a:srgbClr val="E46C0A"/>
                 </a:solidFill>
                 <a:latin typeface="Courier New"/>
                 <a:ea typeface="DejaVu Sans"/>
               </a:rPr>
-              <a:t>My_df[ , 3]</a:t>
+              <a:t>My_df</a:t>
             </a:r>
-            <a:endParaRPr lang="en-GB" sz="1640" b="0" strike="noStrike" spc="-1">
+            <a:r>
+              <a:rPr lang="en-GB" sz="1640" b="0" strike="noStrike" spc="-1" dirty="0">
+                <a:solidFill>
+                  <a:srgbClr val="E46C0A"/>
+                </a:solidFill>
+                <a:latin typeface="Courier New"/>
+                <a:ea typeface="DejaVu Sans"/>
+              </a:rPr>
+              <a:t>[ , 3]</a:t>
+            </a:r>
+            <a:endParaRPr lang="en-GB" sz="1640" b="0" strike="noStrike" spc="-1" dirty="0">
               <a:latin typeface="Arial"/>
             </a:endParaRPr>
           </a:p>
@@ -29645,8 +29670,8 @@
         </p:nvSpPr>
         <p:spPr>
           <a:xfrm>
-            <a:off x="4222800" y="4875480"/>
-            <a:ext cx="1814040" cy="343256"/>
+            <a:off x="4222799" y="4875480"/>
+            <a:ext cx="2688639" cy="343256"/>
           </a:xfrm>
           <a:prstGeom prst="rect">
             <a:avLst/>
@@ -29669,7 +29694,7 @@
           <a:fontRef idx="minor"/>
         </p:style>
         <p:txBody>
-          <a:bodyPr lIns="90000" tIns="45000" rIns="90000" bIns="45000">
+          <a:bodyPr wrap="square" lIns="90000" tIns="45000" rIns="90000" bIns="45000">
             <a:spAutoFit/>
           </a:bodyPr>
           <a:lstStyle/>
@@ -29700,7 +29725,7 @@
                 <a:latin typeface="Courier New"/>
                 <a:ea typeface="DejaVu Sans"/>
               </a:rPr>
-              <a:t>Gene_id</a:t>
+              <a:t>Gene_count</a:t>
             </a:r>
             <a:endParaRPr lang="en-GB" sz="1640" b="0" strike="noStrike" spc="-1" dirty="0">
               <a:latin typeface="Arial"/>
